--- a/LangChainについて.pptx
+++ b/LangChainについて.pptx
@@ -33,15 +33,16 @@
     <p:sldId id="300" r:id="rId27"/>
     <p:sldId id="301" r:id="rId28"/>
     <p:sldId id="302" r:id="rId29"/>
-    <p:sldId id="303" r:id="rId30"/>
-    <p:sldId id="263" r:id="rId31"/>
-    <p:sldId id="270" r:id="rId32"/>
-    <p:sldId id="272" r:id="rId33"/>
-    <p:sldId id="273" r:id="rId34"/>
-    <p:sldId id="274" r:id="rId35"/>
-    <p:sldId id="276" r:id="rId36"/>
-    <p:sldId id="275" r:id="rId37"/>
-    <p:sldId id="258" r:id="rId38"/>
+    <p:sldId id="304" r:id="rId30"/>
+    <p:sldId id="303" r:id="rId31"/>
+    <p:sldId id="263" r:id="rId32"/>
+    <p:sldId id="270" r:id="rId33"/>
+    <p:sldId id="272" r:id="rId34"/>
+    <p:sldId id="273" r:id="rId35"/>
+    <p:sldId id="274" r:id="rId36"/>
+    <p:sldId id="276" r:id="rId37"/>
+    <p:sldId id="275" r:id="rId38"/>
+    <p:sldId id="258" r:id="rId39"/>
   </p:sldIdLst>
   <p:sldSz cx="12192000" cy="6858000"/>
   <p:notesSz cx="6858000" cy="9144000"/>
@@ -140,13 +141,18 @@
       </a:defRPr>
     </a:lvl9pPr>
   </p:defaultTextStyle>
+  <p:extLst>
+    <p:ext uri="{EFAFB233-063F-42B5-8137-9DF3F51BA10A}">
+      <p15:sldGuideLst xmlns:p15="http://schemas.microsoft.com/office/powerpoint/2012/main"/>
+    </p:ext>
+  </p:extLst>
 </p:presentation>
 </file>
 
 <file path=ppt/revisionInfo.xml><?xml version="1.0" encoding="utf-8"?>
 <p1510:revInfo xmlns:a="http://schemas.openxmlformats.org/drawingml/2006/main" xmlns:r="http://schemas.openxmlformats.org/officeDocument/2006/relationships" xmlns:p1510="http://schemas.microsoft.com/office/powerpoint/2015/10/main">
   <p1510:revLst>
-    <p1510:client id="{C79585E8-B497-4644-8F02-B52EA6E7B8F3}" v="129" dt="2023-05-23T05:50:50.796"/>
+    <p1510:client id="{C79585E8-B497-4644-8F02-B52EA6E7B8F3}" v="145" dt="2023-05-23T10:19:40.030"/>
   </p1510:revLst>
 </p1510:revInfo>
 </file>
@@ -156,7 +162,7 @@
   <pc:docChgLst>
     <pc:chgData name="泰弘 仲山" userId="857b4835f3abfbd8" providerId="LiveId" clId="{C79585E8-B497-4644-8F02-B52EA6E7B8F3}"/>
     <pc:docChg chg="undo custSel addSld delSld modSld sldOrd">
-      <pc:chgData name="泰弘 仲山" userId="857b4835f3abfbd8" providerId="LiveId" clId="{C79585E8-B497-4644-8F02-B52EA6E7B8F3}" dt="2023-05-23T05:53:01.847" v="8146" actId="20577"/>
+      <pc:chgData name="泰弘 仲山" userId="857b4835f3abfbd8" providerId="LiveId" clId="{C79585E8-B497-4644-8F02-B52EA6E7B8F3}" dt="2023-05-23T10:31:48.830" v="9540" actId="255"/>
       <pc:docMkLst>
         <pc:docMk/>
       </pc:docMkLst>
@@ -207,7 +213,7 @@
         </pc:spChg>
       </pc:sldChg>
       <pc:sldChg chg="modSp new mod">
-        <pc:chgData name="泰弘 仲山" userId="857b4835f3abfbd8" providerId="LiveId" clId="{C79585E8-B497-4644-8F02-B52EA6E7B8F3}" dt="2023-05-23T02:26:38.621" v="4771"/>
+        <pc:chgData name="泰弘 仲山" userId="857b4835f3abfbd8" providerId="LiveId" clId="{C79585E8-B497-4644-8F02-B52EA6E7B8F3}" dt="2023-05-23T10:06:19.500" v="8780" actId="20577"/>
         <pc:sldMkLst>
           <pc:docMk/>
           <pc:sldMk cId="326389105" sldId="258"/>
@@ -221,7 +227,7 @@
           </ac:spMkLst>
         </pc:spChg>
         <pc:spChg chg="mod">
-          <ac:chgData name="泰弘 仲山" userId="857b4835f3abfbd8" providerId="LiveId" clId="{C79585E8-B497-4644-8F02-B52EA6E7B8F3}" dt="2023-05-23T02:26:38.621" v="4771"/>
+          <ac:chgData name="泰弘 仲山" userId="857b4835f3abfbd8" providerId="LiveId" clId="{C79585E8-B497-4644-8F02-B52EA6E7B8F3}" dt="2023-05-23T10:06:19.500" v="8780" actId="20577"/>
           <ac:spMkLst>
             <pc:docMk/>
             <pc:sldMk cId="326389105" sldId="258"/>
@@ -1264,8 +1270,8 @@
           </ac:picMkLst>
         </pc:picChg>
       </pc:sldChg>
-      <pc:sldChg chg="modSp add mod">
-        <pc:chgData name="泰弘 仲山" userId="857b4835f3abfbd8" providerId="LiveId" clId="{C79585E8-B497-4644-8F02-B52EA6E7B8F3}" dt="2023-05-23T04:20:03.815" v="5913" actId="20577"/>
+      <pc:sldChg chg="addSp modSp add mod">
+        <pc:chgData name="泰弘 仲山" userId="857b4835f3abfbd8" providerId="LiveId" clId="{C79585E8-B497-4644-8F02-B52EA6E7B8F3}" dt="2023-05-23T09:37:17.848" v="8585"/>
         <pc:sldMkLst>
           <pc:docMk/>
           <pc:sldMk cId="2612032614" sldId="280"/>
@@ -1279,16 +1285,32 @@
           </ac:spMkLst>
         </pc:spChg>
         <pc:spChg chg="mod">
-          <ac:chgData name="泰弘 仲山" userId="857b4835f3abfbd8" providerId="LiveId" clId="{C79585E8-B497-4644-8F02-B52EA6E7B8F3}" dt="2023-05-23T04:20:03.815" v="5913" actId="20577"/>
+          <ac:chgData name="泰弘 仲山" userId="857b4835f3abfbd8" providerId="LiveId" clId="{C79585E8-B497-4644-8F02-B52EA6E7B8F3}" dt="2023-05-23T09:36:50.256" v="8579" actId="14100"/>
           <ac:spMkLst>
             <pc:docMk/>
             <pc:sldMk cId="2612032614" sldId="280"/>
             <ac:spMk id="3" creationId="{B67E071B-4436-63F2-3B68-D6BC3EA36BD8}"/>
           </ac:spMkLst>
         </pc:spChg>
+        <pc:spChg chg="add mod">
+          <ac:chgData name="泰弘 仲山" userId="857b4835f3abfbd8" providerId="LiveId" clId="{C79585E8-B497-4644-8F02-B52EA6E7B8F3}" dt="2023-05-23T09:37:17.848" v="8585"/>
+          <ac:spMkLst>
+            <pc:docMk/>
+            <pc:sldMk cId="2612032614" sldId="280"/>
+            <ac:spMk id="6" creationId="{6F888EE5-BF77-6526-53C1-049FB62F2C65}"/>
+          </ac:spMkLst>
+        </pc:spChg>
+        <pc:picChg chg="add mod">
+          <ac:chgData name="泰弘 仲山" userId="857b4835f3abfbd8" providerId="LiveId" clId="{C79585E8-B497-4644-8F02-B52EA6E7B8F3}" dt="2023-05-23T09:36:51.824" v="8580" actId="1076"/>
+          <ac:picMkLst>
+            <pc:docMk/>
+            <pc:sldMk cId="2612032614" sldId="280"/>
+            <ac:picMk id="5" creationId="{3B5176B3-48CC-A88D-68EA-801F03E01F7C}"/>
+          </ac:picMkLst>
+        </pc:picChg>
       </pc:sldChg>
       <pc:sldChg chg="addSp delSp modSp add mod">
-        <pc:chgData name="泰弘 仲山" userId="857b4835f3abfbd8" providerId="LiveId" clId="{C79585E8-B497-4644-8F02-B52EA6E7B8F3}" dt="2023-05-23T05:25:25.862" v="7848" actId="1076"/>
+        <pc:chgData name="泰弘 仲山" userId="857b4835f3abfbd8" providerId="LiveId" clId="{C79585E8-B497-4644-8F02-B52EA6E7B8F3}" dt="2023-05-23T09:36:58.423" v="8582" actId="1076"/>
         <pc:sldMkLst>
           <pc:docMk/>
           <pc:sldMk cId="1839472205" sldId="281"/>
@@ -1326,7 +1348,7 @@
           </ac:picMkLst>
         </pc:picChg>
         <pc:picChg chg="add mod">
-          <ac:chgData name="泰弘 仲山" userId="857b4835f3abfbd8" providerId="LiveId" clId="{C79585E8-B497-4644-8F02-B52EA6E7B8F3}" dt="2023-05-23T05:24:33.543" v="7828" actId="1076"/>
+          <ac:chgData name="泰弘 仲山" userId="857b4835f3abfbd8" providerId="LiveId" clId="{C79585E8-B497-4644-8F02-B52EA6E7B8F3}" dt="2023-05-23T09:36:58.423" v="8582" actId="1076"/>
           <ac:picMkLst>
             <pc:docMk/>
             <pc:sldMk cId="1839472205" sldId="281"/>
@@ -1496,7 +1518,7 @@
         </pc:sldMkLst>
       </pc:sldChg>
       <pc:sldChg chg="addSp delSp modSp add mod">
-        <pc:chgData name="泰弘 仲山" userId="857b4835f3abfbd8" providerId="LiveId" clId="{C79585E8-B497-4644-8F02-B52EA6E7B8F3}" dt="2023-05-23T05:53:01.847" v="8146" actId="20577"/>
+        <pc:chgData name="泰弘 仲山" userId="857b4835f3abfbd8" providerId="LiveId" clId="{C79585E8-B497-4644-8F02-B52EA6E7B8F3}" dt="2023-05-23T09:38:12.184" v="8625" actId="20577"/>
         <pc:sldMkLst>
           <pc:docMk/>
           <pc:sldMk cId="1216521475" sldId="289"/>
@@ -1507,6 +1529,14 @@
             <pc:docMk/>
             <pc:sldMk cId="1216521475" sldId="289"/>
             <ac:spMk id="2" creationId="{2307BB75-827C-BB57-F3C5-1646EE9DDE97}"/>
+          </ac:spMkLst>
+        </pc:spChg>
+        <pc:spChg chg="add mod">
+          <ac:chgData name="泰弘 仲山" userId="857b4835f3abfbd8" providerId="LiveId" clId="{C79585E8-B497-4644-8F02-B52EA6E7B8F3}" dt="2023-05-23T09:38:12.184" v="8625" actId="20577"/>
+          <ac:spMkLst>
+            <pc:docMk/>
+            <pc:sldMk cId="1216521475" sldId="289"/>
+            <ac:spMk id="3" creationId="{23299F57-ECFB-283B-E8A4-7E1C1B21C560}"/>
           </ac:spMkLst>
         </pc:spChg>
         <pc:spChg chg="add del mod">
@@ -1534,7 +1564,7 @@
           </ac:picMkLst>
         </pc:picChg>
         <pc:picChg chg="add mod">
-          <ac:chgData name="泰弘 仲山" userId="857b4835f3abfbd8" providerId="LiveId" clId="{C79585E8-B497-4644-8F02-B52EA6E7B8F3}" dt="2023-05-23T05:51:24.342" v="8027" actId="1076"/>
+          <ac:chgData name="泰弘 仲山" userId="857b4835f3abfbd8" providerId="LiveId" clId="{C79585E8-B497-4644-8F02-B52EA6E7B8F3}" dt="2023-05-23T09:37:38.199" v="8589" actId="14100"/>
           <ac:picMkLst>
             <pc:docMk/>
             <pc:sldMk cId="1216521475" sldId="289"/>
@@ -1550,7 +1580,7 @@
           </ac:picMkLst>
         </pc:picChg>
         <pc:picChg chg="add mod">
-          <ac:chgData name="泰弘 仲山" userId="857b4835f3abfbd8" providerId="LiveId" clId="{C79585E8-B497-4644-8F02-B52EA6E7B8F3}" dt="2023-05-23T05:51:22.601" v="8026" actId="1076"/>
+          <ac:chgData name="泰弘 仲山" userId="857b4835f3abfbd8" providerId="LiveId" clId="{C79585E8-B497-4644-8F02-B52EA6E7B8F3}" dt="2023-05-23T09:37:41.325" v="8590" actId="1076"/>
           <ac:picMkLst>
             <pc:docMk/>
             <pc:sldMk cId="1216521475" sldId="289"/>
@@ -1567,7 +1597,7 @@
         </pc:picChg>
       </pc:sldChg>
       <pc:sldChg chg="addSp delSp modSp add mod">
-        <pc:chgData name="泰弘 仲山" userId="857b4835f3abfbd8" providerId="LiveId" clId="{C79585E8-B497-4644-8F02-B52EA6E7B8F3}" dt="2023-05-23T04:49:57.017" v="6692" actId="1076"/>
+        <pc:chgData name="泰弘 仲山" userId="857b4835f3abfbd8" providerId="LiveId" clId="{C79585E8-B497-4644-8F02-B52EA6E7B8F3}" dt="2023-05-23T09:38:25.683" v="8627" actId="1076"/>
         <pc:sldMkLst>
           <pc:docMk/>
           <pc:sldMk cId="2018993548" sldId="290"/>
@@ -1597,7 +1627,7 @@
           </ac:picMkLst>
         </pc:picChg>
         <pc:picChg chg="add mod">
-          <ac:chgData name="泰弘 仲山" userId="857b4835f3abfbd8" providerId="LiveId" clId="{C79585E8-B497-4644-8F02-B52EA6E7B8F3}" dt="2023-05-23T04:49:57.017" v="6692" actId="1076"/>
+          <ac:chgData name="泰弘 仲山" userId="857b4835f3abfbd8" providerId="LiveId" clId="{C79585E8-B497-4644-8F02-B52EA6E7B8F3}" dt="2023-05-23T09:38:25.683" v="8627" actId="1076"/>
           <ac:picMkLst>
             <pc:docMk/>
             <pc:sldMk cId="2018993548" sldId="290"/>
@@ -1605,8 +1635,8 @@
           </ac:picMkLst>
         </pc:picChg>
       </pc:sldChg>
-      <pc:sldChg chg="modSp add mod">
-        <pc:chgData name="泰弘 仲山" userId="857b4835f3abfbd8" providerId="LiveId" clId="{C79585E8-B497-4644-8F02-B52EA6E7B8F3}" dt="2023-05-23T04:51:17.832" v="6695" actId="14100"/>
+      <pc:sldChg chg="addSp delSp modSp add mod">
+        <pc:chgData name="泰弘 仲山" userId="857b4835f3abfbd8" providerId="LiveId" clId="{C79585E8-B497-4644-8F02-B52EA6E7B8F3}" dt="2023-05-23T08:46:38.200" v="8420" actId="20577"/>
         <pc:sldMkLst>
           <pc:docMk/>
           <pc:sldMk cId="3518453606" sldId="291"/>
@@ -1620,13 +1650,61 @@
           </ac:spMkLst>
         </pc:spChg>
         <pc:spChg chg="mod">
-          <ac:chgData name="泰弘 仲山" userId="857b4835f3abfbd8" providerId="LiveId" clId="{C79585E8-B497-4644-8F02-B52EA6E7B8F3}" dt="2023-05-23T04:51:17.832" v="6695" actId="14100"/>
+          <ac:chgData name="泰弘 仲山" userId="857b4835f3abfbd8" providerId="LiveId" clId="{C79585E8-B497-4644-8F02-B52EA6E7B8F3}" dt="2023-05-23T08:42:03.092" v="8260" actId="14100"/>
           <ac:spMkLst>
             <pc:docMk/>
             <pc:sldMk cId="3518453606" sldId="291"/>
             <ac:spMk id="4" creationId="{9F0CCF37-CC28-5249-059C-5F6CB7A157E9}"/>
           </ac:spMkLst>
         </pc:spChg>
+        <pc:spChg chg="add del">
+          <ac:chgData name="泰弘 仲山" userId="857b4835f3abfbd8" providerId="LiveId" clId="{C79585E8-B497-4644-8F02-B52EA6E7B8F3}" dt="2023-05-23T08:12:04.553" v="8174" actId="22"/>
+          <ac:spMkLst>
+            <pc:docMk/>
+            <pc:sldMk cId="3518453606" sldId="291"/>
+            <ac:spMk id="5" creationId="{47EAE59E-07FA-13AD-959A-2E20C5DAFCCD}"/>
+          </ac:spMkLst>
+        </pc:spChg>
+        <pc:spChg chg="add mod">
+          <ac:chgData name="泰弘 仲山" userId="857b4835f3abfbd8" providerId="LiveId" clId="{C79585E8-B497-4644-8F02-B52EA6E7B8F3}" dt="2023-05-23T08:46:20.025" v="8376" actId="20577"/>
+          <ac:spMkLst>
+            <pc:docMk/>
+            <pc:sldMk cId="3518453606" sldId="291"/>
+            <ac:spMk id="8" creationId="{2FBC49B2-9EC1-4966-C31F-313246C2E443}"/>
+          </ac:spMkLst>
+        </pc:spChg>
+        <pc:spChg chg="add mod">
+          <ac:chgData name="泰弘 仲山" userId="857b4835f3abfbd8" providerId="LiveId" clId="{C79585E8-B497-4644-8F02-B52EA6E7B8F3}" dt="2023-05-23T08:46:38.200" v="8420" actId="20577"/>
+          <ac:spMkLst>
+            <pc:docMk/>
+            <pc:sldMk cId="3518453606" sldId="291"/>
+            <ac:spMk id="13" creationId="{2315497D-E3F9-9E35-4CCE-3FA4AC99CEA7}"/>
+          </ac:spMkLst>
+        </pc:spChg>
+        <pc:picChg chg="add del mod">
+          <ac:chgData name="泰弘 仲山" userId="857b4835f3abfbd8" providerId="LiveId" clId="{C79585E8-B497-4644-8F02-B52EA6E7B8F3}" dt="2023-05-23T08:45:04.698" v="8335" actId="478"/>
+          <ac:picMkLst>
+            <pc:docMk/>
+            <pc:sldMk cId="3518453606" sldId="291"/>
+            <ac:picMk id="7" creationId="{3A810F70-A26F-74B8-8CE0-97B7676699C5}"/>
+          </ac:picMkLst>
+        </pc:picChg>
+        <pc:picChg chg="add mod">
+          <ac:chgData name="泰弘 仲山" userId="857b4835f3abfbd8" providerId="LiveId" clId="{C79585E8-B497-4644-8F02-B52EA6E7B8F3}" dt="2023-05-23T08:45:11.383" v="8337" actId="14100"/>
+          <ac:picMkLst>
+            <pc:docMk/>
+            <pc:sldMk cId="3518453606" sldId="291"/>
+            <ac:picMk id="10" creationId="{7F81D353-BCF4-A603-DC81-11C75C583574}"/>
+          </ac:picMkLst>
+        </pc:picChg>
+        <pc:picChg chg="add mod">
+          <ac:chgData name="泰弘 仲山" userId="857b4835f3abfbd8" providerId="LiveId" clId="{C79585E8-B497-4644-8F02-B52EA6E7B8F3}" dt="2023-05-23T08:45:36.286" v="8340" actId="14100"/>
+          <ac:picMkLst>
+            <pc:docMk/>
+            <pc:sldMk cId="3518453606" sldId="291"/>
+            <ac:picMk id="12" creationId="{20F5570C-73CD-0872-BCE0-F750963B9D92}"/>
+          </ac:picMkLst>
+        </pc:picChg>
       </pc:sldChg>
       <pc:sldChg chg="modSp add mod">
         <pc:chgData name="泰弘 仲山" userId="857b4835f3abfbd8" providerId="LiveId" clId="{C79585E8-B497-4644-8F02-B52EA6E7B8F3}" dt="2023-05-23T05:11:36.618" v="7429" actId="1036"/>
@@ -1704,8 +1782,8 @@
           </ac:graphicFrameMkLst>
         </pc:graphicFrameChg>
       </pc:sldChg>
-      <pc:sldChg chg="modSp add mod">
-        <pc:chgData name="泰弘 仲山" userId="857b4835f3abfbd8" providerId="LiveId" clId="{C79585E8-B497-4644-8F02-B52EA6E7B8F3}" dt="2023-05-23T04:53:59.179" v="6697"/>
+      <pc:sldChg chg="addSp modSp add mod">
+        <pc:chgData name="泰弘 仲山" userId="857b4835f3abfbd8" providerId="LiveId" clId="{C79585E8-B497-4644-8F02-B52EA6E7B8F3}" dt="2023-05-23T09:39:11.979" v="8629" actId="14100"/>
         <pc:sldMkLst>
           <pc:docMk/>
           <pc:sldMk cId="978214817" sldId="296"/>
@@ -1719,13 +1797,37 @@
           </ac:spMkLst>
         </pc:spChg>
         <pc:spChg chg="mod">
-          <ac:chgData name="泰弘 仲山" userId="857b4835f3abfbd8" providerId="LiveId" clId="{C79585E8-B497-4644-8F02-B52EA6E7B8F3}" dt="2023-05-23T04:53:59.179" v="6697"/>
+          <ac:chgData name="泰弘 仲山" userId="857b4835f3abfbd8" providerId="LiveId" clId="{C79585E8-B497-4644-8F02-B52EA6E7B8F3}" dt="2023-05-23T08:48:49.369" v="8521" actId="20577"/>
           <ac:spMkLst>
             <pc:docMk/>
             <pc:sldMk cId="978214817" sldId="296"/>
             <ac:spMk id="3" creationId="{B67E071B-4436-63F2-3B68-D6BC3EA36BD8}"/>
           </ac:spMkLst>
         </pc:spChg>
+        <pc:spChg chg="add mod">
+          <ac:chgData name="泰弘 仲山" userId="857b4835f3abfbd8" providerId="LiveId" clId="{C79585E8-B497-4644-8F02-B52EA6E7B8F3}" dt="2023-05-23T08:49:25.286" v="8530" actId="1076"/>
+          <ac:spMkLst>
+            <pc:docMk/>
+            <pc:sldMk cId="978214817" sldId="296"/>
+            <ac:spMk id="6" creationId="{72CE83FF-9744-A800-6152-C88F821243F3}"/>
+          </ac:spMkLst>
+        </pc:spChg>
+        <pc:picChg chg="add mod">
+          <ac:chgData name="泰弘 仲山" userId="857b4835f3abfbd8" providerId="LiveId" clId="{C79585E8-B497-4644-8F02-B52EA6E7B8F3}" dt="2023-05-23T08:49:07.200" v="8525" actId="1076"/>
+          <ac:picMkLst>
+            <pc:docMk/>
+            <pc:sldMk cId="978214817" sldId="296"/>
+            <ac:picMk id="5" creationId="{A6E01DE2-8E13-6B36-4023-63158E60B2B2}"/>
+          </ac:picMkLst>
+        </pc:picChg>
+        <pc:picChg chg="add mod">
+          <ac:chgData name="泰弘 仲山" userId="857b4835f3abfbd8" providerId="LiveId" clId="{C79585E8-B497-4644-8F02-B52EA6E7B8F3}" dt="2023-05-23T09:39:11.979" v="8629" actId="14100"/>
+          <ac:picMkLst>
+            <pc:docMk/>
+            <pc:sldMk cId="978214817" sldId="296"/>
+            <ac:picMk id="8" creationId="{21BE7260-91A0-D9F9-6D7D-651E66EF44F8}"/>
+          </ac:picMkLst>
+        </pc:picChg>
       </pc:sldChg>
       <pc:sldChg chg="add del">
         <pc:chgData name="泰弘 仲山" userId="857b4835f3abfbd8" providerId="LiveId" clId="{C79585E8-B497-4644-8F02-B52EA6E7B8F3}" dt="2023-05-23T04:35:35.836" v="6451"/>
@@ -1734,8 +1836,8 @@
           <pc:sldMk cId="3608432659" sldId="296"/>
         </pc:sldMkLst>
       </pc:sldChg>
-      <pc:sldChg chg="modSp add del mod">
-        <pc:chgData name="泰弘 仲山" userId="857b4835f3abfbd8" providerId="LiveId" clId="{C79585E8-B497-4644-8F02-B52EA6E7B8F3}" dt="2023-05-23T04:59:16.693" v="6923" actId="47"/>
+      <pc:sldChg chg="addSp modSp add del mod">
+        <pc:chgData name="泰弘 仲山" userId="857b4835f3abfbd8" providerId="LiveId" clId="{C79585E8-B497-4644-8F02-B52EA6E7B8F3}" dt="2023-05-23T08:50:31.406" v="8535" actId="14100"/>
         <pc:sldMkLst>
           <pc:docMk/>
           <pc:sldMk cId="3419384849" sldId="297"/>
@@ -1749,13 +1851,29 @@
           </ac:spMkLst>
         </pc:spChg>
         <pc:spChg chg="mod">
-          <ac:chgData name="泰弘 仲山" userId="857b4835f3abfbd8" providerId="LiveId" clId="{C79585E8-B497-4644-8F02-B52EA6E7B8F3}" dt="2023-05-23T04:54:20.871" v="6706"/>
+          <ac:chgData name="泰弘 仲山" userId="857b4835f3abfbd8" providerId="LiveId" clId="{C79585E8-B497-4644-8F02-B52EA6E7B8F3}" dt="2023-05-23T08:50:31.406" v="8535" actId="14100"/>
           <ac:spMkLst>
             <pc:docMk/>
             <pc:sldMk cId="3419384849" sldId="297"/>
             <ac:spMk id="3" creationId="{B67E071B-4436-63F2-3B68-D6BC3EA36BD8}"/>
           </ac:spMkLst>
         </pc:spChg>
+        <pc:spChg chg="add mod">
+          <ac:chgData name="泰弘 仲山" userId="857b4835f3abfbd8" providerId="LiveId" clId="{C79585E8-B497-4644-8F02-B52EA6E7B8F3}" dt="2023-05-23T08:50:27.320" v="8534"/>
+          <ac:spMkLst>
+            <pc:docMk/>
+            <pc:sldMk cId="3419384849" sldId="297"/>
+            <ac:spMk id="6" creationId="{87C175AD-6D11-4957-A1C3-B976B0F7E432}"/>
+          </ac:spMkLst>
+        </pc:spChg>
+        <pc:picChg chg="add mod">
+          <ac:chgData name="泰弘 仲山" userId="857b4835f3abfbd8" providerId="LiveId" clId="{C79585E8-B497-4644-8F02-B52EA6E7B8F3}" dt="2023-05-23T08:50:12.682" v="8532" actId="1076"/>
+          <ac:picMkLst>
+            <pc:docMk/>
+            <pc:sldMk cId="3419384849" sldId="297"/>
+            <ac:picMk id="5" creationId="{8C4B45BC-490F-58A2-BD94-DCDDD7C0AAD5}"/>
+          </ac:picMkLst>
+        </pc:picChg>
       </pc:sldChg>
       <pc:sldChg chg="modSp add mod">
         <pc:chgData name="泰弘 仲山" userId="857b4835f3abfbd8" providerId="LiveId" clId="{C79585E8-B497-4644-8F02-B52EA6E7B8F3}" dt="2023-05-23T04:54:47.162" v="6709" actId="113"/>
@@ -1795,8 +1913,8 @@
           </ac:spMkLst>
         </pc:spChg>
       </pc:sldChg>
-      <pc:sldChg chg="modSp add mod">
-        <pc:chgData name="泰弘 仲山" userId="857b4835f3abfbd8" providerId="LiveId" clId="{C79585E8-B497-4644-8F02-B52EA6E7B8F3}" dt="2023-05-23T05:05:40.389" v="7022" actId="14100"/>
+      <pc:sldChg chg="addSp modSp add mod">
+        <pc:chgData name="泰弘 仲山" userId="857b4835f3abfbd8" providerId="LiveId" clId="{C79585E8-B497-4644-8F02-B52EA6E7B8F3}" dt="2023-05-23T09:41:37.901" v="8635" actId="1076"/>
         <pc:sldMkLst>
           <pc:docMk/>
           <pc:sldMk cId="390449642" sldId="300"/>
@@ -1810,13 +1928,29 @@
           </ac:spMkLst>
         </pc:spChg>
         <pc:spChg chg="mod">
-          <ac:chgData name="泰弘 仲山" userId="857b4835f3abfbd8" providerId="LiveId" clId="{C79585E8-B497-4644-8F02-B52EA6E7B8F3}" dt="2023-05-23T05:05:40.389" v="7022" actId="14100"/>
+          <ac:chgData name="泰弘 仲山" userId="857b4835f3abfbd8" providerId="LiveId" clId="{C79585E8-B497-4644-8F02-B52EA6E7B8F3}" dt="2023-05-23T09:41:29.051" v="8631" actId="14100"/>
           <ac:spMkLst>
             <pc:docMk/>
             <pc:sldMk cId="390449642" sldId="300"/>
             <ac:spMk id="3" creationId="{B67E071B-4436-63F2-3B68-D6BC3EA36BD8}"/>
           </ac:spMkLst>
         </pc:spChg>
+        <pc:spChg chg="add mod">
+          <ac:chgData name="泰弘 仲山" userId="857b4835f3abfbd8" providerId="LiveId" clId="{C79585E8-B497-4644-8F02-B52EA6E7B8F3}" dt="2023-05-23T09:41:37.901" v="8635" actId="1076"/>
+          <ac:spMkLst>
+            <pc:docMk/>
+            <pc:sldMk cId="390449642" sldId="300"/>
+            <ac:spMk id="6" creationId="{C25A913B-AAC7-5AFA-BDC6-4817732F606B}"/>
+          </ac:spMkLst>
+        </pc:spChg>
+        <pc:picChg chg="add mod">
+          <ac:chgData name="泰弘 仲山" userId="857b4835f3abfbd8" providerId="LiveId" clId="{C79585E8-B497-4644-8F02-B52EA6E7B8F3}" dt="2023-05-23T09:41:35.221" v="8634" actId="14100"/>
+          <ac:picMkLst>
+            <pc:docMk/>
+            <pc:sldMk cId="390449642" sldId="300"/>
+            <ac:picMk id="5" creationId="{8862134C-EA04-718D-D9BA-0E707FB5F143}"/>
+          </ac:picMkLst>
+        </pc:picChg>
       </pc:sldChg>
       <pc:sldChg chg="add del">
         <pc:chgData name="泰弘 仲山" userId="857b4835f3abfbd8" providerId="LiveId" clId="{C79585E8-B497-4644-8F02-B52EA6E7B8F3}" dt="2023-05-23T04:59:19.054" v="6924" actId="47"/>
@@ -1826,7 +1960,7 @@
         </pc:sldMkLst>
       </pc:sldChg>
       <pc:sldChg chg="modSp add mod">
-        <pc:chgData name="泰弘 仲山" userId="857b4835f3abfbd8" providerId="LiveId" clId="{C79585E8-B497-4644-8F02-B52EA6E7B8F3}" dt="2023-05-23T05:04:08.665" v="6998"/>
+        <pc:chgData name="泰弘 仲山" userId="857b4835f3abfbd8" providerId="LiveId" clId="{C79585E8-B497-4644-8F02-B52EA6E7B8F3}" dt="2023-05-23T10:31:48.830" v="9540" actId="255"/>
         <pc:sldMkLst>
           <pc:docMk/>
           <pc:sldMk cId="2429323486" sldId="301"/>
@@ -1840,7 +1974,7 @@
           </ac:spMkLst>
         </pc:spChg>
         <pc:spChg chg="mod">
-          <ac:chgData name="泰弘 仲山" userId="857b4835f3abfbd8" providerId="LiveId" clId="{C79585E8-B497-4644-8F02-B52EA6E7B8F3}" dt="2023-05-23T05:04:08.665" v="6998"/>
+          <ac:chgData name="泰弘 仲山" userId="857b4835f3abfbd8" providerId="LiveId" clId="{C79585E8-B497-4644-8F02-B52EA6E7B8F3}" dt="2023-05-23T10:31:48.830" v="9540" actId="255"/>
           <ac:spMkLst>
             <pc:docMk/>
             <pc:sldMk cId="2429323486" sldId="301"/>
@@ -1848,8 +1982,8 @@
           </ac:spMkLst>
         </pc:spChg>
       </pc:sldChg>
-      <pc:sldChg chg="modSp add mod">
-        <pc:chgData name="泰弘 仲山" userId="857b4835f3abfbd8" providerId="LiveId" clId="{C79585E8-B497-4644-8F02-B52EA6E7B8F3}" dt="2023-05-23T05:04:25.873" v="7001"/>
+      <pc:sldChg chg="addSp delSp modSp add mod">
+        <pc:chgData name="泰弘 仲山" userId="857b4835f3abfbd8" providerId="LiveId" clId="{C79585E8-B497-4644-8F02-B52EA6E7B8F3}" dt="2023-05-23T10:22:37.332" v="9392" actId="1076"/>
         <pc:sldMkLst>
           <pc:docMk/>
           <pc:sldMk cId="3760968814" sldId="302"/>
@@ -1863,16 +1997,64 @@
           </ac:spMkLst>
         </pc:spChg>
         <pc:spChg chg="mod">
-          <ac:chgData name="泰弘 仲山" userId="857b4835f3abfbd8" providerId="LiveId" clId="{C79585E8-B497-4644-8F02-B52EA6E7B8F3}" dt="2023-05-23T05:04:25.873" v="7001"/>
+          <ac:chgData name="泰弘 仲山" userId="857b4835f3abfbd8" providerId="LiveId" clId="{C79585E8-B497-4644-8F02-B52EA6E7B8F3}" dt="2023-05-23T10:12:35.971" v="8784" actId="14100"/>
           <ac:spMkLst>
             <pc:docMk/>
             <pc:sldMk cId="3760968814" sldId="302"/>
             <ac:spMk id="3" creationId="{B67E071B-4436-63F2-3B68-D6BC3EA36BD8}"/>
           </ac:spMkLst>
         </pc:spChg>
+        <pc:spChg chg="add mod">
+          <ac:chgData name="泰弘 仲山" userId="857b4835f3abfbd8" providerId="LiveId" clId="{C79585E8-B497-4644-8F02-B52EA6E7B8F3}" dt="2023-05-23T10:14:50.057" v="8897" actId="20577"/>
+          <ac:spMkLst>
+            <pc:docMk/>
+            <pc:sldMk cId="3760968814" sldId="302"/>
+            <ac:spMk id="8" creationId="{C0CAC3EC-934A-FF4B-2035-F5F5ADBC2AFA}"/>
+          </ac:spMkLst>
+        </pc:spChg>
+        <pc:spChg chg="add mod">
+          <ac:chgData name="泰弘 仲山" userId="857b4835f3abfbd8" providerId="LiveId" clId="{C79585E8-B497-4644-8F02-B52EA6E7B8F3}" dt="2023-05-23T10:14:09.737" v="8848" actId="20577"/>
+          <ac:spMkLst>
+            <pc:docMk/>
+            <pc:sldMk cId="3760968814" sldId="302"/>
+            <ac:spMk id="9" creationId="{174199B8-7D7E-2C3C-5F72-B7BCC9F3B189}"/>
+          </ac:spMkLst>
+        </pc:spChg>
+        <pc:spChg chg="add mod">
+          <ac:chgData name="泰弘 仲山" userId="857b4835f3abfbd8" providerId="LiveId" clId="{C79585E8-B497-4644-8F02-B52EA6E7B8F3}" dt="2023-05-23T10:22:37.332" v="9392" actId="1076"/>
+          <ac:spMkLst>
+            <pc:docMk/>
+            <pc:sldMk cId="3760968814" sldId="302"/>
+            <ac:spMk id="10" creationId="{F08558E7-B946-97D3-44F9-D35A7E39AAA1}"/>
+          </ac:spMkLst>
+        </pc:spChg>
+        <pc:spChg chg="add del">
+          <ac:chgData name="泰弘 仲山" userId="857b4835f3abfbd8" providerId="LiveId" clId="{C79585E8-B497-4644-8F02-B52EA6E7B8F3}" dt="2023-05-23T10:18:10.792" v="9049" actId="22"/>
+          <ac:spMkLst>
+            <pc:docMk/>
+            <pc:sldMk cId="3760968814" sldId="302"/>
+            <ac:spMk id="12" creationId="{C29B6383-7872-841A-CAC7-FCF8EF6F34B7}"/>
+          </ac:spMkLst>
+        </pc:spChg>
+        <pc:picChg chg="add mod">
+          <ac:chgData name="泰弘 仲山" userId="857b4835f3abfbd8" providerId="LiveId" clId="{C79585E8-B497-4644-8F02-B52EA6E7B8F3}" dt="2023-05-23T10:13:52.632" v="8810" actId="1036"/>
+          <ac:picMkLst>
+            <pc:docMk/>
+            <pc:sldMk cId="3760968814" sldId="302"/>
+            <ac:picMk id="5" creationId="{C0577F47-E97C-941C-00FB-AE3FAC2E6DE8}"/>
+          </ac:picMkLst>
+        </pc:picChg>
+        <pc:picChg chg="add mod">
+          <ac:chgData name="泰弘 仲山" userId="857b4835f3abfbd8" providerId="LiveId" clId="{C79585E8-B497-4644-8F02-B52EA6E7B8F3}" dt="2023-05-23T10:13:52.632" v="8810" actId="1036"/>
+          <ac:picMkLst>
+            <pc:docMk/>
+            <pc:sldMk cId="3760968814" sldId="302"/>
+            <ac:picMk id="7" creationId="{C2837BD7-F999-3800-E60E-A71E2DC13C1A}"/>
+          </ac:picMkLst>
+        </pc:picChg>
       </pc:sldChg>
-      <pc:sldChg chg="modSp add mod">
-        <pc:chgData name="泰弘 仲山" userId="857b4835f3abfbd8" providerId="LiveId" clId="{C79585E8-B497-4644-8F02-B52EA6E7B8F3}" dt="2023-05-23T05:04:47.231" v="7005" actId="14100"/>
+      <pc:sldChg chg="addSp delSp modSp add mod">
+        <pc:chgData name="泰弘 仲山" userId="857b4835f3abfbd8" providerId="LiveId" clId="{C79585E8-B497-4644-8F02-B52EA6E7B8F3}" dt="2023-05-23T10:24:38.776" v="9524" actId="20577"/>
         <pc:sldMkLst>
           <pc:docMk/>
           <pc:sldMk cId="2062677599" sldId="303"/>
@@ -1886,13 +2068,108 @@
           </ac:spMkLst>
         </pc:spChg>
         <pc:spChg chg="mod">
-          <ac:chgData name="泰弘 仲山" userId="857b4835f3abfbd8" providerId="LiveId" clId="{C79585E8-B497-4644-8F02-B52EA6E7B8F3}" dt="2023-05-23T05:04:47.231" v="7005" actId="14100"/>
+          <ac:chgData name="泰弘 仲山" userId="857b4835f3abfbd8" providerId="LiveId" clId="{C79585E8-B497-4644-8F02-B52EA6E7B8F3}" dt="2023-05-23T10:24:38.776" v="9524" actId="20577"/>
           <ac:spMkLst>
             <pc:docMk/>
             <pc:sldMk cId="2062677599" sldId="303"/>
             <ac:spMk id="3" creationId="{B67E071B-4436-63F2-3B68-D6BC3EA36BD8}"/>
           </ac:spMkLst>
         </pc:spChg>
+        <pc:picChg chg="add del">
+          <ac:chgData name="泰弘 仲山" userId="857b4835f3abfbd8" providerId="LiveId" clId="{C79585E8-B497-4644-8F02-B52EA6E7B8F3}" dt="2023-05-23T10:13:05.317" v="8795" actId="478"/>
+          <ac:picMkLst>
+            <pc:docMk/>
+            <pc:sldMk cId="2062677599" sldId="303"/>
+            <ac:picMk id="5" creationId="{8C94ED66-611D-3EDD-FABE-0C53A4DEB461}"/>
+          </ac:picMkLst>
+        </pc:picChg>
+      </pc:sldChg>
+      <pc:sldChg chg="addSp delSp modSp add mod">
+        <pc:chgData name="泰弘 仲山" userId="857b4835f3abfbd8" providerId="LiveId" clId="{C79585E8-B497-4644-8F02-B52EA6E7B8F3}" dt="2023-05-23T10:22:20.933" v="9388" actId="1038"/>
+        <pc:sldMkLst>
+          <pc:docMk/>
+          <pc:sldMk cId="1947242300" sldId="304"/>
+        </pc:sldMkLst>
+        <pc:spChg chg="mod">
+          <ac:chgData name="泰弘 仲山" userId="857b4835f3abfbd8" providerId="LiveId" clId="{C79585E8-B497-4644-8F02-B52EA6E7B8F3}" dt="2023-05-23T10:22:04.201" v="9381" actId="20577"/>
+          <ac:spMkLst>
+            <pc:docMk/>
+            <pc:sldMk cId="1947242300" sldId="304"/>
+            <ac:spMk id="3" creationId="{B67E071B-4436-63F2-3B68-D6BC3EA36BD8}"/>
+          </ac:spMkLst>
+        </pc:spChg>
+        <pc:spChg chg="del">
+          <ac:chgData name="泰弘 仲山" userId="857b4835f3abfbd8" providerId="LiveId" clId="{C79585E8-B497-4644-8F02-B52EA6E7B8F3}" dt="2023-05-23T10:18:20.872" v="9055" actId="478"/>
+          <ac:spMkLst>
+            <pc:docMk/>
+            <pc:sldMk cId="1947242300" sldId="304"/>
+            <ac:spMk id="8" creationId="{C0CAC3EC-934A-FF4B-2035-F5F5ADBC2AFA}"/>
+          </ac:spMkLst>
+        </pc:spChg>
+        <pc:spChg chg="del">
+          <ac:chgData name="泰弘 仲山" userId="857b4835f3abfbd8" providerId="LiveId" clId="{C79585E8-B497-4644-8F02-B52EA6E7B8F3}" dt="2023-05-23T10:18:18.634" v="9054" actId="478"/>
+          <ac:spMkLst>
+            <pc:docMk/>
+            <pc:sldMk cId="1947242300" sldId="304"/>
+            <ac:spMk id="9" creationId="{174199B8-7D7E-2C3C-5F72-B7BCC9F3B189}"/>
+          </ac:spMkLst>
+        </pc:spChg>
+        <pc:spChg chg="del">
+          <ac:chgData name="泰弘 仲山" userId="857b4835f3abfbd8" providerId="LiveId" clId="{C79585E8-B497-4644-8F02-B52EA6E7B8F3}" dt="2023-05-23T10:18:16.901" v="9053" actId="478"/>
+          <ac:spMkLst>
+            <pc:docMk/>
+            <pc:sldMk cId="1947242300" sldId="304"/>
+            <ac:spMk id="10" creationId="{F08558E7-B946-97D3-44F9-D35A7E39AAA1}"/>
+          </ac:spMkLst>
+        </pc:spChg>
+        <pc:spChg chg="add mod">
+          <ac:chgData name="泰弘 仲山" userId="857b4835f3abfbd8" providerId="LiveId" clId="{C79585E8-B497-4644-8F02-B52EA6E7B8F3}" dt="2023-05-23T10:22:19.463" v="9387" actId="1076"/>
+          <ac:spMkLst>
+            <pc:docMk/>
+            <pc:sldMk cId="1947242300" sldId="304"/>
+            <ac:spMk id="15" creationId="{B9D0C51B-E8D5-3EBB-5835-3419CD00D5DB}"/>
+          </ac:spMkLst>
+        </pc:spChg>
+        <pc:picChg chg="del">
+          <ac:chgData name="泰弘 仲山" userId="857b4835f3abfbd8" providerId="LiveId" clId="{C79585E8-B497-4644-8F02-B52EA6E7B8F3}" dt="2023-05-23T10:18:15.267" v="9052" actId="478"/>
+          <ac:picMkLst>
+            <pc:docMk/>
+            <pc:sldMk cId="1947242300" sldId="304"/>
+            <ac:picMk id="5" creationId="{C0577F47-E97C-941C-00FB-AE3FAC2E6DE8}"/>
+          </ac:picMkLst>
+        </pc:picChg>
+        <pc:picChg chg="add mod">
+          <ac:chgData name="泰弘 仲山" userId="857b4835f3abfbd8" providerId="LiveId" clId="{C79585E8-B497-4644-8F02-B52EA6E7B8F3}" dt="2023-05-23T10:22:17.302" v="9386" actId="14100"/>
+          <ac:picMkLst>
+            <pc:docMk/>
+            <pc:sldMk cId="1947242300" sldId="304"/>
+            <ac:picMk id="6" creationId="{0C27FF0A-A2FC-06B4-5452-E8FF0CCEDE5D}"/>
+          </ac:picMkLst>
+        </pc:picChg>
+        <pc:picChg chg="del">
+          <ac:chgData name="泰弘 仲山" userId="857b4835f3abfbd8" providerId="LiveId" clId="{C79585E8-B497-4644-8F02-B52EA6E7B8F3}" dt="2023-05-23T10:18:14.692" v="9051" actId="478"/>
+          <ac:picMkLst>
+            <pc:docMk/>
+            <pc:sldMk cId="1947242300" sldId="304"/>
+            <ac:picMk id="7" creationId="{C2837BD7-F999-3800-E60E-A71E2DC13C1A}"/>
+          </ac:picMkLst>
+        </pc:picChg>
+        <pc:picChg chg="add mod">
+          <ac:chgData name="泰弘 仲山" userId="857b4835f3abfbd8" providerId="LiveId" clId="{C79585E8-B497-4644-8F02-B52EA6E7B8F3}" dt="2023-05-23T10:22:10.712" v="9383" actId="1076"/>
+          <ac:picMkLst>
+            <pc:docMk/>
+            <pc:sldMk cId="1947242300" sldId="304"/>
+            <ac:picMk id="12" creationId="{D94DD1BC-C525-6DCD-024D-9C2B24131282}"/>
+          </ac:picMkLst>
+        </pc:picChg>
+        <pc:picChg chg="add mod">
+          <ac:chgData name="泰弘 仲山" userId="857b4835f3abfbd8" providerId="LiveId" clId="{C79585E8-B497-4644-8F02-B52EA6E7B8F3}" dt="2023-05-23T10:22:20.933" v="9388" actId="1038"/>
+          <ac:picMkLst>
+            <pc:docMk/>
+            <pc:sldMk cId="1947242300" sldId="304"/>
+            <ac:picMk id="14" creationId="{6EAEE7DF-672B-C7FE-FB83-272C40BCDDE6}"/>
+          </ac:picMkLst>
+        </pc:picChg>
       </pc:sldChg>
     </pc:docChg>
   </pc:docChgLst>
@@ -2046,7 +2323,7 @@
           <a:p>
             <a:fld id="{B93B6BA3-46DF-4682-9009-45BA9D4F24AA}" type="datetimeFigureOut">
               <a:rPr kumimoji="1" lang="ja-JP" altLang="en-US" smtClean="0"/>
-              <a:t>2023/5/21</a:t>
+              <a:t>2023/5/23</a:t>
             </a:fld>
             <a:endParaRPr kumimoji="1" lang="ja-JP" altLang="en-US"/>
           </a:p>
@@ -2276,7 +2553,7 @@
           <a:p>
             <a:fld id="{B93B6BA3-46DF-4682-9009-45BA9D4F24AA}" type="datetimeFigureOut">
               <a:rPr kumimoji="1" lang="ja-JP" altLang="en-US" smtClean="0"/>
-              <a:t>2023/5/21</a:t>
+              <a:t>2023/5/23</a:t>
             </a:fld>
             <a:endParaRPr kumimoji="1" lang="ja-JP" altLang="en-US"/>
           </a:p>
@@ -2516,7 +2793,7 @@
           <a:p>
             <a:fld id="{B93B6BA3-46DF-4682-9009-45BA9D4F24AA}" type="datetimeFigureOut">
               <a:rPr kumimoji="1" lang="ja-JP" altLang="en-US" smtClean="0"/>
-              <a:t>2023/5/21</a:t>
+              <a:t>2023/5/23</a:t>
             </a:fld>
             <a:endParaRPr kumimoji="1" lang="ja-JP" altLang="en-US"/>
           </a:p>
@@ -2746,7 +3023,7 @@
           <a:p>
             <a:fld id="{B93B6BA3-46DF-4682-9009-45BA9D4F24AA}" type="datetimeFigureOut">
               <a:rPr kumimoji="1" lang="ja-JP" altLang="en-US" smtClean="0"/>
-              <a:t>2023/5/21</a:t>
+              <a:t>2023/5/23</a:t>
             </a:fld>
             <a:endParaRPr kumimoji="1" lang="ja-JP" altLang="en-US"/>
           </a:p>
@@ -3021,7 +3298,7 @@
           <a:p>
             <a:fld id="{B93B6BA3-46DF-4682-9009-45BA9D4F24AA}" type="datetimeFigureOut">
               <a:rPr kumimoji="1" lang="ja-JP" altLang="en-US" smtClean="0"/>
-              <a:t>2023/5/21</a:t>
+              <a:t>2023/5/23</a:t>
             </a:fld>
             <a:endParaRPr kumimoji="1" lang="ja-JP" altLang="en-US"/>
           </a:p>
@@ -3350,7 +3627,7 @@
           <a:p>
             <a:fld id="{B93B6BA3-46DF-4682-9009-45BA9D4F24AA}" type="datetimeFigureOut">
               <a:rPr kumimoji="1" lang="ja-JP" altLang="en-US" smtClean="0"/>
-              <a:t>2023/5/21</a:t>
+              <a:t>2023/5/23</a:t>
             </a:fld>
             <a:endParaRPr kumimoji="1" lang="ja-JP" altLang="en-US"/>
           </a:p>
@@ -3826,7 +4103,7 @@
           <a:p>
             <a:fld id="{B93B6BA3-46DF-4682-9009-45BA9D4F24AA}" type="datetimeFigureOut">
               <a:rPr kumimoji="1" lang="ja-JP" altLang="en-US" smtClean="0"/>
-              <a:t>2023/5/21</a:t>
+              <a:t>2023/5/23</a:t>
             </a:fld>
             <a:endParaRPr kumimoji="1" lang="ja-JP" altLang="en-US"/>
           </a:p>
@@ -3967,7 +4244,7 @@
           <a:p>
             <a:fld id="{B93B6BA3-46DF-4682-9009-45BA9D4F24AA}" type="datetimeFigureOut">
               <a:rPr kumimoji="1" lang="ja-JP" altLang="en-US" smtClean="0"/>
-              <a:t>2023/5/21</a:t>
+              <a:t>2023/5/23</a:t>
             </a:fld>
             <a:endParaRPr kumimoji="1" lang="ja-JP" altLang="en-US"/>
           </a:p>
@@ -4080,7 +4357,7 @@
           <a:p>
             <a:fld id="{B93B6BA3-46DF-4682-9009-45BA9D4F24AA}" type="datetimeFigureOut">
               <a:rPr kumimoji="1" lang="ja-JP" altLang="en-US" smtClean="0"/>
-              <a:t>2023/5/21</a:t>
+              <a:t>2023/5/23</a:t>
             </a:fld>
             <a:endParaRPr kumimoji="1" lang="ja-JP" altLang="en-US"/>
           </a:p>
@@ -4423,7 +4700,7 @@
           <a:p>
             <a:fld id="{B93B6BA3-46DF-4682-9009-45BA9D4F24AA}" type="datetimeFigureOut">
               <a:rPr kumimoji="1" lang="ja-JP" altLang="en-US" smtClean="0"/>
-              <a:t>2023/5/21</a:t>
+              <a:t>2023/5/23</a:t>
             </a:fld>
             <a:endParaRPr kumimoji="1" lang="ja-JP" altLang="en-US"/>
           </a:p>
@@ -4711,7 +4988,7 @@
           <a:p>
             <a:fld id="{B93B6BA3-46DF-4682-9009-45BA9D4F24AA}" type="datetimeFigureOut">
               <a:rPr kumimoji="1" lang="ja-JP" altLang="en-US" smtClean="0"/>
-              <a:t>2023/5/21</a:t>
+              <a:t>2023/5/23</a:t>
             </a:fld>
             <a:endParaRPr kumimoji="1" lang="ja-JP" altLang="en-US"/>
           </a:p>
@@ -4984,7 +5261,7 @@
           <a:p>
             <a:fld id="{B93B6BA3-46DF-4682-9009-45BA9D4F24AA}" type="datetimeFigureOut">
               <a:rPr kumimoji="1" lang="ja-JP" altLang="en-US" smtClean="0"/>
-              <a:t>2023/5/21</a:t>
+              <a:t>2023/5/23</a:t>
             </a:fld>
             <a:endParaRPr kumimoji="1" lang="ja-JP" altLang="en-US"/>
           </a:p>
@@ -9491,8 +9768,8 @@
         </p:blipFill>
         <p:spPr>
           <a:xfrm>
-            <a:off x="1396182" y="1636896"/>
-            <a:ext cx="6913382" cy="4316536"/>
+            <a:off x="1396181" y="1489415"/>
+            <a:ext cx="7094471" cy="4429603"/>
           </a:xfrm>
           <a:prstGeom prst="rect">
             <a:avLst/>
@@ -9521,14 +9798,51 @@
         </p:blipFill>
         <p:spPr>
           <a:xfrm>
-            <a:off x="1396182" y="6007088"/>
-            <a:ext cx="10409084" cy="652934"/>
+            <a:off x="1396181" y="6061586"/>
+            <a:ext cx="10481186" cy="657457"/>
           </a:xfrm>
           <a:prstGeom prst="rect">
             <a:avLst/>
           </a:prstGeom>
         </p:spPr>
       </p:pic>
+      <p:sp>
+        <p:nvSpPr>
+          <p:cNvPr id="3" name="テキスト ボックス 2">
+            <a:extLst>
+              <a:ext uri="{FF2B5EF4-FFF2-40B4-BE49-F238E27FC236}">
+                <a16:creationId xmlns:a16="http://schemas.microsoft.com/office/drawing/2014/main" id="{23299F57-ECFB-283B-E8A4-7E1C1B21C560}"/>
+              </a:ext>
+            </a:extLst>
+          </p:cNvPr>
+          <p:cNvSpPr txBox="1"/>
+          <p:nvPr/>
+        </p:nvSpPr>
+        <p:spPr>
+          <a:xfrm>
+            <a:off x="520068" y="6061586"/>
+            <a:ext cx="876113" cy="369332"/>
+          </a:xfrm>
+          <a:prstGeom prst="rect">
+            <a:avLst/>
+          </a:prstGeom>
+          <a:noFill/>
+        </p:spPr>
+        <p:txBody>
+          <a:bodyPr wrap="square" rtlCol="0">
+            <a:spAutoFit/>
+          </a:bodyPr>
+          <a:lstStyle/>
+          <a:p>
+            <a:pPr algn="ctr"/>
+            <a:r>
+              <a:rPr lang="ja-JP" altLang="en-US" dirty="0"/>
+              <a:t>出力</a:t>
+            </a:r>
+            <a:endParaRPr kumimoji="1" lang="ja-JP" altLang="en-US" dirty="0"/>
+          </a:p>
+        </p:txBody>
+      </p:sp>
     </p:spTree>
     <p:extLst>
       <p:ext uri="{BB962C8B-B14F-4D97-AF65-F5344CB8AC3E}">
@@ -10019,7 +10333,7 @@
         </p:blipFill>
         <p:spPr>
           <a:xfrm>
-            <a:off x="1392968" y="2485319"/>
+            <a:off x="1357094" y="2465655"/>
             <a:ext cx="9234463" cy="2940121"/>
           </a:xfrm>
           <a:prstGeom prst="rect">
@@ -10110,7 +10424,7 @@
         <p:spPr>
           <a:xfrm>
             <a:off x="494071" y="904568"/>
-            <a:ext cx="10960510" cy="1056312"/>
+            <a:ext cx="10960510" cy="598435"/>
           </a:xfrm>
           <a:prstGeom prst="rect">
             <a:avLst/>
@@ -10287,31 +10601,145 @@
           <a:p>
             <a:r>
               <a:rPr lang="ja-JP" altLang="en-US" sz="1800" dirty="0"/>
-              <a:t>エンべディングした</a:t>
-            </a:r>
-            <a:r>
-              <a:rPr lang="en-US" altLang="ja-JP" sz="1800" dirty="0" err="1"/>
-              <a:t>vectorstores</a:t>
-            </a:r>
-            <a:r>
-              <a:rPr lang="ja-JP" altLang="en-US" sz="1800" dirty="0"/>
-              <a:t>に対し</a:t>
-            </a:r>
-            <a:r>
-              <a:rPr lang="en-US" altLang="ja-JP" sz="1800" dirty="0" err="1"/>
-              <a:t>as_retriever</a:t>
-            </a:r>
-            <a:r>
-              <a:rPr lang="ja-JP" altLang="en-US" sz="1800" dirty="0"/>
-              <a:t>メソッドを用いることで、</a:t>
-            </a:r>
-            <a:r>
-              <a:rPr lang="en-US" altLang="ja-JP" sz="1800" dirty="0"/>
-              <a:t>retriever</a:t>
-            </a:r>
-            <a:r>
-              <a:rPr lang="ja-JP" altLang="en-US" sz="1800" dirty="0"/>
-              <a:t>のオブジェクトを作成</a:t>
+              <a:t>クエリを受け取り、ドキュメントのリストを返す</a:t>
+            </a:r>
+          </a:p>
+        </p:txBody>
+      </p:sp>
+      <p:sp>
+        <p:nvSpPr>
+          <p:cNvPr id="8" name="テキスト ボックス 7">
+            <a:extLst>
+              <a:ext uri="{FF2B5EF4-FFF2-40B4-BE49-F238E27FC236}">
+                <a16:creationId xmlns:a16="http://schemas.microsoft.com/office/drawing/2014/main" id="{2FBC49B2-9EC1-4966-C31F-313246C2E443}"/>
+              </a:ext>
+            </a:extLst>
+          </p:cNvPr>
+          <p:cNvSpPr txBox="1"/>
+          <p:nvPr/>
+        </p:nvSpPr>
+        <p:spPr>
+          <a:xfrm>
+            <a:off x="926944" y="1661712"/>
+            <a:ext cx="8497196" cy="369332"/>
+          </a:xfrm>
+          <a:prstGeom prst="rect">
+            <a:avLst/>
+          </a:prstGeom>
+          <a:noFill/>
+        </p:spPr>
+        <p:txBody>
+          <a:bodyPr wrap="square" rtlCol="0">
+            <a:spAutoFit/>
+          </a:bodyPr>
+          <a:lstStyle/>
+          <a:p>
+            <a:r>
+              <a:rPr kumimoji="1" lang="ja-JP" altLang="en-US" dirty="0"/>
+              <a:t>例：</a:t>
+            </a:r>
+            <a:r>
+              <a:rPr kumimoji="1" lang="en-US" altLang="ja-JP" dirty="0" err="1"/>
+              <a:t>ArXiv</a:t>
+            </a:r>
+            <a:r>
+              <a:rPr kumimoji="1" lang="ja-JP" altLang="en-US" dirty="0"/>
+              <a:t>から、指定したドキュメント番号の論文を取得</a:t>
+            </a:r>
+          </a:p>
+        </p:txBody>
+      </p:sp>
+      <p:pic>
+        <p:nvPicPr>
+          <p:cNvPr id="10" name="図 9">
+            <a:extLst>
+              <a:ext uri="{FF2B5EF4-FFF2-40B4-BE49-F238E27FC236}">
+                <a16:creationId xmlns:a16="http://schemas.microsoft.com/office/drawing/2014/main" id="{7F81D353-BCF4-A603-DC81-11C75C583574}"/>
+              </a:ext>
+            </a:extLst>
+          </p:cNvPr>
+          <p:cNvPicPr>
+            <a:picLocks noChangeAspect="1"/>
+          </p:cNvPicPr>
+          <p:nvPr/>
+        </p:nvPicPr>
+        <p:blipFill>
+          <a:blip r:embed="rId2"/>
+          <a:stretch>
+            <a:fillRect/>
+          </a:stretch>
+        </p:blipFill>
+        <p:spPr>
+          <a:xfrm>
+            <a:off x="1012644" y="2189753"/>
+            <a:ext cx="8497196" cy="1674324"/>
+          </a:xfrm>
+          <a:prstGeom prst="rect">
+            <a:avLst/>
+          </a:prstGeom>
+        </p:spPr>
+      </p:pic>
+      <p:pic>
+        <p:nvPicPr>
+          <p:cNvPr id="12" name="図 11">
+            <a:extLst>
+              <a:ext uri="{FF2B5EF4-FFF2-40B4-BE49-F238E27FC236}">
+                <a16:creationId xmlns:a16="http://schemas.microsoft.com/office/drawing/2014/main" id="{20F5570C-73CD-0872-BCE0-F750963B9D92}"/>
+              </a:ext>
+            </a:extLst>
+          </p:cNvPr>
+          <p:cNvPicPr>
+            <a:picLocks noChangeAspect="1"/>
+          </p:cNvPicPr>
+          <p:nvPr/>
+        </p:nvPicPr>
+        <p:blipFill>
+          <a:blip r:embed="rId3"/>
+          <a:stretch>
+            <a:fillRect/>
+          </a:stretch>
+        </p:blipFill>
+        <p:spPr>
+          <a:xfrm>
+            <a:off x="1012644" y="4550827"/>
+            <a:ext cx="8335149" cy="1402605"/>
+          </a:xfrm>
+          <a:prstGeom prst="rect">
+            <a:avLst/>
+          </a:prstGeom>
+        </p:spPr>
+      </p:pic>
+      <p:sp>
+        <p:nvSpPr>
+          <p:cNvPr id="13" name="テキスト ボックス 12">
+            <a:extLst>
+              <a:ext uri="{FF2B5EF4-FFF2-40B4-BE49-F238E27FC236}">
+                <a16:creationId xmlns:a16="http://schemas.microsoft.com/office/drawing/2014/main" id="{2315497D-E3F9-9E35-4CCE-3FA4AC99CEA7}"/>
+              </a:ext>
+            </a:extLst>
+          </p:cNvPr>
+          <p:cNvSpPr txBox="1"/>
+          <p:nvPr/>
+        </p:nvSpPr>
+        <p:spPr>
+          <a:xfrm>
+            <a:off x="926944" y="4147142"/>
+            <a:ext cx="8497196" cy="369332"/>
+          </a:xfrm>
+          <a:prstGeom prst="rect">
+            <a:avLst/>
+          </a:prstGeom>
+          <a:noFill/>
+        </p:spPr>
+        <p:txBody>
+          <a:bodyPr wrap="square" rtlCol="0">
+            <a:spAutoFit/>
+          </a:bodyPr>
+          <a:lstStyle/>
+          <a:p>
+            <a:r>
+              <a:rPr kumimoji="1" lang="ja-JP" altLang="en-US" dirty="0"/>
+              <a:t>出力結果（メタデータ）</a:t>
             </a:r>
           </a:p>
         </p:txBody>
@@ -11480,8 +11908,8 @@
         </p:nvSpPr>
         <p:spPr>
           <a:xfrm>
-            <a:off x="494071" y="904567"/>
-            <a:ext cx="10960510" cy="3244646"/>
+            <a:off x="494071" y="837640"/>
+            <a:ext cx="10960510" cy="752209"/>
           </a:xfrm>
         </p:spPr>
         <p:txBody>
@@ -11496,8 +11924,116 @@
             </a:r>
             <a:endParaRPr lang="en-US" altLang="ja-JP" sz="2000" dirty="0"/>
           </a:p>
+          <a:p>
+            <a:pPr lvl="1"/>
+            <a:r>
+              <a:rPr lang="ja-JP" altLang="en-US" sz="2000" dirty="0"/>
+              <a:t>プロンプトの出力結果を次のプロンプトの入力とする</a:t>
+            </a:r>
+            <a:endParaRPr lang="en-US" altLang="ja-JP" sz="2000" dirty="0"/>
+          </a:p>
         </p:txBody>
       </p:sp>
+      <p:pic>
+        <p:nvPicPr>
+          <p:cNvPr id="5" name="図 4">
+            <a:extLst>
+              <a:ext uri="{FF2B5EF4-FFF2-40B4-BE49-F238E27FC236}">
+                <a16:creationId xmlns:a16="http://schemas.microsoft.com/office/drawing/2014/main" id="{A6E01DE2-8E13-6B36-4023-63158E60B2B2}"/>
+              </a:ext>
+            </a:extLst>
+          </p:cNvPr>
+          <p:cNvPicPr>
+            <a:picLocks noChangeAspect="1"/>
+          </p:cNvPicPr>
+          <p:nvPr/>
+        </p:nvPicPr>
+        <p:blipFill>
+          <a:blip r:embed="rId2"/>
+          <a:stretch>
+            <a:fillRect/>
+          </a:stretch>
+        </p:blipFill>
+        <p:spPr>
+          <a:xfrm>
+            <a:off x="494071" y="1786494"/>
+            <a:ext cx="5301492" cy="4034203"/>
+          </a:xfrm>
+          <a:prstGeom prst="rect">
+            <a:avLst/>
+          </a:prstGeom>
+        </p:spPr>
+      </p:pic>
+      <p:sp>
+        <p:nvSpPr>
+          <p:cNvPr id="6" name="テキスト ボックス 5">
+            <a:extLst>
+              <a:ext uri="{FF2B5EF4-FFF2-40B4-BE49-F238E27FC236}">
+                <a16:creationId xmlns:a16="http://schemas.microsoft.com/office/drawing/2014/main" id="{72CE83FF-9744-A800-6152-C88F821243F3}"/>
+              </a:ext>
+            </a:extLst>
+          </p:cNvPr>
+          <p:cNvSpPr txBox="1"/>
+          <p:nvPr/>
+        </p:nvSpPr>
+        <p:spPr>
+          <a:xfrm>
+            <a:off x="1943100" y="6153531"/>
+            <a:ext cx="8062452" cy="307777"/>
+          </a:xfrm>
+          <a:prstGeom prst="rect">
+            <a:avLst/>
+          </a:prstGeom>
+          <a:noFill/>
+        </p:spPr>
+        <p:txBody>
+          <a:bodyPr wrap="square" rtlCol="0">
+            <a:spAutoFit/>
+          </a:bodyPr>
+          <a:lstStyle/>
+          <a:p>
+            <a:r>
+              <a:rPr kumimoji="1" lang="ja-JP" altLang="en-US" sz="1400" dirty="0"/>
+              <a:t>（出所）</a:t>
+            </a:r>
+            <a:r>
+              <a:rPr kumimoji="1" lang="en-US" altLang="ja-JP" sz="1400" dirty="0"/>
+              <a:t> https://zenn.dev/umi_mori/books/prompt-engineer/viewer/langchain_chains</a:t>
+            </a:r>
+            <a:endParaRPr kumimoji="1" lang="ja-JP" altLang="en-US" sz="1400" dirty="0"/>
+          </a:p>
+        </p:txBody>
+      </p:sp>
+      <p:pic>
+        <p:nvPicPr>
+          <p:cNvPr id="8" name="図 7">
+            <a:extLst>
+              <a:ext uri="{FF2B5EF4-FFF2-40B4-BE49-F238E27FC236}">
+                <a16:creationId xmlns:a16="http://schemas.microsoft.com/office/drawing/2014/main" id="{21BE7260-91A0-D9F9-6D7D-651E66EF44F8}"/>
+              </a:ext>
+            </a:extLst>
+          </p:cNvPr>
+          <p:cNvPicPr>
+            <a:picLocks noChangeAspect="1"/>
+          </p:cNvPicPr>
+          <p:nvPr/>
+        </p:nvPicPr>
+        <p:blipFill>
+          <a:blip r:embed="rId3"/>
+          <a:stretch>
+            <a:fillRect/>
+          </a:stretch>
+        </p:blipFill>
+        <p:spPr>
+          <a:xfrm>
+            <a:off x="6235182" y="1786494"/>
+            <a:ext cx="5336473" cy="4034203"/>
+          </a:xfrm>
+          <a:prstGeom prst="rect">
+            <a:avLst/>
+          </a:prstGeom>
+        </p:spPr>
+      </p:pic>
     </p:spTree>
     <p:extLst>
       <p:ext uri="{BB962C8B-B14F-4D97-AF65-F5344CB8AC3E}">
@@ -12663,7 +13199,7 @@
         <p:spPr>
           <a:xfrm>
             <a:off x="494071" y="904567"/>
-            <a:ext cx="10960510" cy="3244646"/>
+            <a:ext cx="10960510" cy="806246"/>
           </a:xfrm>
         </p:spPr>
         <p:txBody>
@@ -12677,6 +13213,76 @@
               <a:t>言語モデルに渡されたツールを用いて、モデル自体が次にどのようなアクションを取るかを決定、実行、観測し、完了するまで繰り返す機能</a:t>
             </a:r>
             <a:endParaRPr lang="en-US" altLang="ja-JP" sz="2000" dirty="0"/>
+          </a:p>
+        </p:txBody>
+      </p:sp>
+      <p:pic>
+        <p:nvPicPr>
+          <p:cNvPr id="5" name="図 4">
+            <a:extLst>
+              <a:ext uri="{FF2B5EF4-FFF2-40B4-BE49-F238E27FC236}">
+                <a16:creationId xmlns:a16="http://schemas.microsoft.com/office/drawing/2014/main" id="{8C4B45BC-490F-58A2-BD94-DCDDD7C0AAD5}"/>
+              </a:ext>
+            </a:extLst>
+          </p:cNvPr>
+          <p:cNvPicPr>
+            <a:picLocks noChangeAspect="1"/>
+          </p:cNvPicPr>
+          <p:nvPr/>
+        </p:nvPicPr>
+        <p:blipFill>
+          <a:blip r:embed="rId2"/>
+          <a:stretch>
+            <a:fillRect/>
+          </a:stretch>
+        </p:blipFill>
+        <p:spPr>
+          <a:xfrm>
+            <a:off x="2878882" y="1624898"/>
+            <a:ext cx="5745978" cy="4328535"/>
+          </a:xfrm>
+          <a:prstGeom prst="rect">
+            <a:avLst/>
+          </a:prstGeom>
+        </p:spPr>
+      </p:pic>
+      <p:sp>
+        <p:nvSpPr>
+          <p:cNvPr id="6" name="テキスト ボックス 5">
+            <a:extLst>
+              <a:ext uri="{FF2B5EF4-FFF2-40B4-BE49-F238E27FC236}">
+                <a16:creationId xmlns:a16="http://schemas.microsoft.com/office/drawing/2014/main" id="{87C175AD-6D11-4957-A1C3-B976B0F7E432}"/>
+              </a:ext>
+            </a:extLst>
+          </p:cNvPr>
+          <p:cNvSpPr txBox="1"/>
+          <p:nvPr/>
+        </p:nvSpPr>
+        <p:spPr>
+          <a:xfrm>
+            <a:off x="1943100" y="6153531"/>
+            <a:ext cx="8062452" cy="307777"/>
+          </a:xfrm>
+          <a:prstGeom prst="rect">
+            <a:avLst/>
+          </a:prstGeom>
+          <a:noFill/>
+        </p:spPr>
+        <p:txBody>
+          <a:bodyPr wrap="square" rtlCol="0">
+            <a:spAutoFit/>
+          </a:bodyPr>
+          <a:lstStyle/>
+          <a:p>
+            <a:r>
+              <a:rPr kumimoji="1" lang="ja-JP" altLang="en-US" sz="1400" dirty="0"/>
+              <a:t>（出所）</a:t>
+            </a:r>
+            <a:r>
+              <a:rPr kumimoji="1" lang="en-US" altLang="ja-JP" sz="1400" dirty="0"/>
+              <a:t> https://zenn.dev/umi_mori/books/prompt-engineer/viewer/langchain_agents</a:t>
+            </a:r>
+            <a:endParaRPr kumimoji="1" lang="ja-JP" altLang="en-US" sz="1400" dirty="0"/>
           </a:p>
         </p:txBody>
       </p:sp>
@@ -12781,7 +13387,7 @@
         <p:spPr>
           <a:xfrm>
             <a:off x="494071" y="904567"/>
-            <a:ext cx="10960510" cy="1337188"/>
+            <a:ext cx="10960510" cy="442452"/>
           </a:xfrm>
         </p:spPr>
         <p:txBody>
@@ -12800,32 +13406,78 @@
             </a:r>
             <a:endParaRPr lang="en-US" altLang="ja-JP" sz="2000" dirty="0"/>
           </a:p>
-          <a:p>
-            <a:r>
-              <a:rPr lang="en-US" altLang="ja-JP" sz="2000" dirty="0"/>
-              <a:t>Tool</a:t>
-            </a:r>
-            <a:r>
-              <a:rPr lang="ja-JP" altLang="en-US" sz="2000" dirty="0"/>
-              <a:t>の名前を格納した配列を作成し、「</a:t>
-            </a:r>
-            <a:r>
-              <a:rPr lang="en-US" altLang="ja-JP" sz="2000" dirty="0" err="1"/>
-              <a:t>load_tools</a:t>
-            </a:r>
-            <a:r>
-              <a:rPr lang="ja-JP" altLang="en-US" sz="2000" dirty="0"/>
-              <a:t>」という関数に渡して実行することで、</a:t>
-            </a:r>
-            <a:r>
-              <a:rPr lang="en-US" altLang="ja-JP" sz="2000" dirty="0"/>
-              <a:t>Tool</a:t>
-            </a:r>
-            <a:r>
-              <a:rPr lang="ja-JP" altLang="en-US" sz="2000" dirty="0"/>
-              <a:t>のオブジェクトを生成できる</a:t>
-            </a:r>
-            <a:endParaRPr lang="en-US" altLang="ja-JP" sz="2000" dirty="0"/>
+        </p:txBody>
+      </p:sp>
+      <p:pic>
+        <p:nvPicPr>
+          <p:cNvPr id="5" name="図 4">
+            <a:extLst>
+              <a:ext uri="{FF2B5EF4-FFF2-40B4-BE49-F238E27FC236}">
+                <a16:creationId xmlns:a16="http://schemas.microsoft.com/office/drawing/2014/main" id="{8862134C-EA04-718D-D9BA-0E707FB5F143}"/>
+              </a:ext>
+            </a:extLst>
+          </p:cNvPr>
+          <p:cNvPicPr>
+            <a:picLocks noChangeAspect="1"/>
+          </p:cNvPicPr>
+          <p:nvPr/>
+        </p:nvPicPr>
+        <p:blipFill>
+          <a:blip r:embed="rId2"/>
+          <a:stretch>
+            <a:fillRect/>
+          </a:stretch>
+        </p:blipFill>
+        <p:spPr>
+          <a:xfrm>
+            <a:off x="1713525" y="2235148"/>
+            <a:ext cx="7853811" cy="4106658"/>
+          </a:xfrm>
+          <a:prstGeom prst="rect">
+            <a:avLst/>
+          </a:prstGeom>
+        </p:spPr>
+      </p:pic>
+      <p:sp>
+        <p:nvSpPr>
+          <p:cNvPr id="6" name="テキスト ボックス 5">
+            <a:extLst>
+              <a:ext uri="{FF2B5EF4-FFF2-40B4-BE49-F238E27FC236}">
+                <a16:creationId xmlns:a16="http://schemas.microsoft.com/office/drawing/2014/main" id="{C25A913B-AAC7-5AFA-BDC6-4817732F606B}"/>
+              </a:ext>
+            </a:extLst>
+          </p:cNvPr>
+          <p:cNvSpPr txBox="1"/>
+          <p:nvPr/>
+        </p:nvSpPr>
+        <p:spPr>
+          <a:xfrm>
+            <a:off x="1713525" y="1767495"/>
+            <a:ext cx="7381314" cy="369332"/>
+          </a:xfrm>
+          <a:prstGeom prst="rect">
+            <a:avLst/>
+          </a:prstGeom>
+          <a:noFill/>
+        </p:spPr>
+        <p:txBody>
+          <a:bodyPr wrap="square" rtlCol="0">
+            <a:spAutoFit/>
+          </a:bodyPr>
+          <a:lstStyle/>
+          <a:p>
+            <a:r>
+              <a:rPr kumimoji="1" lang="ja-JP" altLang="en-US" dirty="0"/>
+              <a:t>例：</a:t>
+            </a:r>
+            <a:r>
+              <a:rPr kumimoji="1" lang="en-US" altLang="ja-JP" dirty="0"/>
+              <a:t>Google</a:t>
+            </a:r>
+            <a:r>
+              <a:rPr kumimoji="1" lang="ja-JP" altLang="en-US" dirty="0"/>
+              <a:t>検索</a:t>
+            </a:r>
           </a:p>
         </p:txBody>
       </p:sp>
@@ -12929,8 +13581,8 @@
         </p:nvSpPr>
         <p:spPr>
           <a:xfrm>
-            <a:off x="494071" y="904567"/>
-            <a:ext cx="10960510" cy="3244646"/>
+            <a:off x="494071" y="904566"/>
+            <a:ext cx="10960510" cy="4129549"/>
           </a:xfrm>
         </p:spPr>
         <p:txBody>
@@ -12941,9 +13593,97 @@
           <a:p>
             <a:r>
               <a:rPr lang="ja-JP" altLang="en-US" sz="2000" dirty="0"/>
-              <a:t>プロンプトの内容に応じてツールを使い分け、自動で解法を生成してくれるロボットの機能</a:t>
+              <a:t>プロンプトの内容に応じてツールを使い分け、自動で解法を生成してくれる機能</a:t>
             </a:r>
             <a:endParaRPr lang="en-US" altLang="ja-JP" sz="2000" dirty="0"/>
+          </a:p>
+          <a:p>
+            <a:r>
+              <a:rPr lang="en-US" altLang="ja-JP" sz="2000" dirty="0"/>
+              <a:t>Agent</a:t>
+            </a:r>
+            <a:r>
+              <a:rPr lang="ja-JP" altLang="en-US" sz="2000" dirty="0"/>
+              <a:t>の種類</a:t>
+            </a:r>
+            <a:endParaRPr lang="en-US" altLang="ja-JP" sz="2000" dirty="0"/>
+          </a:p>
+          <a:p>
+            <a:pPr lvl="1"/>
+            <a:r>
+              <a:rPr lang="en-US" altLang="ja-JP" sz="2000" dirty="0"/>
+              <a:t>Zero-shot-react-description</a:t>
+            </a:r>
+          </a:p>
+          <a:p>
+            <a:pPr lvl="2"/>
+            <a:r>
+              <a:rPr lang="ja-JP" altLang="en-US" dirty="0"/>
+              <a:t>ツールの説明文章などから、どのツールを用いるかを決める</a:t>
+            </a:r>
+            <a:r>
+              <a:rPr lang="en-US" altLang="ja-JP" dirty="0"/>
+              <a:t>Agent</a:t>
+            </a:r>
+          </a:p>
+          <a:p>
+            <a:pPr lvl="1"/>
+            <a:r>
+              <a:rPr lang="en-US" altLang="ja-JP" sz="2000" dirty="0"/>
+              <a:t>React-</a:t>
+            </a:r>
+            <a:r>
+              <a:rPr lang="en-US" altLang="ja-JP" sz="2000" dirty="0" err="1"/>
+              <a:t>docstore</a:t>
+            </a:r>
+            <a:endParaRPr lang="en-US" altLang="ja-JP" sz="2000" dirty="0"/>
+          </a:p>
+          <a:p>
+            <a:pPr lvl="2"/>
+            <a:r>
+              <a:rPr lang="ja-JP" altLang="en-US" dirty="0"/>
+              <a:t>文書を扱うことに特化した</a:t>
+            </a:r>
+            <a:r>
+              <a:rPr lang="en-US" altLang="ja-JP" dirty="0"/>
+              <a:t>Agent</a:t>
+            </a:r>
+          </a:p>
+          <a:p>
+            <a:pPr lvl="1"/>
+            <a:r>
+              <a:rPr lang="en-US" altLang="ja-JP" sz="2000" dirty="0"/>
+              <a:t>Self-ask-with-search</a:t>
+            </a:r>
+          </a:p>
+          <a:p>
+            <a:pPr lvl="2"/>
+            <a:r>
+              <a:rPr lang="ja-JP" altLang="en-US" dirty="0"/>
+              <a:t>質問に対する答えを事実に基づいて調べてくれる</a:t>
+            </a:r>
+            <a:r>
+              <a:rPr lang="en-US" altLang="ja-JP" dirty="0"/>
+              <a:t>Agent</a:t>
+            </a:r>
+          </a:p>
+          <a:p>
+            <a:pPr lvl="1"/>
+            <a:r>
+              <a:rPr lang="en-US" altLang="ja-JP" sz="2000" dirty="0"/>
+              <a:t>Conversational-react-description</a:t>
+            </a:r>
+          </a:p>
+          <a:p>
+            <a:pPr lvl="2"/>
+            <a:r>
+              <a:rPr lang="ja-JP" altLang="en-US" dirty="0"/>
+              <a:t>会話を扱うことに特化した</a:t>
+            </a:r>
+            <a:r>
+              <a:rPr lang="en-US" altLang="ja-JP" dirty="0"/>
+              <a:t>Agent</a:t>
+            </a:r>
           </a:p>
         </p:txBody>
       </p:sp>
@@ -13048,7 +13788,7 @@
         <p:spPr>
           <a:xfrm>
             <a:off x="494071" y="904567"/>
-            <a:ext cx="10960510" cy="3244646"/>
+            <a:ext cx="10960510" cy="598435"/>
           </a:xfrm>
         </p:spPr>
         <p:txBody>
@@ -13070,6 +13810,198 @@
               <a:t>の機能</a:t>
             </a:r>
             <a:endParaRPr lang="en-US" altLang="ja-JP" sz="2000" dirty="0"/>
+          </a:p>
+        </p:txBody>
+      </p:sp>
+      <p:pic>
+        <p:nvPicPr>
+          <p:cNvPr id="5" name="図 4">
+            <a:extLst>
+              <a:ext uri="{FF2B5EF4-FFF2-40B4-BE49-F238E27FC236}">
+                <a16:creationId xmlns:a16="http://schemas.microsoft.com/office/drawing/2014/main" id="{C0577F47-E97C-941C-00FB-AE3FAC2E6DE8}"/>
+              </a:ext>
+            </a:extLst>
+          </p:cNvPr>
+          <p:cNvPicPr>
+            <a:picLocks noChangeAspect="1"/>
+          </p:cNvPicPr>
+          <p:nvPr/>
+        </p:nvPicPr>
+        <p:blipFill>
+          <a:blip r:embed="rId2"/>
+          <a:stretch>
+            <a:fillRect/>
+          </a:stretch>
+        </p:blipFill>
+        <p:spPr>
+          <a:xfrm>
+            <a:off x="197287" y="1832494"/>
+            <a:ext cx="6184092" cy="2611683"/>
+          </a:xfrm>
+          <a:prstGeom prst="rect">
+            <a:avLst/>
+          </a:prstGeom>
+        </p:spPr>
+      </p:pic>
+      <p:pic>
+        <p:nvPicPr>
+          <p:cNvPr id="7" name="図 6">
+            <a:extLst>
+              <a:ext uri="{FF2B5EF4-FFF2-40B4-BE49-F238E27FC236}">
+                <a16:creationId xmlns:a16="http://schemas.microsoft.com/office/drawing/2014/main" id="{C2837BD7-F999-3800-E60E-A71E2DC13C1A}"/>
+              </a:ext>
+            </a:extLst>
+          </p:cNvPr>
+          <p:cNvPicPr>
+            <a:picLocks noChangeAspect="1"/>
+          </p:cNvPicPr>
+          <p:nvPr/>
+        </p:nvPicPr>
+        <p:blipFill>
+          <a:blip r:embed="rId3"/>
+          <a:stretch>
+            <a:fillRect/>
+          </a:stretch>
+        </p:blipFill>
+        <p:spPr>
+          <a:xfrm>
+            <a:off x="6571513" y="1832494"/>
+            <a:ext cx="5428144" cy="3880046"/>
+          </a:xfrm>
+          <a:prstGeom prst="rect">
+            <a:avLst/>
+          </a:prstGeom>
+        </p:spPr>
+      </p:pic>
+      <p:sp>
+        <p:nvSpPr>
+          <p:cNvPr id="8" name="テキスト ボックス 7">
+            <a:extLst>
+              <a:ext uri="{FF2B5EF4-FFF2-40B4-BE49-F238E27FC236}">
+                <a16:creationId xmlns:a16="http://schemas.microsoft.com/office/drawing/2014/main" id="{C0CAC3EC-934A-FF4B-2035-F5F5ADBC2AFA}"/>
+              </a:ext>
+            </a:extLst>
+          </p:cNvPr>
+          <p:cNvSpPr txBox="1"/>
+          <p:nvPr/>
+        </p:nvSpPr>
+        <p:spPr>
+          <a:xfrm>
+            <a:off x="197287" y="1406824"/>
+            <a:ext cx="6184092" cy="369332"/>
+          </a:xfrm>
+          <a:prstGeom prst="rect">
+            <a:avLst/>
+          </a:prstGeom>
+          <a:noFill/>
+        </p:spPr>
+        <p:txBody>
+          <a:bodyPr wrap="square" rtlCol="0">
+            <a:spAutoFit/>
+          </a:bodyPr>
+          <a:lstStyle/>
+          <a:p>
+            <a:r>
+              <a:rPr kumimoji="1" lang="ja-JP" altLang="en-US" dirty="0"/>
+              <a:t>例：</a:t>
+            </a:r>
+            <a:r>
+              <a:rPr lang="en-US" altLang="ja-JP" dirty="0"/>
+              <a:t>python</a:t>
+            </a:r>
+            <a:r>
+              <a:rPr lang="ja-JP" altLang="en-US" dirty="0"/>
+              <a:t>を実行できるツール</a:t>
+            </a:r>
+            <a:endParaRPr kumimoji="1" lang="ja-JP" altLang="en-US" dirty="0"/>
+          </a:p>
+        </p:txBody>
+      </p:sp>
+      <p:sp>
+        <p:nvSpPr>
+          <p:cNvPr id="9" name="テキスト ボックス 8">
+            <a:extLst>
+              <a:ext uri="{FF2B5EF4-FFF2-40B4-BE49-F238E27FC236}">
+                <a16:creationId xmlns:a16="http://schemas.microsoft.com/office/drawing/2014/main" id="{174199B8-7D7E-2C3C-5F72-B7BCC9F3B189}"/>
+              </a:ext>
+            </a:extLst>
+          </p:cNvPr>
+          <p:cNvSpPr txBox="1"/>
+          <p:nvPr/>
+        </p:nvSpPr>
+        <p:spPr>
+          <a:xfrm>
+            <a:off x="6543027" y="1406824"/>
+            <a:ext cx="2742558" cy="369332"/>
+          </a:xfrm>
+          <a:prstGeom prst="rect">
+            <a:avLst/>
+          </a:prstGeom>
+          <a:noFill/>
+        </p:spPr>
+        <p:txBody>
+          <a:bodyPr wrap="square" rtlCol="0">
+            <a:spAutoFit/>
+          </a:bodyPr>
+          <a:lstStyle/>
+          <a:p>
+            <a:r>
+              <a:rPr lang="ja-JP" altLang="en-US" dirty="0"/>
+              <a:t>出力結果</a:t>
+            </a:r>
+            <a:endParaRPr kumimoji="1" lang="ja-JP" altLang="en-US" dirty="0"/>
+          </a:p>
+        </p:txBody>
+      </p:sp>
+      <p:sp>
+        <p:nvSpPr>
+          <p:cNvPr id="10" name="テキスト ボックス 9">
+            <a:extLst>
+              <a:ext uri="{FF2B5EF4-FFF2-40B4-BE49-F238E27FC236}">
+                <a16:creationId xmlns:a16="http://schemas.microsoft.com/office/drawing/2014/main" id="{F08558E7-B946-97D3-44F9-D35A7E39AAA1}"/>
+              </a:ext>
+            </a:extLst>
+          </p:cNvPr>
+          <p:cNvSpPr txBox="1"/>
+          <p:nvPr/>
+        </p:nvSpPr>
+        <p:spPr>
+          <a:xfrm>
+            <a:off x="6381379" y="5996414"/>
+            <a:ext cx="5781367" cy="646331"/>
+          </a:xfrm>
+          <a:prstGeom prst="rect">
+            <a:avLst/>
+          </a:prstGeom>
+          <a:noFill/>
+        </p:spPr>
+        <p:txBody>
+          <a:bodyPr wrap="square" rtlCol="0">
+            <a:spAutoFit/>
+          </a:bodyPr>
+          <a:lstStyle/>
+          <a:p>
+            <a:r>
+              <a:rPr kumimoji="1" lang="ja-JP" altLang="en-US" dirty="0"/>
+              <a:t>出力結果を見ると、</a:t>
+            </a:r>
+            <a:r>
+              <a:rPr kumimoji="1" lang="en-US" altLang="ja-JP" dirty="0"/>
+              <a:t>Agent</a:t>
+            </a:r>
+            <a:r>
+              <a:rPr kumimoji="1" lang="ja-JP" altLang="en-US" dirty="0"/>
+              <a:t>が</a:t>
+            </a:r>
+            <a:r>
+              <a:rPr kumimoji="1" lang="en-US" altLang="ja-JP" dirty="0"/>
+              <a:t>Python</a:t>
+            </a:r>
+            <a:r>
+              <a:rPr lang="ja-JP" altLang="en-US" dirty="0"/>
+              <a:t>を実行して回答を得ていることがわかる</a:t>
+            </a:r>
+            <a:endParaRPr kumimoji="1" lang="ja-JP" altLang="en-US" dirty="0"/>
           </a:p>
         </p:txBody>
       </p:sp>
@@ -13141,7 +14073,7 @@
             </a:r>
             <a:r>
               <a:rPr lang="en-US" altLang="ja-JP" sz="3200" dirty="0"/>
-              <a:t>–</a:t>
+              <a:t>-</a:t>
             </a:r>
             <a:r>
               <a:rPr lang="ja-JP" altLang="en-US" sz="3200" dirty="0"/>
@@ -13149,7 +14081,7 @@
             </a:r>
             <a:r>
               <a:rPr lang="en-US" altLang="ja-JP" sz="3200" dirty="0"/>
-              <a:t>Agent Executor</a:t>
+              <a:t>Toolkits</a:t>
             </a:r>
             <a:endParaRPr kumimoji="1" lang="ja-JP" altLang="en-US" sz="3200" dirty="0"/>
           </a:p>
@@ -13174,7 +14106,7 @@
         <p:spPr>
           <a:xfrm>
             <a:off x="494071" y="904567"/>
-            <a:ext cx="10960510" cy="757085"/>
+            <a:ext cx="10960510" cy="810568"/>
           </a:xfrm>
         </p:spPr>
         <p:txBody>
@@ -13184,21 +14116,142 @@
           <a:lstStyle/>
           <a:p>
             <a:r>
-              <a:rPr lang="en-US" altLang="ja-JP" sz="2000" dirty="0"/>
-              <a:t>Agent</a:t>
-            </a:r>
-            <a:r>
               <a:rPr lang="ja-JP" altLang="en-US" sz="2000" dirty="0"/>
-              <a:t>の行動を実行するための機能</a:t>
+              <a:t>先ほどのエージェントに以下のような指示をすると、自らニューラルネットワークを作って学習を行い、予測値までだしてくれる</a:t>
             </a:r>
             <a:endParaRPr lang="en-US" altLang="ja-JP" sz="2000" dirty="0"/>
+          </a:p>
+        </p:txBody>
+      </p:sp>
+      <p:pic>
+        <p:nvPicPr>
+          <p:cNvPr id="6" name="図 5">
+            <a:extLst>
+              <a:ext uri="{FF2B5EF4-FFF2-40B4-BE49-F238E27FC236}">
+                <a16:creationId xmlns:a16="http://schemas.microsoft.com/office/drawing/2014/main" id="{0C27FF0A-A2FC-06B4-5452-E8FF0CCEDE5D}"/>
+              </a:ext>
+            </a:extLst>
+          </p:cNvPr>
+          <p:cNvPicPr>
+            <a:picLocks noChangeAspect="1"/>
+          </p:cNvPicPr>
+          <p:nvPr/>
+        </p:nvPicPr>
+        <p:blipFill>
+          <a:blip r:embed="rId2"/>
+          <a:stretch>
+            <a:fillRect/>
+          </a:stretch>
+        </p:blipFill>
+        <p:spPr>
+          <a:xfrm>
+            <a:off x="494071" y="1632622"/>
+            <a:ext cx="9977284" cy="1524767"/>
+          </a:xfrm>
+          <a:prstGeom prst="rect">
+            <a:avLst/>
+          </a:prstGeom>
+        </p:spPr>
+      </p:pic>
+      <p:pic>
+        <p:nvPicPr>
+          <p:cNvPr id="12" name="図 11">
+            <a:extLst>
+              <a:ext uri="{FF2B5EF4-FFF2-40B4-BE49-F238E27FC236}">
+                <a16:creationId xmlns:a16="http://schemas.microsoft.com/office/drawing/2014/main" id="{D94DD1BC-C525-6DCD-024D-9C2B24131282}"/>
+              </a:ext>
+            </a:extLst>
+          </p:cNvPr>
+          <p:cNvPicPr>
+            <a:picLocks noChangeAspect="1"/>
+          </p:cNvPicPr>
+          <p:nvPr/>
+        </p:nvPicPr>
+        <p:blipFill>
+          <a:blip r:embed="rId3"/>
+          <a:stretch>
+            <a:fillRect/>
+          </a:stretch>
+        </p:blipFill>
+        <p:spPr>
+          <a:xfrm>
+            <a:off x="436760" y="3473017"/>
+            <a:ext cx="5135745" cy="3326830"/>
+          </a:xfrm>
+          <a:prstGeom prst="rect">
+            <a:avLst/>
+          </a:prstGeom>
+        </p:spPr>
+      </p:pic>
+      <p:pic>
+        <p:nvPicPr>
+          <p:cNvPr id="14" name="図 13">
+            <a:extLst>
+              <a:ext uri="{FF2B5EF4-FFF2-40B4-BE49-F238E27FC236}">
+                <a16:creationId xmlns:a16="http://schemas.microsoft.com/office/drawing/2014/main" id="{6EAEE7DF-672B-C7FE-FB83-272C40BCDDE6}"/>
+              </a:ext>
+            </a:extLst>
+          </p:cNvPr>
+          <p:cNvPicPr>
+            <a:picLocks noChangeAspect="1"/>
+          </p:cNvPicPr>
+          <p:nvPr/>
+        </p:nvPicPr>
+        <p:blipFill>
+          <a:blip r:embed="rId4"/>
+          <a:stretch>
+            <a:fillRect/>
+          </a:stretch>
+        </p:blipFill>
+        <p:spPr>
+          <a:xfrm>
+            <a:off x="7275870" y="3427930"/>
+            <a:ext cx="4466469" cy="3326829"/>
+          </a:xfrm>
+          <a:prstGeom prst="rect">
+            <a:avLst/>
+          </a:prstGeom>
+        </p:spPr>
+      </p:pic>
+      <p:sp>
+        <p:nvSpPr>
+          <p:cNvPr id="15" name="テキスト ボックス 14">
+            <a:extLst>
+              <a:ext uri="{FF2B5EF4-FFF2-40B4-BE49-F238E27FC236}">
+                <a16:creationId xmlns:a16="http://schemas.microsoft.com/office/drawing/2014/main" id="{B9D0C51B-E8D5-3EBB-5835-3419CD00D5DB}"/>
+              </a:ext>
+            </a:extLst>
+          </p:cNvPr>
+          <p:cNvSpPr txBox="1"/>
+          <p:nvPr/>
+        </p:nvSpPr>
+        <p:spPr>
+          <a:xfrm>
+            <a:off x="5588347" y="4856046"/>
+            <a:ext cx="1677691" cy="369332"/>
+          </a:xfrm>
+          <a:prstGeom prst="rect">
+            <a:avLst/>
+          </a:prstGeom>
+          <a:noFill/>
+        </p:spPr>
+        <p:txBody>
+          <a:bodyPr wrap="square" rtlCol="0">
+            <a:spAutoFit/>
+          </a:bodyPr>
+          <a:lstStyle/>
+          <a:p>
+            <a:r>
+              <a:rPr kumimoji="1" lang="ja-JP" altLang="en-US" dirty="0"/>
+              <a:t>・・中略・・</a:t>
+            </a:r>
           </a:p>
         </p:txBody>
       </p:sp>
     </p:spTree>
     <p:extLst>
       <p:ext uri="{BB962C8B-B14F-4D97-AF65-F5344CB8AC3E}">
-        <p14:creationId xmlns:p14="http://schemas.microsoft.com/office/powerpoint/2010/main" val="2062677599"/>
+        <p14:creationId xmlns:p14="http://schemas.microsoft.com/office/powerpoint/2010/main" val="1947242300"/>
       </p:ext>
     </p:extLst>
   </p:cSld>
@@ -14289,6 +15342,143 @@
 </file>
 
 <file path=ppt/slides/slide30.xml><?xml version="1.0" encoding="utf-8"?>
+<p:sld xmlns:a="http://schemas.openxmlformats.org/drawingml/2006/main" xmlns:r="http://schemas.openxmlformats.org/officeDocument/2006/relationships" xmlns:p="http://schemas.openxmlformats.org/presentationml/2006/main">
+  <p:cSld>
+    <p:spTree>
+      <p:nvGrpSpPr>
+        <p:cNvPr id="1" name=""/>
+        <p:cNvGrpSpPr/>
+        <p:nvPr/>
+      </p:nvGrpSpPr>
+      <p:grpSpPr>
+        <a:xfrm>
+          <a:off x="0" y="0"/>
+          <a:ext cx="0" cy="0"/>
+          <a:chOff x="0" y="0"/>
+          <a:chExt cx="0" cy="0"/>
+        </a:xfrm>
+      </p:grpSpPr>
+      <p:sp>
+        <p:nvSpPr>
+          <p:cNvPr id="2" name="タイトル 1">
+            <a:extLst>
+              <a:ext uri="{FF2B5EF4-FFF2-40B4-BE49-F238E27FC236}">
+                <a16:creationId xmlns:a16="http://schemas.microsoft.com/office/drawing/2014/main" id="{2307BB75-827C-BB57-F3C5-1646EE9DDE97}"/>
+              </a:ext>
+            </a:extLst>
+          </p:cNvPr>
+          <p:cNvSpPr>
+            <a:spLocks noGrp="1"/>
+          </p:cNvSpPr>
+          <p:nvPr>
+            <p:ph type="title"/>
+          </p:nvPr>
+        </p:nvSpPr>
+        <p:spPr>
+          <a:xfrm>
+            <a:off x="494071" y="197978"/>
+            <a:ext cx="10515600" cy="598435"/>
+          </a:xfrm>
+        </p:spPr>
+        <p:txBody>
+          <a:bodyPr>
+            <a:normAutofit/>
+          </a:bodyPr>
+          <a:lstStyle/>
+          <a:p>
+            <a:r>
+              <a:rPr kumimoji="1" lang="en-US" altLang="ja-JP" sz="3200" dirty="0"/>
+              <a:t>Agents</a:t>
+            </a:r>
+            <a:r>
+              <a:rPr lang="ja-JP" altLang="en-US" sz="3200" dirty="0"/>
+              <a:t> </a:t>
+            </a:r>
+            <a:r>
+              <a:rPr lang="en-US" altLang="ja-JP" sz="3200" dirty="0"/>
+              <a:t>–</a:t>
+            </a:r>
+            <a:r>
+              <a:rPr lang="ja-JP" altLang="en-US" sz="3200" dirty="0"/>
+              <a:t> </a:t>
+            </a:r>
+            <a:r>
+              <a:rPr lang="en-US" altLang="ja-JP" sz="3200" dirty="0"/>
+              <a:t>Agent Executor</a:t>
+            </a:r>
+            <a:endParaRPr kumimoji="1" lang="ja-JP" altLang="en-US" sz="3200" dirty="0"/>
+          </a:p>
+        </p:txBody>
+      </p:sp>
+      <p:sp>
+        <p:nvSpPr>
+          <p:cNvPr id="3" name="コンテンツ プレースホルダー 2">
+            <a:extLst>
+              <a:ext uri="{FF2B5EF4-FFF2-40B4-BE49-F238E27FC236}">
+                <a16:creationId xmlns:a16="http://schemas.microsoft.com/office/drawing/2014/main" id="{B67E071B-4436-63F2-3B68-D6BC3EA36BD8}"/>
+              </a:ext>
+            </a:extLst>
+          </p:cNvPr>
+          <p:cNvSpPr>
+            <a:spLocks noGrp="1"/>
+          </p:cNvSpPr>
+          <p:nvPr>
+            <p:ph idx="1"/>
+          </p:nvPr>
+        </p:nvSpPr>
+        <p:spPr>
+          <a:xfrm>
+            <a:off x="494071" y="904567"/>
+            <a:ext cx="10960510" cy="1130710"/>
+          </a:xfrm>
+        </p:spPr>
+        <p:txBody>
+          <a:bodyPr>
+            <a:normAutofit/>
+          </a:bodyPr>
+          <a:lstStyle/>
+          <a:p>
+            <a:r>
+              <a:rPr lang="en-US" altLang="ja-JP" sz="2000" dirty="0"/>
+              <a:t>Agent</a:t>
+            </a:r>
+            <a:r>
+              <a:rPr lang="ja-JP" altLang="en-US" sz="2000" dirty="0"/>
+              <a:t>の行動を実行するための機能</a:t>
+            </a:r>
+            <a:endParaRPr lang="en-US" altLang="ja-JP" sz="2000" dirty="0"/>
+          </a:p>
+          <a:p>
+            <a:r>
+              <a:rPr lang="en-US" altLang="ja-JP" sz="2000" dirty="0"/>
+              <a:t>Toolkits</a:t>
+            </a:r>
+            <a:r>
+              <a:rPr lang="ja-JP" altLang="en-US" sz="2000" dirty="0"/>
+              <a:t>のコード例の最後の行で実行しているのが</a:t>
+            </a:r>
+            <a:r>
+              <a:rPr lang="en-US" altLang="ja-JP" sz="2000" dirty="0" err="1"/>
+              <a:t>agent_executor</a:t>
+            </a:r>
+            <a:endParaRPr lang="en-US" altLang="ja-JP" sz="2000" dirty="0"/>
+          </a:p>
+        </p:txBody>
+      </p:sp>
+    </p:spTree>
+    <p:extLst>
+      <p:ext uri="{BB962C8B-B14F-4D97-AF65-F5344CB8AC3E}">
+        <p14:creationId xmlns:p14="http://schemas.microsoft.com/office/powerpoint/2010/main" val="2062677599"/>
+      </p:ext>
+    </p:extLst>
+  </p:cSld>
+  <p:clrMapOvr>
+    <a:masterClrMapping/>
+  </p:clrMapOvr>
+</p:sld>
+</file>
+
+<file path=ppt/slides/slide31.xml><?xml version="1.0" encoding="utf-8"?>
 <p:sld xmlns:a="http://schemas.openxmlformats.org/drawingml/2006/main" xmlns:r="http://schemas.openxmlformats.org/officeDocument/2006/relationships" xmlns:p="http://schemas.openxmlformats.org/presentationml/2006/main">
   <p:cSld>
     <p:spTree>
@@ -14794,7 +15984,7 @@
 </p:sld>
 </file>
 
-<file path=ppt/slides/slide31.xml><?xml version="1.0" encoding="utf-8"?>
+<file path=ppt/slides/slide32.xml><?xml version="1.0" encoding="utf-8"?>
 <p:sld xmlns:a="http://schemas.openxmlformats.org/drawingml/2006/main" xmlns:r="http://schemas.openxmlformats.org/officeDocument/2006/relationships" xmlns:p="http://schemas.openxmlformats.org/presentationml/2006/main">
   <p:cSld>
     <p:spTree>
@@ -15138,7 +16328,7 @@
 </p:sld>
 </file>
 
-<file path=ppt/slides/slide32.xml><?xml version="1.0" encoding="utf-8"?>
+<file path=ppt/slides/slide33.xml><?xml version="1.0" encoding="utf-8"?>
 <p:sld xmlns:a="http://schemas.openxmlformats.org/drawingml/2006/main" xmlns:r="http://schemas.openxmlformats.org/officeDocument/2006/relationships" xmlns:p="http://schemas.openxmlformats.org/presentationml/2006/main">
   <p:cSld>
     <p:spTree>
@@ -15843,7 +17033,7 @@
 </p:sld>
 </file>
 
-<file path=ppt/slides/slide33.xml><?xml version="1.0" encoding="utf-8"?>
+<file path=ppt/slides/slide34.xml><?xml version="1.0" encoding="utf-8"?>
 <p:sld xmlns:a="http://schemas.openxmlformats.org/drawingml/2006/main" xmlns:r="http://schemas.openxmlformats.org/officeDocument/2006/relationships" xmlns:p="http://schemas.openxmlformats.org/presentationml/2006/main">
   <p:cSld>
     <p:spTree>
@@ -16055,7 +17245,7 @@
 </p:sld>
 </file>
 
-<file path=ppt/slides/slide34.xml><?xml version="1.0" encoding="utf-8"?>
+<file path=ppt/slides/slide35.xml><?xml version="1.0" encoding="utf-8"?>
 <p:sld xmlns:a="http://schemas.openxmlformats.org/drawingml/2006/main" xmlns:r="http://schemas.openxmlformats.org/officeDocument/2006/relationships" xmlns:p="http://schemas.openxmlformats.org/presentationml/2006/main">
   <p:cSld>
     <p:spTree>
@@ -16669,7 +17859,7 @@
 </p:sld>
 </file>
 
-<file path=ppt/slides/slide35.xml><?xml version="1.0" encoding="utf-8"?>
+<file path=ppt/slides/slide36.xml><?xml version="1.0" encoding="utf-8"?>
 <p:sld xmlns:a="http://schemas.openxmlformats.org/drawingml/2006/main" xmlns:r="http://schemas.openxmlformats.org/officeDocument/2006/relationships" xmlns:p="http://schemas.openxmlformats.org/presentationml/2006/main">
   <p:cSld>
     <p:spTree>
@@ -17300,7 +18490,7 @@
 </p:sld>
 </file>
 
-<file path=ppt/slides/slide36.xml><?xml version="1.0" encoding="utf-8"?>
+<file path=ppt/slides/slide37.xml><?xml version="1.0" encoding="utf-8"?>
 <p:sld xmlns:a="http://schemas.openxmlformats.org/drawingml/2006/main" xmlns:r="http://schemas.openxmlformats.org/officeDocument/2006/relationships" xmlns:p="http://schemas.openxmlformats.org/presentationml/2006/main">
   <p:cSld>
     <p:spTree>
@@ -17442,7 +18632,7 @@
 </p:sld>
 </file>
 
-<file path=ppt/slides/slide37.xml><?xml version="1.0" encoding="utf-8"?>
+<file path=ppt/slides/slide38.xml><?xml version="1.0" encoding="utf-8"?>
 <p:sld xmlns:a="http://schemas.openxmlformats.org/drawingml/2006/main" xmlns:r="http://schemas.openxmlformats.org/officeDocument/2006/relationships" xmlns:p="http://schemas.openxmlformats.org/presentationml/2006/main">
   <p:cSld>
     <p:spTree>
@@ -17539,24 +18729,39 @@
           </a:p>
           <a:p>
             <a:r>
-              <a:rPr kumimoji="1" lang="en-US" altLang="ja-JP" sz="1800" dirty="0"/>
-              <a:t>https://zenn.dev/umi_mori/books/prompt-engineer/viewer/langchain_models</a:t>
-            </a:r>
-          </a:p>
-          <a:p>
-            <a:r>
               <a:rPr kumimoji="1" lang="en-US" altLang="ja-JP" sz="1800" dirty="0">
                 <a:hlinkClick r:id="rId3"/>
               </a:rPr>
+              <a:t>https://zenn.dev/umi_mori/books/prompt-engineer/viewer/langchain_models</a:t>
+            </a:r>
+            <a:endParaRPr kumimoji="1" lang="en-US" altLang="ja-JP" sz="1800" dirty="0"/>
+          </a:p>
+          <a:p>
+            <a:r>
+              <a:rPr kumimoji="1" lang="en-US" altLang="ja-JP" sz="1800" dirty="0">
+                <a:hlinkClick r:id="rId4"/>
+              </a:rPr>
               <a:t>https://tech.nri-net.com/entry/tried_langchain_to_extend_chatgpt</a:t>
             </a:r>
             <a:endParaRPr kumimoji="1" lang="en-US" altLang="ja-JP" sz="1800" dirty="0"/>
           </a:p>
           <a:p>
             <a:r>
-              <a:rPr kumimoji="1" lang="en-US" altLang="ja-JP" sz="1800" dirty="0"/>
+              <a:rPr kumimoji="1" lang="en-US" altLang="ja-JP" sz="1800" dirty="0">
+                <a:hlinkClick r:id="rId5"/>
+              </a:rPr>
               <a:t>https://zenn.dev/kun432/scraps/cefc75b14ff013</a:t>
             </a:r>
+            <a:endParaRPr kumimoji="1" lang="en-US" altLang="ja-JP" sz="1800" dirty="0"/>
+          </a:p>
+          <a:p>
+            <a:r>
+              <a:rPr kumimoji="1" lang="en-US" altLang="ja-JP" sz="1800" dirty="0">
+                <a:hlinkClick r:id="rId6"/>
+              </a:rPr>
+              <a:t>https://www.inoue-kobo.com/ai_ml/langchain-agent/</a:t>
+            </a:r>
+            <a:endParaRPr kumimoji="1" lang="en-US" altLang="ja-JP" sz="1800" dirty="0"/>
           </a:p>
           <a:p>
             <a:endParaRPr kumimoji="1" lang="ja-JP" altLang="en-US" sz="1800" dirty="0"/>
@@ -20101,7 +21306,7 @@
         <p:spPr>
           <a:xfrm>
             <a:off x="494071" y="904567"/>
-            <a:ext cx="10960510" cy="3706762"/>
+            <a:ext cx="10960510" cy="1140543"/>
           </a:xfrm>
         </p:spPr>
         <p:txBody>
@@ -20121,9 +21326,6 @@
             <a:endParaRPr lang="en-US" altLang="ja-JP" sz="2000" dirty="0"/>
           </a:p>
           <a:p>
-            <a:endParaRPr lang="en-US" altLang="ja-JP" sz="2000" dirty="0"/>
-          </a:p>
-          <a:p>
             <a:r>
               <a:rPr lang="en-US" altLang="ja-JP" sz="2000" dirty="0" err="1"/>
               <a:t>LangChain</a:t>
@@ -20133,6 +21335,76 @@
               <a:t>を使用しなくてもプロンプトの管理はできるが、「少ないコードで記述できる」という点で便利</a:t>
             </a:r>
             <a:endParaRPr lang="en-US" altLang="ja-JP" sz="2000" dirty="0"/>
+          </a:p>
+        </p:txBody>
+      </p:sp>
+      <p:pic>
+        <p:nvPicPr>
+          <p:cNvPr id="5" name="図 4">
+            <a:extLst>
+              <a:ext uri="{FF2B5EF4-FFF2-40B4-BE49-F238E27FC236}">
+                <a16:creationId xmlns:a16="http://schemas.microsoft.com/office/drawing/2014/main" id="{3B5176B3-48CC-A88D-68EA-801F03E01F7C}"/>
+              </a:ext>
+            </a:extLst>
+          </p:cNvPr>
+          <p:cNvPicPr>
+            <a:picLocks noChangeAspect="1"/>
+          </p:cNvPicPr>
+          <p:nvPr/>
+        </p:nvPicPr>
+        <p:blipFill>
+          <a:blip r:embed="rId2"/>
+          <a:stretch>
+            <a:fillRect/>
+          </a:stretch>
+        </p:blipFill>
+        <p:spPr>
+          <a:xfrm>
+            <a:off x="2943897" y="1927917"/>
+            <a:ext cx="5753599" cy="4359018"/>
+          </a:xfrm>
+          <a:prstGeom prst="rect">
+            <a:avLst/>
+          </a:prstGeom>
+        </p:spPr>
+      </p:pic>
+      <p:sp>
+        <p:nvSpPr>
+          <p:cNvPr id="6" name="テキスト ボックス 5">
+            <a:extLst>
+              <a:ext uri="{FF2B5EF4-FFF2-40B4-BE49-F238E27FC236}">
+                <a16:creationId xmlns:a16="http://schemas.microsoft.com/office/drawing/2014/main" id="{6F888EE5-BF77-6526-53C1-049FB62F2C65}"/>
+              </a:ext>
+            </a:extLst>
+          </p:cNvPr>
+          <p:cNvSpPr txBox="1"/>
+          <p:nvPr/>
+        </p:nvSpPr>
+        <p:spPr>
+          <a:xfrm>
+            <a:off x="2654711" y="6352245"/>
+            <a:ext cx="8062452" cy="307777"/>
+          </a:xfrm>
+          <a:prstGeom prst="rect">
+            <a:avLst/>
+          </a:prstGeom>
+          <a:noFill/>
+        </p:spPr>
+        <p:txBody>
+          <a:bodyPr wrap="square" rtlCol="0">
+            <a:spAutoFit/>
+          </a:bodyPr>
+          <a:lstStyle/>
+          <a:p>
+            <a:r>
+              <a:rPr kumimoji="1" lang="ja-JP" altLang="en-US" sz="1400" dirty="0"/>
+              <a:t>（出所）</a:t>
+            </a:r>
+            <a:r>
+              <a:rPr kumimoji="1" lang="en-US" altLang="ja-JP" sz="1400" dirty="0"/>
+              <a:t> https://zenn.dev/umi_mori/books/prompt-engineer/viewer/langchain_prompt</a:t>
+            </a:r>
+            <a:endParaRPr kumimoji="1" lang="ja-JP" altLang="en-US" sz="1400" dirty="0"/>
           </a:p>
         </p:txBody>
       </p:sp>

--- a/LangChainについて.pptx
+++ b/LangChainについて.pptx
@@ -10,39 +10,40 @@
     <p:sldId id="292" r:id="rId4"/>
     <p:sldId id="277" r:id="rId5"/>
     <p:sldId id="261" r:id="rId6"/>
-    <p:sldId id="278" r:id="rId7"/>
-    <p:sldId id="279" r:id="rId8"/>
-    <p:sldId id="293" r:id="rId9"/>
-    <p:sldId id="280" r:id="rId10"/>
-    <p:sldId id="260" r:id="rId11"/>
-    <p:sldId id="285" r:id="rId12"/>
-    <p:sldId id="281" r:id="rId13"/>
-    <p:sldId id="284" r:id="rId14"/>
-    <p:sldId id="298" r:id="rId15"/>
-    <p:sldId id="299" r:id="rId16"/>
-    <p:sldId id="271" r:id="rId17"/>
-    <p:sldId id="286" r:id="rId18"/>
-    <p:sldId id="262" r:id="rId19"/>
-    <p:sldId id="289" r:id="rId20"/>
-    <p:sldId id="290" r:id="rId21"/>
-    <p:sldId id="291" r:id="rId22"/>
-    <p:sldId id="294" r:id="rId23"/>
-    <p:sldId id="296" r:id="rId24"/>
-    <p:sldId id="295" r:id="rId25"/>
-    <p:sldId id="297" r:id="rId26"/>
-    <p:sldId id="300" r:id="rId27"/>
-    <p:sldId id="301" r:id="rId28"/>
-    <p:sldId id="302" r:id="rId29"/>
-    <p:sldId id="304" r:id="rId30"/>
-    <p:sldId id="303" r:id="rId31"/>
-    <p:sldId id="263" r:id="rId32"/>
-    <p:sldId id="270" r:id="rId33"/>
-    <p:sldId id="272" r:id="rId34"/>
-    <p:sldId id="273" r:id="rId35"/>
-    <p:sldId id="274" r:id="rId36"/>
-    <p:sldId id="276" r:id="rId37"/>
-    <p:sldId id="275" r:id="rId38"/>
-    <p:sldId id="258" r:id="rId39"/>
+    <p:sldId id="305" r:id="rId7"/>
+    <p:sldId id="278" r:id="rId8"/>
+    <p:sldId id="279" r:id="rId9"/>
+    <p:sldId id="293" r:id="rId10"/>
+    <p:sldId id="280" r:id="rId11"/>
+    <p:sldId id="260" r:id="rId12"/>
+    <p:sldId id="285" r:id="rId13"/>
+    <p:sldId id="281" r:id="rId14"/>
+    <p:sldId id="284" r:id="rId15"/>
+    <p:sldId id="298" r:id="rId16"/>
+    <p:sldId id="299" r:id="rId17"/>
+    <p:sldId id="271" r:id="rId18"/>
+    <p:sldId id="286" r:id="rId19"/>
+    <p:sldId id="262" r:id="rId20"/>
+    <p:sldId id="289" r:id="rId21"/>
+    <p:sldId id="290" r:id="rId22"/>
+    <p:sldId id="291" r:id="rId23"/>
+    <p:sldId id="294" r:id="rId24"/>
+    <p:sldId id="296" r:id="rId25"/>
+    <p:sldId id="295" r:id="rId26"/>
+    <p:sldId id="297" r:id="rId27"/>
+    <p:sldId id="300" r:id="rId28"/>
+    <p:sldId id="301" r:id="rId29"/>
+    <p:sldId id="302" r:id="rId30"/>
+    <p:sldId id="304" r:id="rId31"/>
+    <p:sldId id="303" r:id="rId32"/>
+    <p:sldId id="263" r:id="rId33"/>
+    <p:sldId id="270" r:id="rId34"/>
+    <p:sldId id="272" r:id="rId35"/>
+    <p:sldId id="273" r:id="rId36"/>
+    <p:sldId id="274" r:id="rId37"/>
+    <p:sldId id="276" r:id="rId38"/>
+    <p:sldId id="275" r:id="rId39"/>
+    <p:sldId id="258" r:id="rId40"/>
   </p:sldIdLst>
   <p:sldSz cx="12192000" cy="6858000"/>
   <p:notesSz cx="6858000" cy="9144000"/>
@@ -152,7 +153,7 @@
 <file path=ppt/revisionInfo.xml><?xml version="1.0" encoding="utf-8"?>
 <p1510:revInfo xmlns:a="http://schemas.openxmlformats.org/drawingml/2006/main" xmlns:r="http://schemas.openxmlformats.org/officeDocument/2006/relationships" xmlns:p1510="http://schemas.microsoft.com/office/powerpoint/2015/10/main">
   <p1510:revLst>
-    <p1510:client id="{C79585E8-B497-4644-8F02-B52EA6E7B8F3}" v="145" dt="2023-05-23T10:19:40.030"/>
+    <p1510:client id="{C79585E8-B497-4644-8F02-B52EA6E7B8F3}" v="149" dt="2023-06-05T16:26:49.771"/>
   </p1510:revLst>
 </p1510:revInfo>
 </file>
@@ -162,12 +163,12 @@
   <pc:docChgLst>
     <pc:chgData name="泰弘 仲山" userId="857b4835f3abfbd8" providerId="LiveId" clId="{C79585E8-B497-4644-8F02-B52EA6E7B8F3}"/>
     <pc:docChg chg="undo custSel addSld delSld modSld sldOrd">
-      <pc:chgData name="泰弘 仲山" userId="857b4835f3abfbd8" providerId="LiveId" clId="{C79585E8-B497-4644-8F02-B52EA6E7B8F3}" dt="2023-05-23T10:31:48.830" v="9540" actId="255"/>
+      <pc:chgData name="泰弘 仲山" userId="857b4835f3abfbd8" providerId="LiveId" clId="{C79585E8-B497-4644-8F02-B52EA6E7B8F3}" dt="2023-06-06T00:13:26.821" v="10262" actId="20577"/>
       <pc:docMkLst>
         <pc:docMk/>
       </pc:docMkLst>
       <pc:sldChg chg="modSp new mod">
-        <pc:chgData name="泰弘 仲山" userId="857b4835f3abfbd8" providerId="LiveId" clId="{C79585E8-B497-4644-8F02-B52EA6E7B8F3}" dt="2023-05-22T15:34:54.326" v="433" actId="20577"/>
+        <pc:chgData name="泰弘 仲山" userId="857b4835f3abfbd8" providerId="LiveId" clId="{C79585E8-B497-4644-8F02-B52EA6E7B8F3}" dt="2023-06-05T15:36:05.478" v="9545" actId="20577"/>
         <pc:sldMkLst>
           <pc:docMk/>
           <pc:sldMk cId="78851934" sldId="256"/>
@@ -181,7 +182,7 @@
           </ac:spMkLst>
         </pc:spChg>
         <pc:spChg chg="mod">
-          <ac:chgData name="泰弘 仲山" userId="857b4835f3abfbd8" providerId="LiveId" clId="{C79585E8-B497-4644-8F02-B52EA6E7B8F3}" dt="2023-05-22T15:34:54.326" v="433" actId="20577"/>
+          <ac:chgData name="泰弘 仲山" userId="857b4835f3abfbd8" providerId="LiveId" clId="{C79585E8-B497-4644-8F02-B52EA6E7B8F3}" dt="2023-06-05T15:36:05.478" v="9545" actId="20577"/>
           <ac:spMkLst>
             <pc:docMk/>
             <pc:sldMk cId="78851934" sldId="256"/>
@@ -190,7 +191,7 @@
         </pc:spChg>
       </pc:sldChg>
       <pc:sldChg chg="modSp new mod">
-        <pc:chgData name="泰弘 仲山" userId="857b4835f3abfbd8" providerId="LiveId" clId="{C79585E8-B497-4644-8F02-B52EA6E7B8F3}" dt="2023-05-23T05:13:17.334" v="7499" actId="20577"/>
+        <pc:chgData name="泰弘 仲山" userId="857b4835f3abfbd8" providerId="LiveId" clId="{C79585E8-B497-4644-8F02-B52EA6E7B8F3}" dt="2023-06-05T15:38:25.354" v="9689" actId="20577"/>
         <pc:sldMkLst>
           <pc:docMk/>
           <pc:sldMk cId="4271290513" sldId="257"/>
@@ -204,7 +205,7 @@
           </ac:spMkLst>
         </pc:spChg>
         <pc:spChg chg="mod">
-          <ac:chgData name="泰弘 仲山" userId="857b4835f3abfbd8" providerId="LiveId" clId="{C79585E8-B497-4644-8F02-B52EA6E7B8F3}" dt="2023-05-23T05:13:17.334" v="7499" actId="20577"/>
+          <ac:chgData name="泰弘 仲山" userId="857b4835f3abfbd8" providerId="LiveId" clId="{C79585E8-B497-4644-8F02-B52EA6E7B8F3}" dt="2023-06-05T15:38:25.354" v="9689" actId="20577"/>
           <ac:spMkLst>
             <pc:docMk/>
             <pc:sldMk cId="4271290513" sldId="257"/>
@@ -267,13 +268,13 @@
         </pc:graphicFrameChg>
       </pc:sldChg>
       <pc:sldChg chg="addSp modSp new mod">
-        <pc:chgData name="泰弘 仲山" userId="857b4835f3abfbd8" providerId="LiveId" clId="{C79585E8-B497-4644-8F02-B52EA6E7B8F3}" dt="2023-05-23T05:23:28.841" v="7824" actId="14100"/>
+        <pc:chgData name="泰弘 仲山" userId="857b4835f3abfbd8" providerId="LiveId" clId="{C79585E8-B497-4644-8F02-B52EA6E7B8F3}" dt="2023-06-05T16:14:41.017" v="9911" actId="20577"/>
         <pc:sldMkLst>
           <pc:docMk/>
           <pc:sldMk cId="3324125627" sldId="260"/>
         </pc:sldMkLst>
         <pc:spChg chg="mod">
-          <ac:chgData name="泰弘 仲山" userId="857b4835f3abfbd8" providerId="LiveId" clId="{C79585E8-B497-4644-8F02-B52EA6E7B8F3}" dt="2023-05-23T04:23:09.368" v="6023" actId="20577"/>
+          <ac:chgData name="泰弘 仲山" userId="857b4835f3abfbd8" providerId="LiveId" clId="{C79585E8-B497-4644-8F02-B52EA6E7B8F3}" dt="2023-06-05T16:14:41.017" v="9911" actId="20577"/>
           <ac:spMkLst>
             <pc:docMk/>
             <pc:sldMk cId="3324125627" sldId="260"/>
@@ -298,7 +299,7 @@
         </pc:picChg>
       </pc:sldChg>
       <pc:sldChg chg="addSp delSp modSp add mod ord">
-        <pc:chgData name="泰弘 仲山" userId="857b4835f3abfbd8" providerId="LiveId" clId="{C79585E8-B497-4644-8F02-B52EA6E7B8F3}" dt="2023-05-23T05:15:03.718" v="7569" actId="1036"/>
+        <pc:chgData name="泰弘 仲山" userId="857b4835f3abfbd8" providerId="LiveId" clId="{C79585E8-B497-4644-8F02-B52EA6E7B8F3}" dt="2023-06-05T16:01:41.097" v="9868" actId="14100"/>
         <pc:sldMkLst>
           <pc:docMk/>
           <pc:sldMk cId="3878852880" sldId="261"/>
@@ -320,29 +321,37 @@
           </ac:spMkLst>
         </pc:spChg>
         <pc:spChg chg="add mod">
-          <ac:chgData name="泰弘 仲山" userId="857b4835f3abfbd8" providerId="LiveId" clId="{C79585E8-B497-4644-8F02-B52EA6E7B8F3}" dt="2023-05-23T05:14:01.815" v="7514" actId="14100"/>
+          <ac:chgData name="泰弘 仲山" userId="857b4835f3abfbd8" providerId="LiveId" clId="{C79585E8-B497-4644-8F02-B52EA6E7B8F3}" dt="2023-06-05T15:47:12.015" v="9754" actId="6549"/>
           <ac:spMkLst>
             <pc:docMk/>
             <pc:sldMk cId="3878852880" sldId="261"/>
             <ac:spMk id="4" creationId="{53C3694F-604A-A422-2E0E-3F3ACB229172}"/>
           </ac:spMkLst>
         </pc:spChg>
-        <pc:spChg chg="add mod">
-          <ac:chgData name="泰弘 仲山" userId="857b4835f3abfbd8" providerId="LiveId" clId="{C79585E8-B497-4644-8F02-B52EA6E7B8F3}" dt="2023-05-23T05:15:03.718" v="7569" actId="1036"/>
+        <pc:spChg chg="add del mod">
+          <ac:chgData name="泰弘 仲山" userId="857b4835f3abfbd8" providerId="LiveId" clId="{C79585E8-B497-4644-8F02-B52EA6E7B8F3}" dt="2023-06-05T15:47:12.414" v="9755" actId="478"/>
           <ac:spMkLst>
             <pc:docMk/>
             <pc:sldMk cId="3878852880" sldId="261"/>
             <ac:spMk id="11" creationId="{D22648F8-3662-0445-4B0D-B9C50FC104ED}"/>
           </ac:spMkLst>
         </pc:spChg>
-        <pc:spChg chg="add mod">
-          <ac:chgData name="泰弘 仲山" userId="857b4835f3abfbd8" providerId="LiveId" clId="{C79585E8-B497-4644-8F02-B52EA6E7B8F3}" dt="2023-05-23T05:14:51.783" v="7567" actId="20577"/>
+        <pc:spChg chg="add del mod">
+          <ac:chgData name="泰弘 仲山" userId="857b4835f3abfbd8" providerId="LiveId" clId="{C79585E8-B497-4644-8F02-B52EA6E7B8F3}" dt="2023-06-05T15:47:13.180" v="9757" actId="478"/>
           <ac:spMkLst>
             <pc:docMk/>
             <pc:sldMk cId="3878852880" sldId="261"/>
             <ac:spMk id="12" creationId="{C6D4F9CE-116B-F3F1-2120-4AEBEC772C73}"/>
           </ac:spMkLst>
         </pc:spChg>
+        <pc:graphicFrameChg chg="add del mod">
+          <ac:chgData name="泰弘 仲山" userId="857b4835f3abfbd8" providerId="LiveId" clId="{C79585E8-B497-4644-8F02-B52EA6E7B8F3}" dt="2023-06-05T15:47:10.171" v="9751" actId="3680"/>
+          <ac:graphicFrameMkLst>
+            <pc:docMk/>
+            <pc:sldMk cId="3878852880" sldId="261"/>
+            <ac:graphicFrameMk id="3" creationId="{E66C647E-FC5A-D0C5-1D1B-7B4DFD6DC6AE}"/>
+          </ac:graphicFrameMkLst>
+        </pc:graphicFrameChg>
         <pc:picChg chg="add del mod">
           <ac:chgData name="泰弘 仲山" userId="857b4835f3abfbd8" providerId="LiveId" clId="{C79585E8-B497-4644-8F02-B52EA6E7B8F3}" dt="2023-05-23T02:32:11.371" v="4867" actId="478"/>
           <ac:picMkLst>
@@ -352,15 +361,23 @@
           </ac:picMkLst>
         </pc:picChg>
         <pc:picChg chg="add mod">
-          <ac:chgData name="泰弘 仲山" userId="857b4835f3abfbd8" providerId="LiveId" clId="{C79585E8-B497-4644-8F02-B52EA6E7B8F3}" dt="2023-05-23T05:15:00.762" v="7568" actId="1036"/>
+          <ac:chgData name="泰弘 仲山" userId="857b4835f3abfbd8" providerId="LiveId" clId="{C79585E8-B497-4644-8F02-B52EA6E7B8F3}" dt="2023-06-05T16:01:41.097" v="9868" actId="14100"/>
+          <ac:picMkLst>
+            <pc:docMk/>
+            <pc:sldMk cId="3878852880" sldId="261"/>
+            <ac:picMk id="6" creationId="{F0E7A46B-79F8-0519-1ECD-5917BEADD083}"/>
+          </ac:picMkLst>
+        </pc:picChg>
+        <pc:picChg chg="add del mod">
+          <ac:chgData name="泰弘 仲山" userId="857b4835f3abfbd8" providerId="LiveId" clId="{C79585E8-B497-4644-8F02-B52EA6E7B8F3}" dt="2023-06-05T16:01:11.454" v="9862" actId="478"/>
           <ac:picMkLst>
             <pc:docMk/>
             <pc:sldMk cId="3878852880" sldId="261"/>
             <ac:picMk id="8" creationId="{FC12AF1E-EBB5-AA80-44E1-F5DD377205F8}"/>
           </ac:picMkLst>
         </pc:picChg>
-        <pc:picChg chg="add mod">
-          <ac:chgData name="泰弘 仲山" userId="857b4835f3abfbd8" providerId="LiveId" clId="{C79585E8-B497-4644-8F02-B52EA6E7B8F3}" dt="2023-05-23T05:14:40.797" v="7544" actId="1076"/>
+        <pc:picChg chg="add del mod">
+          <ac:chgData name="泰弘 仲山" userId="857b4835f3abfbd8" providerId="LiveId" clId="{C79585E8-B497-4644-8F02-B52EA6E7B8F3}" dt="2023-06-05T15:47:14.168" v="9758" actId="478"/>
           <ac:picMkLst>
             <pc:docMk/>
             <pc:sldMk cId="3878852880" sldId="261"/>
@@ -924,7 +941,7 @@
         </pc:picChg>
       </pc:sldChg>
       <pc:sldChg chg="modSp new mod">
-        <pc:chgData name="泰弘 仲山" userId="857b4835f3abfbd8" providerId="LiveId" clId="{C79585E8-B497-4644-8F02-B52EA6E7B8F3}" dt="2023-05-23T00:37:02.475" v="4207" actId="20577"/>
+        <pc:chgData name="泰弘 仲山" userId="857b4835f3abfbd8" providerId="LiveId" clId="{C79585E8-B497-4644-8F02-B52EA6E7B8F3}" dt="2023-06-06T00:13:26.821" v="10262" actId="20577"/>
         <pc:sldMkLst>
           <pc:docMk/>
           <pc:sldMk cId="2135565239" sldId="275"/>
@@ -938,7 +955,7 @@
           </ac:spMkLst>
         </pc:spChg>
         <pc:spChg chg="mod">
-          <ac:chgData name="泰弘 仲山" userId="857b4835f3abfbd8" providerId="LiveId" clId="{C79585E8-B497-4644-8F02-B52EA6E7B8F3}" dt="2023-05-23T00:37:02.475" v="4207" actId="20577"/>
+          <ac:chgData name="泰弘 仲山" userId="857b4835f3abfbd8" providerId="LiveId" clId="{C79585E8-B497-4644-8F02-B52EA6E7B8F3}" dt="2023-06-06T00:13:26.821" v="10262" actId="20577"/>
           <ac:spMkLst>
             <pc:docMk/>
             <pc:sldMk cId="2135565239" sldId="275"/>
@@ -1122,7 +1139,7 @@
         </pc:cxnChg>
       </pc:sldChg>
       <pc:sldChg chg="delSp modSp add mod">
-        <pc:chgData name="泰弘 仲山" userId="857b4835f3abfbd8" providerId="LiveId" clId="{C79585E8-B497-4644-8F02-B52EA6E7B8F3}" dt="2023-05-23T05:13:50.610" v="7513" actId="255"/>
+        <pc:chgData name="泰弘 仲山" userId="857b4835f3abfbd8" providerId="LiveId" clId="{C79585E8-B497-4644-8F02-B52EA6E7B8F3}" dt="2023-06-05T15:42:07.579" v="9733" actId="14100"/>
         <pc:sldMkLst>
           <pc:docMk/>
           <pc:sldMk cId="934667027" sldId="277"/>
@@ -1136,7 +1153,7 @@
           </ac:spMkLst>
         </pc:spChg>
         <pc:spChg chg="mod">
-          <ac:chgData name="泰弘 仲山" userId="857b4835f3abfbd8" providerId="LiveId" clId="{C79585E8-B497-4644-8F02-B52EA6E7B8F3}" dt="2023-05-23T05:13:50.610" v="7513" actId="255"/>
+          <ac:chgData name="泰弘 仲山" userId="857b4835f3abfbd8" providerId="LiveId" clId="{C79585E8-B497-4644-8F02-B52EA6E7B8F3}" dt="2023-06-05T15:42:07.579" v="9733" actId="14100"/>
           <ac:spMkLst>
             <pc:docMk/>
             <pc:sldMk cId="934667027" sldId="277"/>
@@ -1200,13 +1217,13 @@
         </pc:picChg>
       </pc:sldChg>
       <pc:sldChg chg="addSp delSp modSp add mod">
-        <pc:chgData name="泰弘 仲山" userId="857b4835f3abfbd8" providerId="LiveId" clId="{C79585E8-B497-4644-8F02-B52EA6E7B8F3}" dt="2023-05-23T05:22:41.953" v="7822" actId="1076"/>
+        <pc:chgData name="泰弘 仲山" userId="857b4835f3abfbd8" providerId="LiveId" clId="{C79585E8-B497-4644-8F02-B52EA6E7B8F3}" dt="2023-06-05T16:10:15.509" v="9904" actId="20577"/>
         <pc:sldMkLst>
           <pc:docMk/>
           <pc:sldMk cId="400603218" sldId="279"/>
         </pc:sldMkLst>
         <pc:spChg chg="mod">
-          <ac:chgData name="泰弘 仲山" userId="857b4835f3abfbd8" providerId="LiveId" clId="{C79585E8-B497-4644-8F02-B52EA6E7B8F3}" dt="2023-05-23T02:53:55.050" v="5563" actId="20577"/>
+          <ac:chgData name="泰弘 仲山" userId="857b4835f3abfbd8" providerId="LiveId" clId="{C79585E8-B497-4644-8F02-B52EA6E7B8F3}" dt="2023-06-05T16:07:56.183" v="9887" actId="20577"/>
           <ac:spMkLst>
             <pc:docMk/>
             <pc:sldMk cId="400603218" sldId="279"/>
@@ -1214,7 +1231,7 @@
           </ac:spMkLst>
         </pc:spChg>
         <pc:spChg chg="mod">
-          <ac:chgData name="泰弘 仲山" userId="857b4835f3abfbd8" providerId="LiveId" clId="{C79585E8-B497-4644-8F02-B52EA6E7B8F3}" dt="2023-05-23T02:54:09.722" v="5598" actId="20577"/>
+          <ac:chgData name="泰弘 仲山" userId="857b4835f3abfbd8" providerId="LiveId" clId="{C79585E8-B497-4644-8F02-B52EA6E7B8F3}" dt="2023-06-05T16:10:15.509" v="9904" actId="20577"/>
           <ac:spMkLst>
             <pc:docMk/>
             <pc:sldMk cId="400603218" sldId="279"/>
@@ -1426,13 +1443,13 @@
         </pc:picChg>
       </pc:sldChg>
       <pc:sldChg chg="addSp delSp modSp add mod">
-        <pc:chgData name="泰弘 仲山" userId="857b4835f3abfbd8" providerId="LiveId" clId="{C79585E8-B497-4644-8F02-B52EA6E7B8F3}" dt="2023-05-23T05:26:18.258" v="7851" actId="1076"/>
+        <pc:chgData name="泰弘 仲山" userId="857b4835f3abfbd8" providerId="LiveId" clId="{C79585E8-B497-4644-8F02-B52EA6E7B8F3}" dt="2023-06-05T16:14:45.428" v="9913" actId="20577"/>
         <pc:sldMkLst>
           <pc:docMk/>
           <pc:sldMk cId="2549428542" sldId="285"/>
         </pc:sldMkLst>
         <pc:spChg chg="mod">
-          <ac:chgData name="泰弘 仲山" userId="857b4835f3abfbd8" providerId="LiveId" clId="{C79585E8-B497-4644-8F02-B52EA6E7B8F3}" dt="2023-05-23T04:23:03.782" v="6021" actId="20577"/>
+          <ac:chgData name="泰弘 仲山" userId="857b4835f3abfbd8" providerId="LiveId" clId="{C79585E8-B497-4644-8F02-B52EA6E7B8F3}" dt="2023-06-05T16:14:45.428" v="9913" actId="20577"/>
           <ac:spMkLst>
             <pc:docMk/>
             <pc:sldMk cId="2549428542" sldId="285"/>
@@ -1456,7 +1473,7 @@
           </ac:picMkLst>
         </pc:picChg>
         <pc:picChg chg="add mod">
-          <ac:chgData name="泰弘 仲山" userId="857b4835f3abfbd8" providerId="LiveId" clId="{C79585E8-B497-4644-8F02-B52EA6E7B8F3}" dt="2023-05-23T05:25:52.577" v="7849" actId="1076"/>
+          <ac:chgData name="泰弘 仲山" userId="857b4835f3abfbd8" providerId="LiveId" clId="{C79585E8-B497-4644-8F02-B52EA6E7B8F3}" dt="2023-06-05T16:14:04.722" v="9908" actId="1076"/>
           <ac:picMkLst>
             <pc:docMk/>
             <pc:sldMk cId="2549428542" sldId="285"/>
@@ -1597,7 +1614,7 @@
         </pc:picChg>
       </pc:sldChg>
       <pc:sldChg chg="addSp delSp modSp add mod">
-        <pc:chgData name="泰弘 仲山" userId="857b4835f3abfbd8" providerId="LiveId" clId="{C79585E8-B497-4644-8F02-B52EA6E7B8F3}" dt="2023-05-23T09:38:25.683" v="8627" actId="1076"/>
+        <pc:chgData name="泰弘 仲山" userId="857b4835f3abfbd8" providerId="LiveId" clId="{C79585E8-B497-4644-8F02-B52EA6E7B8F3}" dt="2023-06-05T16:46:24.849" v="9982" actId="14100"/>
         <pc:sldMkLst>
           <pc:docMk/>
           <pc:sldMk cId="2018993548" sldId="290"/>
@@ -1618,6 +1635,14 @@
             <ac:spMk id="4" creationId="{9F0CCF37-CC28-5249-059C-5F6CB7A157E9}"/>
           </ac:spMkLst>
         </pc:spChg>
+        <pc:picChg chg="add mod">
+          <ac:chgData name="泰弘 仲山" userId="857b4835f3abfbd8" providerId="LiveId" clId="{C79585E8-B497-4644-8F02-B52EA6E7B8F3}" dt="2023-06-05T16:46:24.849" v="9982" actId="14100"/>
+          <ac:picMkLst>
+            <pc:docMk/>
+            <pc:sldMk cId="2018993548" sldId="290"/>
+            <ac:picMk id="5" creationId="{8D992CA2-357B-FF65-9D74-D070F552C65A}"/>
+          </ac:picMkLst>
+        </pc:picChg>
         <pc:picChg chg="add del mod">
           <ac:chgData name="泰弘 仲山" userId="857b4835f3abfbd8" providerId="LiveId" clId="{C79585E8-B497-4644-8F02-B52EA6E7B8F3}" dt="2023-05-23T04:49:35.639" v="6685" actId="478"/>
           <ac:picMkLst>
@@ -1626,8 +1651,8 @@
             <ac:picMk id="5" creationId="{9D5E1392-8D48-9533-FD77-B2AC5706458A}"/>
           </ac:picMkLst>
         </pc:picChg>
-        <pc:picChg chg="add mod">
-          <ac:chgData name="泰弘 仲山" userId="857b4835f3abfbd8" providerId="LiveId" clId="{C79585E8-B497-4644-8F02-B52EA6E7B8F3}" dt="2023-05-23T09:38:25.683" v="8627" actId="1076"/>
+        <pc:picChg chg="add del mod">
+          <ac:chgData name="泰弘 仲山" userId="857b4835f3abfbd8" providerId="LiveId" clId="{C79585E8-B497-4644-8F02-B52EA6E7B8F3}" dt="2023-06-05T16:46:04.134" v="9976" actId="478"/>
           <ac:picMkLst>
             <pc:docMk/>
             <pc:sldMk cId="2018993548" sldId="290"/>
@@ -1730,13 +1755,13 @@
         </pc:graphicFrameChg>
       </pc:sldChg>
       <pc:sldChg chg="modSp add mod">
-        <pc:chgData name="泰弘 仲山" userId="857b4835f3abfbd8" providerId="LiveId" clId="{C79585E8-B497-4644-8F02-B52EA6E7B8F3}" dt="2023-05-23T04:34:17.062" v="6440" actId="113"/>
+        <pc:chgData name="泰弘 仲山" userId="857b4835f3abfbd8" providerId="LiveId" clId="{C79585E8-B497-4644-8F02-B52EA6E7B8F3}" dt="2023-06-05T16:11:47.736" v="9907" actId="20577"/>
         <pc:sldMkLst>
           <pc:docMk/>
           <pc:sldMk cId="740992919" sldId="293"/>
         </pc:sldMkLst>
         <pc:graphicFrameChg chg="modGraphic">
-          <ac:chgData name="泰弘 仲山" userId="857b4835f3abfbd8" providerId="LiveId" clId="{C79585E8-B497-4644-8F02-B52EA6E7B8F3}" dt="2023-05-23T04:34:17.062" v="6440" actId="113"/>
+          <ac:chgData name="泰弘 仲山" userId="857b4835f3abfbd8" providerId="LiveId" clId="{C79585E8-B497-4644-8F02-B52EA6E7B8F3}" dt="2023-06-05T16:11:47.736" v="9907" actId="20577"/>
           <ac:graphicFrameMkLst>
             <pc:docMk/>
             <pc:sldMk cId="740992919" sldId="293"/>
@@ -1890,8 +1915,8 @@
           </ac:graphicFrameMkLst>
         </pc:graphicFrameChg>
       </pc:sldChg>
-      <pc:sldChg chg="modSp add mod">
-        <pc:chgData name="泰弘 仲山" userId="857b4835f3abfbd8" providerId="LiveId" clId="{C79585E8-B497-4644-8F02-B52EA6E7B8F3}" dt="2023-05-23T04:57:59.513" v="6920" actId="20577"/>
+      <pc:sldChg chg="addSp modSp add mod">
+        <pc:chgData name="泰弘 仲山" userId="857b4835f3abfbd8" providerId="LiveId" clId="{C79585E8-B497-4644-8F02-B52EA6E7B8F3}" dt="2023-06-05T16:27:17.556" v="9974" actId="20577"/>
         <pc:sldMkLst>
           <pc:docMk/>
           <pc:sldMk cId="2317811171" sldId="299"/>
@@ -1905,13 +1930,29 @@
           </ac:spMkLst>
         </pc:spChg>
         <pc:spChg chg="mod">
-          <ac:chgData name="泰弘 仲山" userId="857b4835f3abfbd8" providerId="LiveId" clId="{C79585E8-B497-4644-8F02-B52EA6E7B8F3}" dt="2023-05-23T04:57:59.513" v="6920" actId="20577"/>
+          <ac:chgData name="泰弘 仲山" userId="857b4835f3abfbd8" providerId="LiveId" clId="{C79585E8-B497-4644-8F02-B52EA6E7B8F3}" dt="2023-06-05T16:26:13.061" v="9922" actId="14100"/>
           <ac:spMkLst>
             <pc:docMk/>
             <pc:sldMk cId="2317811171" sldId="299"/>
             <ac:spMk id="3" creationId="{B67E071B-4436-63F2-3B68-D6BC3EA36BD8}"/>
           </ac:spMkLst>
         </pc:spChg>
+        <pc:spChg chg="add mod">
+          <ac:chgData name="泰弘 仲山" userId="857b4835f3abfbd8" providerId="LiveId" clId="{C79585E8-B497-4644-8F02-B52EA6E7B8F3}" dt="2023-06-05T16:27:17.556" v="9974" actId="20577"/>
+          <ac:spMkLst>
+            <pc:docMk/>
+            <pc:sldMk cId="2317811171" sldId="299"/>
+            <ac:spMk id="6" creationId="{3C6C30B6-D4E3-B367-5424-8EFAFA037CB7}"/>
+          </ac:spMkLst>
+        </pc:spChg>
+        <pc:picChg chg="add mod">
+          <ac:chgData name="泰弘 仲山" userId="857b4835f3abfbd8" providerId="LiveId" clId="{C79585E8-B497-4644-8F02-B52EA6E7B8F3}" dt="2023-06-05T16:26:54.076" v="9931" actId="1076"/>
+          <ac:picMkLst>
+            <pc:docMk/>
+            <pc:sldMk cId="2317811171" sldId="299"/>
+            <ac:picMk id="5" creationId="{74611E5B-AC5F-A6EA-474A-5A26E9F533AD}"/>
+          </ac:picMkLst>
+        </pc:picChg>
       </pc:sldChg>
       <pc:sldChg chg="addSp modSp add mod">
         <pc:chgData name="泰弘 仲山" userId="857b4835f3abfbd8" providerId="LiveId" clId="{C79585E8-B497-4644-8F02-B52EA6E7B8F3}" dt="2023-05-23T09:41:37.901" v="8635" actId="1076"/>
@@ -1960,7 +2001,7 @@
         </pc:sldMkLst>
       </pc:sldChg>
       <pc:sldChg chg="modSp add mod">
-        <pc:chgData name="泰弘 仲山" userId="857b4835f3abfbd8" providerId="LiveId" clId="{C79585E8-B497-4644-8F02-B52EA6E7B8F3}" dt="2023-05-23T10:31:48.830" v="9540" actId="255"/>
+        <pc:chgData name="泰弘 仲山" userId="857b4835f3abfbd8" providerId="LiveId" clId="{C79585E8-B497-4644-8F02-B52EA6E7B8F3}" dt="2023-06-05T17:03:17.612" v="10170" actId="27636"/>
         <pc:sldMkLst>
           <pc:docMk/>
           <pc:sldMk cId="2429323486" sldId="301"/>
@@ -1974,7 +2015,7 @@
           </ac:spMkLst>
         </pc:spChg>
         <pc:spChg chg="mod">
-          <ac:chgData name="泰弘 仲山" userId="857b4835f3abfbd8" providerId="LiveId" clId="{C79585E8-B497-4644-8F02-B52EA6E7B8F3}" dt="2023-05-23T10:31:48.830" v="9540" actId="255"/>
+          <ac:chgData name="泰弘 仲山" userId="857b4835f3abfbd8" providerId="LiveId" clId="{C79585E8-B497-4644-8F02-B52EA6E7B8F3}" dt="2023-06-05T17:03:17.612" v="10170" actId="27636"/>
           <ac:spMkLst>
             <pc:docMk/>
             <pc:sldMk cId="2429323486" sldId="301"/>
@@ -2171,6 +2212,93 @@
           </ac:picMkLst>
         </pc:picChg>
       </pc:sldChg>
+      <pc:sldChg chg="addSp delSp modSp add mod">
+        <pc:chgData name="泰弘 仲山" userId="857b4835f3abfbd8" providerId="LiveId" clId="{C79585E8-B497-4644-8F02-B52EA6E7B8F3}" dt="2023-06-05T16:01:55.626" v="9882" actId="14100"/>
+        <pc:sldMkLst>
+          <pc:docMk/>
+          <pc:sldMk cId="4111335836" sldId="305"/>
+        </pc:sldMkLst>
+        <pc:spChg chg="mod">
+          <ac:chgData name="泰弘 仲山" userId="857b4835f3abfbd8" providerId="LiveId" clId="{C79585E8-B497-4644-8F02-B52EA6E7B8F3}" dt="2023-06-05T16:01:55.626" v="9882" actId="14100"/>
+          <ac:spMkLst>
+            <pc:docMk/>
+            <pc:sldMk cId="4111335836" sldId="305"/>
+            <ac:spMk id="4" creationId="{53C3694F-604A-A422-2E0E-3F3ACB229172}"/>
+          </ac:spMkLst>
+        </pc:spChg>
+        <pc:spChg chg="del">
+          <ac:chgData name="泰弘 仲山" userId="857b4835f3abfbd8" providerId="LiveId" clId="{C79585E8-B497-4644-8F02-B52EA6E7B8F3}" dt="2023-06-05T15:47:52.308" v="9761" actId="478"/>
+          <ac:spMkLst>
+            <pc:docMk/>
+            <pc:sldMk cId="4111335836" sldId="305"/>
+            <ac:spMk id="11" creationId="{D22648F8-3662-0445-4B0D-B9C50FC104ED}"/>
+          </ac:spMkLst>
+        </pc:spChg>
+        <pc:spChg chg="del">
+          <ac:chgData name="泰弘 仲山" userId="857b4835f3abfbd8" providerId="LiveId" clId="{C79585E8-B497-4644-8F02-B52EA6E7B8F3}" dt="2023-06-05T15:47:49.804" v="9759" actId="478"/>
+          <ac:spMkLst>
+            <pc:docMk/>
+            <pc:sldMk cId="4111335836" sldId="305"/>
+            <ac:spMk id="12" creationId="{C6D4F9CE-116B-F3F1-2120-4AEBEC772C73}"/>
+          </ac:spMkLst>
+        </pc:spChg>
+        <pc:picChg chg="add del mod">
+          <ac:chgData name="泰弘 仲山" userId="857b4835f3abfbd8" providerId="LiveId" clId="{C79585E8-B497-4644-8F02-B52EA6E7B8F3}" dt="2023-06-05T15:51:03.718" v="9769" actId="478"/>
+          <ac:picMkLst>
+            <pc:docMk/>
+            <pc:sldMk cId="4111335836" sldId="305"/>
+            <ac:picMk id="5" creationId="{DE7D2054-B08B-4B4F-65D8-C5EB08D49D12}"/>
+          </ac:picMkLst>
+        </pc:picChg>
+        <pc:picChg chg="add mod">
+          <ac:chgData name="泰弘 仲山" userId="857b4835f3abfbd8" providerId="LiveId" clId="{C79585E8-B497-4644-8F02-B52EA6E7B8F3}" dt="2023-06-05T15:52:29.421" v="9789" actId="1076"/>
+          <ac:picMkLst>
+            <pc:docMk/>
+            <pc:sldMk cId="4111335836" sldId="305"/>
+            <ac:picMk id="7" creationId="{3381B0CA-7EED-4A5D-5DE8-C17D036B5825}"/>
+          </ac:picMkLst>
+        </pc:picChg>
+        <pc:picChg chg="del">
+          <ac:chgData name="泰弘 仲山" userId="857b4835f3abfbd8" providerId="LiveId" clId="{C79585E8-B497-4644-8F02-B52EA6E7B8F3}" dt="2023-06-05T15:44:44.346" v="9735" actId="478"/>
+          <ac:picMkLst>
+            <pc:docMk/>
+            <pc:sldMk cId="4111335836" sldId="305"/>
+            <ac:picMk id="8" creationId="{FC12AF1E-EBB5-AA80-44E1-F5DD377205F8}"/>
+          </ac:picMkLst>
+        </pc:picChg>
+        <pc:picChg chg="del">
+          <ac:chgData name="泰弘 仲山" userId="857b4835f3abfbd8" providerId="LiveId" clId="{C79585E8-B497-4644-8F02-B52EA6E7B8F3}" dt="2023-06-05T15:47:51.160" v="9760" actId="478"/>
+          <ac:picMkLst>
+            <pc:docMk/>
+            <pc:sldMk cId="4111335836" sldId="305"/>
+            <ac:picMk id="10" creationId="{190F7D5F-F3DC-BABD-82BD-AA9C12072873}"/>
+          </ac:picMkLst>
+        </pc:picChg>
+        <pc:picChg chg="add mod">
+          <ac:chgData name="泰弘 仲山" userId="857b4835f3abfbd8" providerId="LiveId" clId="{C79585E8-B497-4644-8F02-B52EA6E7B8F3}" dt="2023-06-05T15:53:22.666" v="9858" actId="1076"/>
+          <ac:picMkLst>
+            <pc:docMk/>
+            <pc:sldMk cId="4111335836" sldId="305"/>
+            <ac:picMk id="13" creationId="{D4DA73B9-ADDA-F305-C242-06D0575EE6B4}"/>
+          </ac:picMkLst>
+        </pc:picChg>
+        <pc:picChg chg="add mod">
+          <ac:chgData name="泰弘 仲山" userId="857b4835f3abfbd8" providerId="LiveId" clId="{C79585E8-B497-4644-8F02-B52EA6E7B8F3}" dt="2023-06-05T15:53:27.156" v="9860" actId="14100"/>
+          <ac:picMkLst>
+            <pc:docMk/>
+            <pc:sldMk cId="4111335836" sldId="305"/>
+            <ac:picMk id="15" creationId="{C6B9143E-3901-7599-72C6-010E0D512F33}"/>
+          </ac:picMkLst>
+        </pc:picChg>
+        <pc:picChg chg="add mod">
+          <ac:chgData name="泰弘 仲山" userId="857b4835f3abfbd8" providerId="LiveId" clId="{C79585E8-B497-4644-8F02-B52EA6E7B8F3}" dt="2023-06-05T15:53:30.728" v="9861" actId="14100"/>
+          <ac:picMkLst>
+            <pc:docMk/>
+            <pc:sldMk cId="4111335836" sldId="305"/>
+            <ac:picMk id="17" creationId="{5B066721-41FF-FEA1-2E4F-C2AD14DEACB2}"/>
+          </ac:picMkLst>
+        </pc:picChg>
+      </pc:sldChg>
     </pc:docChg>
   </pc:docChgLst>
 </pc:chgInfo>
@@ -2323,7 +2451,7 @@
           <a:p>
             <a:fld id="{B93B6BA3-46DF-4682-9009-45BA9D4F24AA}" type="datetimeFigureOut">
               <a:rPr kumimoji="1" lang="ja-JP" altLang="en-US" smtClean="0"/>
-              <a:t>2023/5/23</a:t>
+              <a:t>2023/6/6</a:t>
             </a:fld>
             <a:endParaRPr kumimoji="1" lang="ja-JP" altLang="en-US"/>
           </a:p>
@@ -2553,7 +2681,7 @@
           <a:p>
             <a:fld id="{B93B6BA3-46DF-4682-9009-45BA9D4F24AA}" type="datetimeFigureOut">
               <a:rPr kumimoji="1" lang="ja-JP" altLang="en-US" smtClean="0"/>
-              <a:t>2023/5/23</a:t>
+              <a:t>2023/6/6</a:t>
             </a:fld>
             <a:endParaRPr kumimoji="1" lang="ja-JP" altLang="en-US"/>
           </a:p>
@@ -2793,7 +2921,7 @@
           <a:p>
             <a:fld id="{B93B6BA3-46DF-4682-9009-45BA9D4F24AA}" type="datetimeFigureOut">
               <a:rPr kumimoji="1" lang="ja-JP" altLang="en-US" smtClean="0"/>
-              <a:t>2023/5/23</a:t>
+              <a:t>2023/6/6</a:t>
             </a:fld>
             <a:endParaRPr kumimoji="1" lang="ja-JP" altLang="en-US"/>
           </a:p>
@@ -3023,7 +3151,7 @@
           <a:p>
             <a:fld id="{B93B6BA3-46DF-4682-9009-45BA9D4F24AA}" type="datetimeFigureOut">
               <a:rPr kumimoji="1" lang="ja-JP" altLang="en-US" smtClean="0"/>
-              <a:t>2023/5/23</a:t>
+              <a:t>2023/6/6</a:t>
             </a:fld>
             <a:endParaRPr kumimoji="1" lang="ja-JP" altLang="en-US"/>
           </a:p>
@@ -3298,7 +3426,7 @@
           <a:p>
             <a:fld id="{B93B6BA3-46DF-4682-9009-45BA9D4F24AA}" type="datetimeFigureOut">
               <a:rPr kumimoji="1" lang="ja-JP" altLang="en-US" smtClean="0"/>
-              <a:t>2023/5/23</a:t>
+              <a:t>2023/6/6</a:t>
             </a:fld>
             <a:endParaRPr kumimoji="1" lang="ja-JP" altLang="en-US"/>
           </a:p>
@@ -3627,7 +3755,7 @@
           <a:p>
             <a:fld id="{B93B6BA3-46DF-4682-9009-45BA9D4F24AA}" type="datetimeFigureOut">
               <a:rPr kumimoji="1" lang="ja-JP" altLang="en-US" smtClean="0"/>
-              <a:t>2023/5/23</a:t>
+              <a:t>2023/6/6</a:t>
             </a:fld>
             <a:endParaRPr kumimoji="1" lang="ja-JP" altLang="en-US"/>
           </a:p>
@@ -4103,7 +4231,7 @@
           <a:p>
             <a:fld id="{B93B6BA3-46DF-4682-9009-45BA9D4F24AA}" type="datetimeFigureOut">
               <a:rPr kumimoji="1" lang="ja-JP" altLang="en-US" smtClean="0"/>
-              <a:t>2023/5/23</a:t>
+              <a:t>2023/6/6</a:t>
             </a:fld>
             <a:endParaRPr kumimoji="1" lang="ja-JP" altLang="en-US"/>
           </a:p>
@@ -4244,7 +4372,7 @@
           <a:p>
             <a:fld id="{B93B6BA3-46DF-4682-9009-45BA9D4F24AA}" type="datetimeFigureOut">
               <a:rPr kumimoji="1" lang="ja-JP" altLang="en-US" smtClean="0"/>
-              <a:t>2023/5/23</a:t>
+              <a:t>2023/6/6</a:t>
             </a:fld>
             <a:endParaRPr kumimoji="1" lang="ja-JP" altLang="en-US"/>
           </a:p>
@@ -4357,7 +4485,7 @@
           <a:p>
             <a:fld id="{B93B6BA3-46DF-4682-9009-45BA9D4F24AA}" type="datetimeFigureOut">
               <a:rPr kumimoji="1" lang="ja-JP" altLang="en-US" smtClean="0"/>
-              <a:t>2023/5/23</a:t>
+              <a:t>2023/6/6</a:t>
             </a:fld>
             <a:endParaRPr kumimoji="1" lang="ja-JP" altLang="en-US"/>
           </a:p>
@@ -4700,7 +4828,7 @@
           <a:p>
             <a:fld id="{B93B6BA3-46DF-4682-9009-45BA9D4F24AA}" type="datetimeFigureOut">
               <a:rPr kumimoji="1" lang="ja-JP" altLang="en-US" smtClean="0"/>
-              <a:t>2023/5/23</a:t>
+              <a:t>2023/6/6</a:t>
             </a:fld>
             <a:endParaRPr kumimoji="1" lang="ja-JP" altLang="en-US"/>
           </a:p>
@@ -4988,7 +5116,7 @@
           <a:p>
             <a:fld id="{B93B6BA3-46DF-4682-9009-45BA9D4F24AA}" type="datetimeFigureOut">
               <a:rPr kumimoji="1" lang="ja-JP" altLang="en-US" smtClean="0"/>
-              <a:t>2023/5/23</a:t>
+              <a:t>2023/6/6</a:t>
             </a:fld>
             <a:endParaRPr kumimoji="1" lang="ja-JP" altLang="en-US"/>
           </a:p>
@@ -5261,7 +5389,7 @@
           <a:p>
             <a:fld id="{B93B6BA3-46DF-4682-9009-45BA9D4F24AA}" type="datetimeFigureOut">
               <a:rPr kumimoji="1" lang="ja-JP" altLang="en-US" smtClean="0"/>
-              <a:t>2023/5/23</a:t>
+              <a:t>2023/6/6</a:t>
             </a:fld>
             <a:endParaRPr kumimoji="1" lang="ja-JP" altLang="en-US"/>
           </a:p>
@@ -5738,7 +5866,7 @@
           <a:p>
             <a:r>
               <a:rPr kumimoji="1" lang="en-US" altLang="ja-JP" dirty="0"/>
-              <a:t>2023/5/24</a:t>
+              <a:t>2023/6/7</a:t>
             </a:r>
             <a:endParaRPr kumimoji="1" lang="ja-JP" altLang="en-US" dirty="0"/>
           </a:p>
@@ -5804,11 +5932,7 @@
           <a:p>
             <a:r>
               <a:rPr kumimoji="1" lang="en-US" altLang="ja-JP" sz="3200" dirty="0"/>
-              <a:t>Prompt – </a:t>
-            </a:r>
-            <a:r>
-              <a:rPr kumimoji="1" lang="en-US" altLang="ja-JP" sz="3200" dirty="0" err="1"/>
-              <a:t>PromptTemplates</a:t>
+              <a:t>Prompt</a:t>
             </a:r>
             <a:endParaRPr kumimoji="1" lang="ja-JP" altLang="en-US" sz="3200" dirty="0"/>
           </a:p>
@@ -5832,8 +5956,8 @@
         </p:nvSpPr>
         <p:spPr>
           <a:xfrm>
-            <a:off x="494071" y="904568"/>
-            <a:ext cx="10960510" cy="1071716"/>
+            <a:off x="494071" y="904567"/>
+            <a:ext cx="10960510" cy="1140543"/>
           </a:xfrm>
         </p:spPr>
         <p:txBody>
@@ -5843,21 +5967,25 @@
           <a:lstStyle/>
           <a:p>
             <a:r>
-              <a:rPr kumimoji="1" lang="en-US" altLang="ja-JP" sz="1800" dirty="0"/>
-              <a:t>LLM </a:t>
-            </a:r>
-            <a:r>
-              <a:rPr kumimoji="1" lang="ja-JP" altLang="en-US" sz="1800" dirty="0"/>
-              <a:t>へリクエストを送る際のプロンプトのテンプレートを作るためのモジュール</a:t>
-            </a:r>
-            <a:endParaRPr kumimoji="1" lang="en-US" altLang="ja-JP" sz="1800" dirty="0"/>
-          </a:p>
-          <a:p>
-            <a:r>
-              <a:rPr lang="ja-JP" altLang="en-US" sz="1800" dirty="0"/>
-              <a:t>変数部分のみ変えながら使用したい場合に有用</a:t>
-            </a:r>
-            <a:endParaRPr lang="en-US" altLang="ja-JP" sz="1800" dirty="0"/>
+              <a:rPr lang="en-US" altLang="ja-JP" sz="2000" dirty="0"/>
+              <a:t>Prompt</a:t>
+            </a:r>
+            <a:r>
+              <a:rPr lang="ja-JP" altLang="en-US" sz="2000" dirty="0"/>
+              <a:t>はプロンプトの管理・最適化・シリアル化などをする機能</a:t>
+            </a:r>
+            <a:endParaRPr lang="en-US" altLang="ja-JP" sz="2000" dirty="0"/>
+          </a:p>
+          <a:p>
+            <a:r>
+              <a:rPr lang="en-US" altLang="ja-JP" sz="2000" dirty="0" err="1"/>
+              <a:t>LangChain</a:t>
+            </a:r>
+            <a:r>
+              <a:rPr lang="ja-JP" altLang="en-US" sz="2000" dirty="0"/>
+              <a:t>を使用しなくてもプロンプトの管理はできるが、「少ないコードで記述できる」という点で便利</a:t>
+            </a:r>
+            <a:endParaRPr lang="en-US" altLang="ja-JP" sz="2000" dirty="0"/>
           </a:p>
         </p:txBody>
       </p:sp>
@@ -5866,7 +5994,7 @@
           <p:cNvPr id="5" name="図 4">
             <a:extLst>
               <a:ext uri="{FF2B5EF4-FFF2-40B4-BE49-F238E27FC236}">
-                <a16:creationId xmlns:a16="http://schemas.microsoft.com/office/drawing/2014/main" id="{86C25A18-73E2-01EF-88A3-3BDBFD305A79}"/>
+                <a16:creationId xmlns:a16="http://schemas.microsoft.com/office/drawing/2014/main" id="{3B5176B3-48CC-A88D-68EA-801F03E01F7C}"/>
               </a:ext>
             </a:extLst>
           </p:cNvPr>
@@ -5883,18 +6011,58 @@
         </p:blipFill>
         <p:spPr>
           <a:xfrm>
-            <a:off x="1870602" y="2074606"/>
-            <a:ext cx="7989379" cy="4168877"/>
+            <a:off x="2943897" y="1927917"/>
+            <a:ext cx="5753599" cy="4359018"/>
           </a:xfrm>
           <a:prstGeom prst="rect">
             <a:avLst/>
           </a:prstGeom>
         </p:spPr>
       </p:pic>
+      <p:sp>
+        <p:nvSpPr>
+          <p:cNvPr id="6" name="テキスト ボックス 5">
+            <a:extLst>
+              <a:ext uri="{FF2B5EF4-FFF2-40B4-BE49-F238E27FC236}">
+                <a16:creationId xmlns:a16="http://schemas.microsoft.com/office/drawing/2014/main" id="{6F888EE5-BF77-6526-53C1-049FB62F2C65}"/>
+              </a:ext>
+            </a:extLst>
+          </p:cNvPr>
+          <p:cNvSpPr txBox="1"/>
+          <p:nvPr/>
+        </p:nvSpPr>
+        <p:spPr>
+          <a:xfrm>
+            <a:off x="2654711" y="6352245"/>
+            <a:ext cx="8062452" cy="307777"/>
+          </a:xfrm>
+          <a:prstGeom prst="rect">
+            <a:avLst/>
+          </a:prstGeom>
+          <a:noFill/>
+        </p:spPr>
+        <p:txBody>
+          <a:bodyPr wrap="square" rtlCol="0">
+            <a:spAutoFit/>
+          </a:bodyPr>
+          <a:lstStyle/>
+          <a:p>
+            <a:r>
+              <a:rPr kumimoji="1" lang="ja-JP" altLang="en-US" sz="1400" dirty="0"/>
+              <a:t>（出所）</a:t>
+            </a:r>
+            <a:r>
+              <a:rPr kumimoji="1" lang="en-US" altLang="ja-JP" sz="1400" dirty="0"/>
+              <a:t> https://zenn.dev/umi_mori/books/prompt-engineer/viewer/langchain_prompt</a:t>
+            </a:r>
+            <a:endParaRPr kumimoji="1" lang="ja-JP" altLang="en-US" sz="1400" dirty="0"/>
+          </a:p>
+        </p:txBody>
+      </p:sp>
     </p:spTree>
     <p:extLst>
       <p:ext uri="{BB962C8B-B14F-4D97-AF65-F5344CB8AC3E}">
-        <p14:creationId xmlns:p14="http://schemas.microsoft.com/office/powerpoint/2010/main" val="3324125627"/>
+        <p14:creationId xmlns:p14="http://schemas.microsoft.com/office/powerpoint/2010/main" val="2612032614"/>
       </p:ext>
     </p:extLst>
   </p:cSld>
@@ -5951,11 +6119,158 @@
           <a:p>
             <a:r>
               <a:rPr kumimoji="1" lang="en-US" altLang="ja-JP" sz="3200" dirty="0"/>
-              <a:t>Prompt – </a:t>
-            </a:r>
-            <a:r>
-              <a:rPr kumimoji="1" lang="en-US" altLang="ja-JP" sz="3200" dirty="0" err="1"/>
-              <a:t>ChatPromptTemplates</a:t>
+              <a:t>Prompt – Prompt</a:t>
+            </a:r>
+            <a:r>
+              <a:rPr lang="ja-JP" altLang="en-US" sz="3200" dirty="0"/>
+              <a:t> </a:t>
+            </a:r>
+            <a:r>
+              <a:rPr kumimoji="1" lang="en-US" altLang="ja-JP" sz="3200" dirty="0"/>
+              <a:t>Templates</a:t>
+            </a:r>
+            <a:endParaRPr kumimoji="1" lang="ja-JP" altLang="en-US" sz="3200" dirty="0"/>
+          </a:p>
+        </p:txBody>
+      </p:sp>
+      <p:sp>
+        <p:nvSpPr>
+          <p:cNvPr id="3" name="コンテンツ プレースホルダー 2">
+            <a:extLst>
+              <a:ext uri="{FF2B5EF4-FFF2-40B4-BE49-F238E27FC236}">
+                <a16:creationId xmlns:a16="http://schemas.microsoft.com/office/drawing/2014/main" id="{B67E071B-4436-63F2-3B68-D6BC3EA36BD8}"/>
+              </a:ext>
+            </a:extLst>
+          </p:cNvPr>
+          <p:cNvSpPr>
+            <a:spLocks noGrp="1"/>
+          </p:cNvSpPr>
+          <p:nvPr>
+            <p:ph idx="1"/>
+          </p:nvPr>
+        </p:nvSpPr>
+        <p:spPr>
+          <a:xfrm>
+            <a:off x="494071" y="904568"/>
+            <a:ext cx="10960510" cy="1071716"/>
+          </a:xfrm>
+        </p:spPr>
+        <p:txBody>
+          <a:bodyPr>
+            <a:normAutofit/>
+          </a:bodyPr>
+          <a:lstStyle/>
+          <a:p>
+            <a:r>
+              <a:rPr kumimoji="1" lang="en-US" altLang="ja-JP" sz="1800" dirty="0"/>
+              <a:t>LLM </a:t>
+            </a:r>
+            <a:r>
+              <a:rPr kumimoji="1" lang="ja-JP" altLang="en-US" sz="1800" dirty="0"/>
+              <a:t>へリクエストを送る際のプロンプトのテンプレートを作るためのモジュール</a:t>
+            </a:r>
+            <a:endParaRPr kumimoji="1" lang="en-US" altLang="ja-JP" sz="1800" dirty="0"/>
+          </a:p>
+          <a:p>
+            <a:r>
+              <a:rPr lang="ja-JP" altLang="en-US" sz="1800" dirty="0"/>
+              <a:t>変数部分のみ変えながら使用したい場合に有用</a:t>
+            </a:r>
+            <a:endParaRPr lang="en-US" altLang="ja-JP" sz="1800" dirty="0"/>
+          </a:p>
+        </p:txBody>
+      </p:sp>
+      <p:pic>
+        <p:nvPicPr>
+          <p:cNvPr id="5" name="図 4">
+            <a:extLst>
+              <a:ext uri="{FF2B5EF4-FFF2-40B4-BE49-F238E27FC236}">
+                <a16:creationId xmlns:a16="http://schemas.microsoft.com/office/drawing/2014/main" id="{86C25A18-73E2-01EF-88A3-3BDBFD305A79}"/>
+              </a:ext>
+            </a:extLst>
+          </p:cNvPr>
+          <p:cNvPicPr>
+            <a:picLocks noChangeAspect="1"/>
+          </p:cNvPicPr>
+          <p:nvPr/>
+        </p:nvPicPr>
+        <p:blipFill>
+          <a:blip r:embed="rId2"/>
+          <a:stretch>
+            <a:fillRect/>
+          </a:stretch>
+        </p:blipFill>
+        <p:spPr>
+          <a:xfrm>
+            <a:off x="1870602" y="2074606"/>
+            <a:ext cx="7989379" cy="4168877"/>
+          </a:xfrm>
+          <a:prstGeom prst="rect">
+            <a:avLst/>
+          </a:prstGeom>
+        </p:spPr>
+      </p:pic>
+    </p:spTree>
+    <p:extLst>
+      <p:ext uri="{BB962C8B-B14F-4D97-AF65-F5344CB8AC3E}">
+        <p14:creationId xmlns:p14="http://schemas.microsoft.com/office/powerpoint/2010/main" val="3324125627"/>
+      </p:ext>
+    </p:extLst>
+  </p:cSld>
+  <p:clrMapOvr>
+    <a:masterClrMapping/>
+  </p:clrMapOvr>
+</p:sld>
+</file>
+
+<file path=ppt/slides/slide12.xml><?xml version="1.0" encoding="utf-8"?>
+<p:sld xmlns:a="http://schemas.openxmlformats.org/drawingml/2006/main" xmlns:r="http://schemas.openxmlformats.org/officeDocument/2006/relationships" xmlns:p="http://schemas.openxmlformats.org/presentationml/2006/main">
+  <p:cSld>
+    <p:spTree>
+      <p:nvGrpSpPr>
+        <p:cNvPr id="1" name=""/>
+        <p:cNvGrpSpPr/>
+        <p:nvPr/>
+      </p:nvGrpSpPr>
+      <p:grpSpPr>
+        <a:xfrm>
+          <a:off x="0" y="0"/>
+          <a:ext cx="0" cy="0"/>
+          <a:chOff x="0" y="0"/>
+          <a:chExt cx="0" cy="0"/>
+        </a:xfrm>
+      </p:grpSpPr>
+      <p:sp>
+        <p:nvSpPr>
+          <p:cNvPr id="2" name="タイトル 1">
+            <a:extLst>
+              <a:ext uri="{FF2B5EF4-FFF2-40B4-BE49-F238E27FC236}">
+                <a16:creationId xmlns:a16="http://schemas.microsoft.com/office/drawing/2014/main" id="{2307BB75-827C-BB57-F3C5-1646EE9DDE97}"/>
+              </a:ext>
+            </a:extLst>
+          </p:cNvPr>
+          <p:cNvSpPr>
+            <a:spLocks noGrp="1"/>
+          </p:cNvSpPr>
+          <p:nvPr>
+            <p:ph type="title"/>
+          </p:nvPr>
+        </p:nvSpPr>
+        <p:spPr>
+          <a:xfrm>
+            <a:off x="494071" y="197978"/>
+            <a:ext cx="10515600" cy="598435"/>
+          </a:xfrm>
+        </p:spPr>
+        <p:txBody>
+          <a:bodyPr>
+            <a:normAutofit/>
+          </a:bodyPr>
+          <a:lstStyle/>
+          <a:p>
+            <a:r>
+              <a:rPr kumimoji="1" lang="en-US" altLang="ja-JP" sz="3200" dirty="0"/>
+              <a:t>Prompt – Chat Prompt Templates</a:t>
             </a:r>
             <a:endParaRPr kumimoji="1" lang="ja-JP" altLang="en-US" sz="3200" dirty="0"/>
           </a:p>
@@ -6030,7 +6345,7 @@
         </p:blipFill>
         <p:spPr>
           <a:xfrm>
-            <a:off x="494071" y="1625234"/>
+            <a:off x="385916" y="1625234"/>
             <a:ext cx="11587418" cy="5034788"/>
           </a:xfrm>
           <a:prstGeom prst="rect">
@@ -6051,7 +6366,7 @@
 </p:sld>
 </file>
 
-<file path=ppt/slides/slide12.xml><?xml version="1.0" encoding="utf-8"?>
+<file path=ppt/slides/slide13.xml><?xml version="1.0" encoding="utf-8"?>
 <p:sld xmlns:a="http://schemas.openxmlformats.org/drawingml/2006/main" xmlns:r="http://schemas.openxmlformats.org/officeDocument/2006/relationships" xmlns:p="http://schemas.openxmlformats.org/presentationml/2006/main">
   <p:cSld>
     <p:spTree>
@@ -6223,7 +6538,7 @@
 </p:sld>
 </file>
 
-<file path=ppt/slides/slide13.xml><?xml version="1.0" encoding="utf-8"?>
+<file path=ppt/slides/slide14.xml><?xml version="1.0" encoding="utf-8"?>
 <p:sld xmlns:a="http://schemas.openxmlformats.org/drawingml/2006/main" xmlns:r="http://schemas.openxmlformats.org/officeDocument/2006/relationships" xmlns:p="http://schemas.openxmlformats.org/presentationml/2006/main">
   <p:cSld>
     <p:spTree>
@@ -6456,7 +6771,7 @@
 </p:sld>
 </file>
 
-<file path=ppt/slides/slide14.xml><?xml version="1.0" encoding="utf-8"?>
+<file path=ppt/slides/slide15.xml><?xml version="1.0" encoding="utf-8"?>
 <p:sld xmlns:a="http://schemas.openxmlformats.org/drawingml/2006/main" xmlns:r="http://schemas.openxmlformats.org/officeDocument/2006/relationships" xmlns:p="http://schemas.openxmlformats.org/presentationml/2006/main">
   <p:cSld>
     <p:spTree>
@@ -7536,7 +7851,7 @@
 </p:sld>
 </file>
 
-<file path=ppt/slides/slide15.xml><?xml version="1.0" encoding="utf-8"?>
+<file path=ppt/slides/slide16.xml><?xml version="1.0" encoding="utf-8"?>
 <p:sld xmlns:a="http://schemas.openxmlformats.org/drawingml/2006/main" xmlns:r="http://schemas.openxmlformats.org/officeDocument/2006/relationships" xmlns:p="http://schemas.openxmlformats.org/presentationml/2006/main">
   <p:cSld>
     <p:spTree>
@@ -7608,7 +7923,7 @@
         <p:spPr>
           <a:xfrm>
             <a:off x="494071" y="904566"/>
-            <a:ext cx="10960510" cy="5338917"/>
+            <a:ext cx="10960510" cy="2320415"/>
           </a:xfrm>
         </p:spPr>
         <p:txBody>
@@ -7636,9 +7951,6 @@
             <a:endParaRPr lang="en-US" altLang="ja-JP" sz="2000" dirty="0"/>
           </a:p>
           <a:p>
-            <a:endParaRPr lang="en-US" altLang="ja-JP" sz="2000" dirty="0"/>
-          </a:p>
-          <a:p>
             <a:r>
               <a:rPr lang="en-US" altLang="ja-JP" sz="2000" dirty="0" err="1"/>
               <a:t>ChatGPT</a:t>
@@ -7666,9 +7978,6 @@
             <a:endParaRPr lang="en-US" altLang="ja-JP" sz="2000" dirty="0"/>
           </a:p>
           <a:p>
-            <a:endParaRPr lang="en-US" altLang="ja-JP" sz="2000" dirty="0"/>
-          </a:p>
-          <a:p>
             <a:r>
               <a:rPr lang="ja-JP" altLang="en-US" sz="2000" dirty="0"/>
               <a:t>これらの処理を簡単に記述できるようにしている</a:t>
@@ -7676,9 +7985,6 @@
             <a:endParaRPr lang="en-US" altLang="ja-JP" sz="2000" dirty="0"/>
           </a:p>
           <a:p>
-            <a:endParaRPr lang="en-US" altLang="ja-JP" sz="2000" dirty="0"/>
-          </a:p>
-          <a:p>
             <a:r>
               <a:rPr lang="en-US" altLang="ja-JP" sz="2000" dirty="0"/>
               <a:t>Chat Message History, Simple Memory, Buffer Memory</a:t>
@@ -7688,6 +7994,76 @@
               <a:t>などがある</a:t>
             </a:r>
             <a:endParaRPr lang="en-US" altLang="ja-JP" sz="2000" dirty="0"/>
+          </a:p>
+        </p:txBody>
+      </p:sp>
+      <p:pic>
+        <p:nvPicPr>
+          <p:cNvPr id="5" name="図 4">
+            <a:extLst>
+              <a:ext uri="{FF2B5EF4-FFF2-40B4-BE49-F238E27FC236}">
+                <a16:creationId xmlns:a16="http://schemas.microsoft.com/office/drawing/2014/main" id="{74611E5B-AC5F-A6EA-474A-5A26E9F533AD}"/>
+              </a:ext>
+            </a:extLst>
+          </p:cNvPr>
+          <p:cNvPicPr>
+            <a:picLocks noChangeAspect="1"/>
+          </p:cNvPicPr>
+          <p:nvPr/>
+        </p:nvPicPr>
+        <p:blipFill>
+          <a:blip r:embed="rId2"/>
+          <a:stretch>
+            <a:fillRect/>
+          </a:stretch>
+        </p:blipFill>
+        <p:spPr>
+          <a:xfrm>
+            <a:off x="1618220" y="3556819"/>
+            <a:ext cx="8098079" cy="3194944"/>
+          </a:xfrm>
+          <a:prstGeom prst="rect">
+            <a:avLst/>
+          </a:prstGeom>
+        </p:spPr>
+      </p:pic>
+      <p:sp>
+        <p:nvSpPr>
+          <p:cNvPr id="6" name="テキスト ボックス 5">
+            <a:extLst>
+              <a:ext uri="{FF2B5EF4-FFF2-40B4-BE49-F238E27FC236}">
+                <a16:creationId xmlns:a16="http://schemas.microsoft.com/office/drawing/2014/main" id="{3C6C30B6-D4E3-B367-5424-8EFAFA037CB7}"/>
+              </a:ext>
+            </a:extLst>
+          </p:cNvPr>
+          <p:cNvSpPr txBox="1"/>
+          <p:nvPr/>
+        </p:nvSpPr>
+        <p:spPr>
+          <a:xfrm>
+            <a:off x="1618220" y="3148468"/>
+            <a:ext cx="5047382" cy="369332"/>
+          </a:xfrm>
+          <a:prstGeom prst="rect">
+            <a:avLst/>
+          </a:prstGeom>
+          <a:noFill/>
+        </p:spPr>
+        <p:txBody>
+          <a:bodyPr wrap="square" rtlCol="0">
+            <a:spAutoFit/>
+          </a:bodyPr>
+          <a:lstStyle/>
+          <a:p>
+            <a:r>
+              <a:rPr lang="ja-JP" altLang="en-US" dirty="0"/>
+              <a:t>例： </a:t>
+            </a:r>
+            <a:r>
+              <a:rPr lang="en-US" altLang="ja-JP" dirty="0"/>
+              <a:t>Chat Message History</a:t>
+            </a:r>
+            <a:endParaRPr kumimoji="1" lang="ja-JP" altLang="en-US" dirty="0"/>
           </a:p>
         </p:txBody>
       </p:sp>
@@ -7704,7 +8080,7 @@
 </p:sld>
 </file>
 
-<file path=ppt/slides/slide16.xml><?xml version="1.0" encoding="utf-8"?>
+<file path=ppt/slides/slide17.xml><?xml version="1.0" encoding="utf-8"?>
 <p:sld xmlns:a="http://schemas.openxmlformats.org/drawingml/2006/main" xmlns:r="http://schemas.openxmlformats.org/officeDocument/2006/relationships" xmlns:p="http://schemas.openxmlformats.org/presentationml/2006/main">
   <p:cSld>
     <p:spTree>
@@ -8784,7 +9160,7 @@
 </p:sld>
 </file>
 
-<file path=ppt/slides/slide17.xml><?xml version="1.0" encoding="utf-8"?>
+<file path=ppt/slides/slide18.xml><?xml version="1.0" encoding="utf-8"?>
 <p:sld xmlns:a="http://schemas.openxmlformats.org/drawingml/2006/main" xmlns:r="http://schemas.openxmlformats.org/officeDocument/2006/relationships" xmlns:p="http://schemas.openxmlformats.org/presentationml/2006/main">
   <p:cSld>
     <p:spTree>
@@ -8976,7 +9352,7 @@
 </p:sld>
 </file>
 
-<file path=ppt/slides/slide18.xml><?xml version="1.0" encoding="utf-8"?>
+<file path=ppt/slides/slide19.xml><?xml version="1.0" encoding="utf-8"?>
 <p:sld xmlns:a="http://schemas.openxmlformats.org/drawingml/2006/main" xmlns:r="http://schemas.openxmlformats.org/officeDocument/2006/relationships" xmlns:p="http://schemas.openxmlformats.org/presentationml/2006/main">
   <p:cSld>
     <p:spTree>
@@ -9474,7 +9850,191 @@
 </p:sld>
 </file>
 
-<file path=ppt/slides/slide19.xml><?xml version="1.0" encoding="utf-8"?>
+<file path=ppt/slides/slide2.xml><?xml version="1.0" encoding="utf-8"?>
+<p:sld xmlns:a="http://schemas.openxmlformats.org/drawingml/2006/main" xmlns:r="http://schemas.openxmlformats.org/officeDocument/2006/relationships" xmlns:p="http://schemas.openxmlformats.org/presentationml/2006/main">
+  <p:cSld>
+    <p:spTree>
+      <p:nvGrpSpPr>
+        <p:cNvPr id="1" name=""/>
+        <p:cNvGrpSpPr/>
+        <p:nvPr/>
+      </p:nvGrpSpPr>
+      <p:grpSpPr>
+        <a:xfrm>
+          <a:off x="0" y="0"/>
+          <a:ext cx="0" cy="0"/>
+          <a:chOff x="0" y="0"/>
+          <a:chExt cx="0" cy="0"/>
+        </a:xfrm>
+      </p:grpSpPr>
+      <p:sp>
+        <p:nvSpPr>
+          <p:cNvPr id="2" name="タイトル 1">
+            <a:extLst>
+              <a:ext uri="{FF2B5EF4-FFF2-40B4-BE49-F238E27FC236}">
+                <a16:creationId xmlns:a16="http://schemas.microsoft.com/office/drawing/2014/main" id="{32B60E86-5640-943A-B02B-E56454B266AD}"/>
+              </a:ext>
+            </a:extLst>
+          </p:cNvPr>
+          <p:cNvSpPr>
+            <a:spLocks noGrp="1"/>
+          </p:cNvSpPr>
+          <p:nvPr>
+            <p:ph type="title"/>
+          </p:nvPr>
+        </p:nvSpPr>
+        <p:spPr>
+          <a:xfrm>
+            <a:off x="838200" y="365125"/>
+            <a:ext cx="10515600" cy="785249"/>
+          </a:xfrm>
+        </p:spPr>
+        <p:txBody>
+          <a:bodyPr>
+            <a:normAutofit/>
+          </a:bodyPr>
+          <a:lstStyle/>
+          <a:p>
+            <a:r>
+              <a:rPr lang="ja-JP" altLang="en-US" sz="3200" dirty="0"/>
+              <a:t>はじめに</a:t>
+            </a:r>
+            <a:endParaRPr kumimoji="1" lang="ja-JP" altLang="en-US" sz="3200" dirty="0"/>
+          </a:p>
+        </p:txBody>
+      </p:sp>
+      <p:sp>
+        <p:nvSpPr>
+          <p:cNvPr id="3" name="コンテンツ プレースホルダー 2">
+            <a:extLst>
+              <a:ext uri="{FF2B5EF4-FFF2-40B4-BE49-F238E27FC236}">
+                <a16:creationId xmlns:a16="http://schemas.microsoft.com/office/drawing/2014/main" id="{F390B911-B75C-802C-94FE-25D557A4613C}"/>
+              </a:ext>
+            </a:extLst>
+          </p:cNvPr>
+          <p:cNvSpPr>
+            <a:spLocks noGrp="1"/>
+          </p:cNvSpPr>
+          <p:nvPr>
+            <p:ph idx="1"/>
+          </p:nvPr>
+        </p:nvSpPr>
+        <p:spPr>
+          <a:xfrm>
+            <a:off x="838200" y="1484671"/>
+            <a:ext cx="10515600" cy="4581832"/>
+          </a:xfrm>
+        </p:spPr>
+        <p:txBody>
+          <a:bodyPr>
+            <a:normAutofit/>
+          </a:bodyPr>
+          <a:lstStyle/>
+          <a:p>
+            <a:r>
+              <a:rPr kumimoji="1" lang="en-US" altLang="ja-JP" sz="1800" dirty="0" err="1"/>
+              <a:t>LangChain</a:t>
+            </a:r>
+            <a:r>
+              <a:rPr lang="ja-JP" altLang="en-US" sz="1800" dirty="0"/>
+              <a:t>は、</a:t>
+            </a:r>
+            <a:r>
+              <a:rPr kumimoji="1" lang="ja-JP" altLang="en-US" sz="1800" dirty="0"/>
+              <a:t>大規模言語モデル（</a:t>
+            </a:r>
+            <a:r>
+              <a:rPr kumimoji="1" lang="en-US" altLang="ja-JP" sz="1800" dirty="0"/>
+              <a:t>Large Language Model: LLM</a:t>
+            </a:r>
+            <a:r>
+              <a:rPr kumimoji="1" lang="ja-JP" altLang="en-US" sz="1800" dirty="0"/>
+              <a:t>）を利用してサービスの開発をしたいときに便利に使えるライブラリ</a:t>
+            </a:r>
+            <a:endParaRPr kumimoji="1" lang="en-US" altLang="ja-JP" sz="1800" dirty="0"/>
+          </a:p>
+          <a:p>
+            <a:endParaRPr kumimoji="1" lang="en-US" altLang="ja-JP" sz="1800" dirty="0"/>
+          </a:p>
+          <a:p>
+            <a:r>
+              <a:rPr kumimoji="1" lang="en-US" altLang="ja-JP" sz="1800" dirty="0" err="1"/>
+              <a:t>LangChain</a:t>
+            </a:r>
+            <a:r>
+              <a:rPr kumimoji="1" lang="ja-JP" altLang="en-US" sz="1800" dirty="0"/>
+              <a:t>を使用することで、独自データ（</a:t>
+            </a:r>
+            <a:r>
+              <a:rPr kumimoji="1" lang="en-US" altLang="ja-JP" sz="1800" dirty="0"/>
+              <a:t>PDF</a:t>
+            </a:r>
+            <a:r>
+              <a:rPr kumimoji="1" lang="ja-JP" altLang="en-US" sz="1800" dirty="0"/>
+              <a:t>、</a:t>
+            </a:r>
+            <a:r>
+              <a:rPr kumimoji="1" lang="en-US" altLang="ja-JP" sz="1800" dirty="0"/>
+              <a:t>CSV</a:t>
+            </a:r>
+            <a:r>
+              <a:rPr kumimoji="1" lang="ja-JP" altLang="en-US" sz="1800" dirty="0"/>
+              <a:t>等）を読み込んだり、</a:t>
+            </a:r>
+            <a:r>
+              <a:rPr kumimoji="1" lang="en-US" altLang="ja-JP" sz="1800" dirty="0"/>
+              <a:t>Google </a:t>
+            </a:r>
+            <a:r>
+              <a:rPr kumimoji="1" lang="ja-JP" altLang="en-US" sz="1800" dirty="0"/>
+              <a:t>検索を行ったり、</a:t>
+            </a:r>
+            <a:r>
+              <a:rPr kumimoji="1" lang="en-US" altLang="ja-JP" sz="1800" dirty="0"/>
+              <a:t>LLM</a:t>
+            </a:r>
+            <a:r>
+              <a:rPr kumimoji="1" lang="ja-JP" altLang="en-US" sz="1800" dirty="0"/>
+              <a:t>だけではできないことができるようになる</a:t>
+            </a:r>
+            <a:endParaRPr kumimoji="1" lang="en-US" altLang="ja-JP" sz="1800" dirty="0"/>
+          </a:p>
+          <a:p>
+            <a:endParaRPr kumimoji="1" lang="en-US" altLang="ja-JP" sz="1800" dirty="0"/>
+          </a:p>
+          <a:p>
+            <a:r>
+              <a:rPr lang="ja-JP" altLang="en-US" sz="1800" dirty="0"/>
+              <a:t>かなり多くの機能があり、すべての機能を把握するのは難しい</a:t>
+            </a:r>
+            <a:endParaRPr lang="en-US" altLang="ja-JP" sz="1800" dirty="0"/>
+          </a:p>
+          <a:p>
+            <a:endParaRPr kumimoji="1" lang="en-US" altLang="ja-JP" sz="1800" dirty="0"/>
+          </a:p>
+          <a:p>
+            <a:r>
+              <a:rPr lang="ja-JP" altLang="en-US" sz="1800" dirty="0"/>
+              <a:t>まずはどういったことができるのかをざっくりと理解し、やりたいことを実現するにはどうすれば良いのかを調べながら使っていくのが良いと思われる</a:t>
+            </a:r>
+            <a:endParaRPr kumimoji="1" lang="ja-JP" altLang="en-US" sz="1800" dirty="0"/>
+          </a:p>
+        </p:txBody>
+      </p:sp>
+    </p:spTree>
+    <p:extLst>
+      <p:ext uri="{BB962C8B-B14F-4D97-AF65-F5344CB8AC3E}">
+        <p14:creationId xmlns:p14="http://schemas.microsoft.com/office/powerpoint/2010/main" val="4271290513"/>
+      </p:ext>
+    </p:extLst>
+  </p:cSld>
+  <p:clrMapOvr>
+    <a:masterClrMapping/>
+  </p:clrMapOvr>
+</p:sld>
+</file>
+
+<file path=ppt/slides/slide20.xml><?xml version="1.0" encoding="utf-8"?>
 <p:sld xmlns:a="http://schemas.openxmlformats.org/drawingml/2006/main" xmlns:r="http://schemas.openxmlformats.org/officeDocument/2006/relationships" xmlns:p="http://schemas.openxmlformats.org/presentationml/2006/main">
   <p:cSld>
     <p:spTree>
@@ -9856,191 +10416,7 @@
 </p:sld>
 </file>
 
-<file path=ppt/slides/slide2.xml><?xml version="1.0" encoding="utf-8"?>
-<p:sld xmlns:a="http://schemas.openxmlformats.org/drawingml/2006/main" xmlns:r="http://schemas.openxmlformats.org/officeDocument/2006/relationships" xmlns:p="http://schemas.openxmlformats.org/presentationml/2006/main">
-  <p:cSld>
-    <p:spTree>
-      <p:nvGrpSpPr>
-        <p:cNvPr id="1" name=""/>
-        <p:cNvGrpSpPr/>
-        <p:nvPr/>
-      </p:nvGrpSpPr>
-      <p:grpSpPr>
-        <a:xfrm>
-          <a:off x="0" y="0"/>
-          <a:ext cx="0" cy="0"/>
-          <a:chOff x="0" y="0"/>
-          <a:chExt cx="0" cy="0"/>
-        </a:xfrm>
-      </p:grpSpPr>
-      <p:sp>
-        <p:nvSpPr>
-          <p:cNvPr id="2" name="タイトル 1">
-            <a:extLst>
-              <a:ext uri="{FF2B5EF4-FFF2-40B4-BE49-F238E27FC236}">
-                <a16:creationId xmlns:a16="http://schemas.microsoft.com/office/drawing/2014/main" id="{32B60E86-5640-943A-B02B-E56454B266AD}"/>
-              </a:ext>
-            </a:extLst>
-          </p:cNvPr>
-          <p:cNvSpPr>
-            <a:spLocks noGrp="1"/>
-          </p:cNvSpPr>
-          <p:nvPr>
-            <p:ph type="title"/>
-          </p:nvPr>
-        </p:nvSpPr>
-        <p:spPr>
-          <a:xfrm>
-            <a:off x="838200" y="365125"/>
-            <a:ext cx="10515600" cy="785249"/>
-          </a:xfrm>
-        </p:spPr>
-        <p:txBody>
-          <a:bodyPr>
-            <a:normAutofit/>
-          </a:bodyPr>
-          <a:lstStyle/>
-          <a:p>
-            <a:r>
-              <a:rPr lang="ja-JP" altLang="en-US" sz="3200" dirty="0"/>
-              <a:t>はじめに</a:t>
-            </a:r>
-            <a:endParaRPr kumimoji="1" lang="ja-JP" altLang="en-US" sz="3200" dirty="0"/>
-          </a:p>
-        </p:txBody>
-      </p:sp>
-      <p:sp>
-        <p:nvSpPr>
-          <p:cNvPr id="3" name="コンテンツ プレースホルダー 2">
-            <a:extLst>
-              <a:ext uri="{FF2B5EF4-FFF2-40B4-BE49-F238E27FC236}">
-                <a16:creationId xmlns:a16="http://schemas.microsoft.com/office/drawing/2014/main" id="{F390B911-B75C-802C-94FE-25D557A4613C}"/>
-              </a:ext>
-            </a:extLst>
-          </p:cNvPr>
-          <p:cNvSpPr>
-            <a:spLocks noGrp="1"/>
-          </p:cNvSpPr>
-          <p:nvPr>
-            <p:ph idx="1"/>
-          </p:nvPr>
-        </p:nvSpPr>
-        <p:spPr>
-          <a:xfrm>
-            <a:off x="838200" y="1484671"/>
-            <a:ext cx="10515600" cy="4692292"/>
-          </a:xfrm>
-        </p:spPr>
-        <p:txBody>
-          <a:bodyPr>
-            <a:normAutofit/>
-          </a:bodyPr>
-          <a:lstStyle/>
-          <a:p>
-            <a:r>
-              <a:rPr kumimoji="1" lang="en-US" altLang="ja-JP" sz="1800" dirty="0" err="1"/>
-              <a:t>LangChain</a:t>
-            </a:r>
-            <a:r>
-              <a:rPr lang="ja-JP" altLang="en-US" sz="1800" dirty="0"/>
-              <a:t>は、</a:t>
-            </a:r>
-            <a:r>
-              <a:rPr kumimoji="1" lang="ja-JP" altLang="en-US" sz="1800" dirty="0"/>
-              <a:t>大規模言語モデル（</a:t>
-            </a:r>
-            <a:r>
-              <a:rPr kumimoji="1" lang="en-US" altLang="ja-JP" sz="1800" dirty="0"/>
-              <a:t>Large Language Model: LLM</a:t>
-            </a:r>
-            <a:r>
-              <a:rPr kumimoji="1" lang="ja-JP" altLang="en-US" sz="1800" dirty="0"/>
-              <a:t>）を利用してサービスの開発をしたいときに便利に使えるライブラリ</a:t>
-            </a:r>
-            <a:endParaRPr kumimoji="1" lang="en-US" altLang="ja-JP" sz="1800" dirty="0"/>
-          </a:p>
-          <a:p>
-            <a:endParaRPr kumimoji="1" lang="en-US" altLang="ja-JP" sz="1800" dirty="0"/>
-          </a:p>
-          <a:p>
-            <a:r>
-              <a:rPr kumimoji="1" lang="en-US" altLang="ja-JP" sz="1800" dirty="0" err="1"/>
-              <a:t>LangChain</a:t>
-            </a:r>
-            <a:r>
-              <a:rPr kumimoji="1" lang="ja-JP" altLang="en-US" sz="1800" dirty="0"/>
-              <a:t>を使用することで、独自データ（</a:t>
-            </a:r>
-            <a:r>
-              <a:rPr kumimoji="1" lang="en-US" altLang="ja-JP" sz="1800" dirty="0"/>
-              <a:t>PDF</a:t>
-            </a:r>
-            <a:r>
-              <a:rPr kumimoji="1" lang="ja-JP" altLang="en-US" sz="1800" dirty="0"/>
-              <a:t>、</a:t>
-            </a:r>
-            <a:r>
-              <a:rPr kumimoji="1" lang="en-US" altLang="ja-JP" sz="1800" dirty="0"/>
-              <a:t>CSV</a:t>
-            </a:r>
-            <a:r>
-              <a:rPr kumimoji="1" lang="ja-JP" altLang="en-US" sz="1800" dirty="0"/>
-              <a:t>等）を読み込んだり、</a:t>
-            </a:r>
-            <a:r>
-              <a:rPr kumimoji="1" lang="en-US" altLang="ja-JP" sz="1800" dirty="0"/>
-              <a:t>Google </a:t>
-            </a:r>
-            <a:r>
-              <a:rPr kumimoji="1" lang="ja-JP" altLang="en-US" sz="1800" dirty="0"/>
-              <a:t>検索を行ったり、</a:t>
-            </a:r>
-            <a:r>
-              <a:rPr kumimoji="1" lang="en-US" altLang="ja-JP" sz="1800" dirty="0"/>
-              <a:t>LLM </a:t>
-            </a:r>
-            <a:r>
-              <a:rPr kumimoji="1" lang="ja-JP" altLang="en-US" sz="1800" dirty="0"/>
-              <a:t>が苦手とする計算問題を解いたりすることができるようになる</a:t>
-            </a:r>
-            <a:endParaRPr kumimoji="1" lang="en-US" altLang="ja-JP" sz="1800" dirty="0"/>
-          </a:p>
-          <a:p>
-            <a:endParaRPr kumimoji="1" lang="en-US" altLang="ja-JP" sz="1800" dirty="0"/>
-          </a:p>
-          <a:p>
-            <a:r>
-              <a:rPr lang="ja-JP" altLang="en-US" sz="1800" dirty="0"/>
-              <a:t>かなり多くの機能があり、一気にすべての機能を把握するのは難しい</a:t>
-            </a:r>
-            <a:endParaRPr lang="en-US" altLang="ja-JP" sz="1800" dirty="0"/>
-          </a:p>
-          <a:p>
-            <a:endParaRPr kumimoji="1" lang="en-US" altLang="ja-JP" sz="1800" dirty="0"/>
-          </a:p>
-          <a:p>
-            <a:r>
-              <a:rPr lang="ja-JP" altLang="en-US" sz="1800" dirty="0"/>
-              <a:t>まずはどういったことができるのかをざっくりと理解し、やりたいことを実現するにはどうすれば良いのかを調べながら身につけていくのが良いと思われる</a:t>
-            </a:r>
-            <a:endParaRPr kumimoji="1" lang="ja-JP" altLang="en-US" sz="1800" dirty="0"/>
-          </a:p>
-        </p:txBody>
-      </p:sp>
-    </p:spTree>
-    <p:extLst>
-      <p:ext uri="{BB962C8B-B14F-4D97-AF65-F5344CB8AC3E}">
-        <p14:creationId xmlns:p14="http://schemas.microsoft.com/office/powerpoint/2010/main" val="4271290513"/>
-      </p:ext>
-    </p:extLst>
-  </p:cSld>
-  <p:clrMapOvr>
-    <a:masterClrMapping/>
-  </p:clrMapOvr>
-</p:sld>
-</file>
-
-<file path=ppt/slides/slide20.xml><?xml version="1.0" encoding="utf-8"?>
+<file path=ppt/slides/slide21.xml><?xml version="1.0" encoding="utf-8"?>
 <p:sld xmlns:a="http://schemas.openxmlformats.org/drawingml/2006/main" xmlns:r="http://schemas.openxmlformats.org/officeDocument/2006/relationships" xmlns:p="http://schemas.openxmlformats.org/presentationml/2006/main">
   <p:cSld>
     <p:spTree>
@@ -10313,10 +10689,10 @@
       </p:sp>
       <p:pic>
         <p:nvPicPr>
-          <p:cNvPr id="7" name="図 6">
+          <p:cNvPr id="5" name="図 4">
             <a:extLst>
               <a:ext uri="{FF2B5EF4-FFF2-40B4-BE49-F238E27FC236}">
-                <a16:creationId xmlns:a16="http://schemas.microsoft.com/office/drawing/2014/main" id="{89CDE403-0FCB-7739-B23B-1A351691BD13}"/>
+                <a16:creationId xmlns:a16="http://schemas.microsoft.com/office/drawing/2014/main" id="{8D992CA2-357B-FF65-9D74-D070F552C65A}"/>
               </a:ext>
             </a:extLst>
           </p:cNvPr>
@@ -10333,8 +10709,8 @@
         </p:blipFill>
         <p:spPr>
           <a:xfrm>
-            <a:off x="1357094" y="2465655"/>
-            <a:ext cx="9234463" cy="2940121"/>
+            <a:off x="595506" y="2389537"/>
+            <a:ext cx="10637340" cy="3534398"/>
           </a:xfrm>
           <a:prstGeom prst="rect">
             <a:avLst/>
@@ -10354,7 +10730,7 @@
 </p:sld>
 </file>
 
-<file path=ppt/slides/slide21.xml><?xml version="1.0" encoding="utf-8"?>
+<file path=ppt/slides/slide22.xml><?xml version="1.0" encoding="utf-8"?>
 <p:sld xmlns:a="http://schemas.openxmlformats.org/drawingml/2006/main" xmlns:r="http://schemas.openxmlformats.org/officeDocument/2006/relationships" xmlns:p="http://schemas.openxmlformats.org/presentationml/2006/main">
   <p:cSld>
     <p:spTree>
@@ -10757,7 +11133,7 @@
 </p:sld>
 </file>
 
-<file path=ppt/slides/slide22.xml><?xml version="1.0" encoding="utf-8"?>
+<file path=ppt/slides/slide23.xml><?xml version="1.0" encoding="utf-8"?>
 <p:sld xmlns:a="http://schemas.openxmlformats.org/drawingml/2006/main" xmlns:r="http://schemas.openxmlformats.org/officeDocument/2006/relationships" xmlns:p="http://schemas.openxmlformats.org/presentationml/2006/main">
   <p:cSld>
     <p:spTree>
@@ -11837,7 +12213,7 @@
 </p:sld>
 </file>
 
-<file path=ppt/slides/slide23.xml><?xml version="1.0" encoding="utf-8"?>
+<file path=ppt/slides/slide24.xml><?xml version="1.0" encoding="utf-8"?>
 <p:sld xmlns:a="http://schemas.openxmlformats.org/drawingml/2006/main" xmlns:r="http://schemas.openxmlformats.org/officeDocument/2006/relationships" xmlns:p="http://schemas.openxmlformats.org/presentationml/2006/main">
   <p:cSld>
     <p:spTree>
@@ -12047,7 +12423,7 @@
 </p:sld>
 </file>
 
-<file path=ppt/slides/slide24.xml><?xml version="1.0" encoding="utf-8"?>
+<file path=ppt/slides/slide25.xml><?xml version="1.0" encoding="utf-8"?>
 <p:sld xmlns:a="http://schemas.openxmlformats.org/drawingml/2006/main" xmlns:r="http://schemas.openxmlformats.org/officeDocument/2006/relationships" xmlns:p="http://schemas.openxmlformats.org/presentationml/2006/main">
   <p:cSld>
     <p:spTree>
@@ -13127,7 +13503,7 @@
 </p:sld>
 </file>
 
-<file path=ppt/slides/slide25.xml><?xml version="1.0" encoding="utf-8"?>
+<file path=ppt/slides/slide26.xml><?xml version="1.0" encoding="utf-8"?>
 <p:sld xmlns:a="http://schemas.openxmlformats.org/drawingml/2006/main" xmlns:r="http://schemas.openxmlformats.org/officeDocument/2006/relationships" xmlns:p="http://schemas.openxmlformats.org/presentationml/2006/main">
   <p:cSld>
     <p:spTree>
@@ -13299,7 +13675,7 @@
 </p:sld>
 </file>
 
-<file path=ppt/slides/slide26.xml><?xml version="1.0" encoding="utf-8"?>
+<file path=ppt/slides/slide27.xml><?xml version="1.0" encoding="utf-8"?>
 <p:sld xmlns:a="http://schemas.openxmlformats.org/drawingml/2006/main" xmlns:r="http://schemas.openxmlformats.org/officeDocument/2006/relationships" xmlns:p="http://schemas.openxmlformats.org/presentationml/2006/main">
   <p:cSld>
     <p:spTree>
@@ -13494,7 +13870,7 @@
 </p:sld>
 </file>
 
-<file path=ppt/slides/slide27.xml><?xml version="1.0" encoding="utf-8"?>
+<file path=ppt/slides/slide28.xml><?xml version="1.0" encoding="utf-8"?>
 <p:sld xmlns:a="http://schemas.openxmlformats.org/drawingml/2006/main" xmlns:r="http://schemas.openxmlformats.org/officeDocument/2006/relationships" xmlns:p="http://schemas.openxmlformats.org/presentationml/2006/main">
   <p:cSld>
     <p:spTree>
@@ -13587,7 +13963,7 @@
         </p:spPr>
         <p:txBody>
           <a:bodyPr>
-            <a:normAutofit/>
+            <a:normAutofit fontScale="92500" lnSpcReduction="10000"/>
           </a:bodyPr>
           <a:lstStyle/>
           <a:p>
@@ -13598,6 +13974,9 @@
             <a:endParaRPr lang="en-US" altLang="ja-JP" sz="2000" dirty="0"/>
           </a:p>
           <a:p>
+            <a:endParaRPr lang="en-US" altLang="ja-JP" sz="2000" dirty="0"/>
+          </a:p>
+          <a:p>
             <a:r>
               <a:rPr lang="en-US" altLang="ja-JP" sz="2000" dirty="0"/>
               <a:t>Agent</a:t>
@@ -13641,8 +14020,12 @@
           <a:p>
             <a:pPr lvl="2"/>
             <a:r>
+              <a:rPr lang="en-US" altLang="ja-JP" dirty="0" err="1"/>
+              <a:t>ReAct</a:t>
+            </a:r>
+            <a:r>
               <a:rPr lang="ja-JP" altLang="en-US" dirty="0"/>
-              <a:t>文書を扱うことに特化した</a:t>
+              <a:t>フレームワークを使用。文書を扱うことに特化した</a:t>
             </a:r>
             <a:r>
               <a:rPr lang="en-US" altLang="ja-JP" dirty="0"/>
@@ -13668,6 +14051,26 @@
             </a:r>
           </a:p>
           <a:p>
+            <a:pPr lvl="2"/>
+            <a:r>
+              <a:rPr lang="en-US" altLang="ja-JP" dirty="0"/>
+              <a:t>Google</a:t>
+            </a:r>
+            <a:r>
+              <a:rPr lang="ja-JP" altLang="en-US" dirty="0"/>
+              <a:t>検索</a:t>
+            </a:r>
+            <a:r>
+              <a:rPr lang="en-US" altLang="ja-JP" dirty="0"/>
+              <a:t>API</a:t>
+            </a:r>
+            <a:r>
+              <a:rPr lang="ja-JP" altLang="en-US" dirty="0"/>
+              <a:t>がツールとして提供されている</a:t>
+            </a:r>
+            <a:endParaRPr lang="en-US" altLang="ja-JP" dirty="0"/>
+          </a:p>
+          <a:p>
             <a:pPr lvl="1"/>
             <a:r>
               <a:rPr lang="en-US" altLang="ja-JP" sz="2000" dirty="0"/>
@@ -13684,6 +14087,18 @@
               <a:rPr lang="en-US" altLang="ja-JP" dirty="0"/>
               <a:t>Agent</a:t>
             </a:r>
+          </a:p>
+          <a:p>
+            <a:pPr lvl="2"/>
+            <a:r>
+              <a:rPr lang="en-US" altLang="ja-JP" dirty="0" err="1"/>
+              <a:t>ReAct</a:t>
+            </a:r>
+            <a:r>
+              <a:rPr lang="ja-JP" altLang="en-US" dirty="0"/>
+              <a:t>フレームワークを使用して、どのツールを使用するかを決定</a:t>
+            </a:r>
+            <a:endParaRPr lang="en-US" altLang="ja-JP" dirty="0"/>
           </a:p>
         </p:txBody>
       </p:sp>
@@ -13700,7 +14115,7 @@
 </p:sld>
 </file>
 
-<file path=ppt/slides/slide28.xml><?xml version="1.0" encoding="utf-8"?>
+<file path=ppt/slides/slide29.xml><?xml version="1.0" encoding="utf-8"?>
 <p:sld xmlns:a="http://schemas.openxmlformats.org/drawingml/2006/main" xmlns:r="http://schemas.openxmlformats.org/officeDocument/2006/relationships" xmlns:p="http://schemas.openxmlformats.org/presentationml/2006/main">
   <p:cSld>
     <p:spTree>
@@ -14018,7 +14433,1087 @@
 </p:sld>
 </file>
 
-<file path=ppt/slides/slide29.xml><?xml version="1.0" encoding="utf-8"?>
+<file path=ppt/slides/slide3.xml><?xml version="1.0" encoding="utf-8"?>
+<p:sld xmlns:a="http://schemas.openxmlformats.org/drawingml/2006/main" xmlns:r="http://schemas.openxmlformats.org/officeDocument/2006/relationships" xmlns:p="http://schemas.openxmlformats.org/presentationml/2006/main">
+  <p:cSld>
+    <p:spTree>
+      <p:nvGrpSpPr>
+        <p:cNvPr id="1" name=""/>
+        <p:cNvGrpSpPr/>
+        <p:nvPr/>
+      </p:nvGrpSpPr>
+      <p:grpSpPr>
+        <a:xfrm>
+          <a:off x="0" y="0"/>
+          <a:ext cx="0" cy="0"/>
+          <a:chOff x="0" y="0"/>
+          <a:chExt cx="0" cy="0"/>
+        </a:xfrm>
+      </p:grpSpPr>
+      <p:sp>
+        <p:nvSpPr>
+          <p:cNvPr id="2" name="タイトル 1">
+            <a:extLst>
+              <a:ext uri="{FF2B5EF4-FFF2-40B4-BE49-F238E27FC236}">
+                <a16:creationId xmlns:a16="http://schemas.microsoft.com/office/drawing/2014/main" id="{E2A168ED-6931-DBE7-A200-861822CE0232}"/>
+              </a:ext>
+            </a:extLst>
+          </p:cNvPr>
+          <p:cNvSpPr>
+            <a:spLocks noGrp="1"/>
+          </p:cNvSpPr>
+          <p:nvPr>
+            <p:ph type="title"/>
+          </p:nvPr>
+        </p:nvSpPr>
+        <p:spPr>
+          <a:xfrm>
+            <a:off x="100780" y="61297"/>
+            <a:ext cx="10515600" cy="468769"/>
+          </a:xfrm>
+        </p:spPr>
+        <p:txBody>
+          <a:bodyPr>
+            <a:normAutofit/>
+          </a:bodyPr>
+          <a:lstStyle/>
+          <a:p>
+            <a:r>
+              <a:rPr kumimoji="1" lang="en-US" altLang="ja-JP" sz="2400" dirty="0" err="1"/>
+              <a:t>LangChain</a:t>
+            </a:r>
+            <a:r>
+              <a:rPr kumimoji="1" lang="ja-JP" altLang="en-US" sz="2400" dirty="0"/>
+              <a:t>のモジュール一覧</a:t>
+            </a:r>
+          </a:p>
+        </p:txBody>
+      </p:sp>
+      <p:graphicFrame>
+        <p:nvGraphicFramePr>
+          <p:cNvPr id="4" name="表 4">
+            <a:extLst>
+              <a:ext uri="{FF2B5EF4-FFF2-40B4-BE49-F238E27FC236}">
+                <a16:creationId xmlns:a16="http://schemas.microsoft.com/office/drawing/2014/main" id="{442E156F-7142-3117-8B09-103F045279C8}"/>
+              </a:ext>
+            </a:extLst>
+          </p:cNvPr>
+          <p:cNvGraphicFramePr>
+            <a:graphicFrameLocks noGrp="1"/>
+          </p:cNvGraphicFramePr>
+          <p:nvPr>
+            <p:ph idx="1"/>
+            <p:extLst>
+              <p:ext uri="{D42A27DB-BD31-4B8C-83A1-F6EECF244321}">
+                <p14:modId xmlns:p14="http://schemas.microsoft.com/office/powerpoint/2010/main" val="1221159856"/>
+              </p:ext>
+            </p:extLst>
+          </p:nvPr>
+        </p:nvGraphicFramePr>
+        <p:xfrm>
+          <a:off x="169606" y="539898"/>
+          <a:ext cx="11688097" cy="6136800"/>
+        </p:xfrm>
+        <a:graphic>
+          <a:graphicData uri="http://schemas.openxmlformats.org/drawingml/2006/table">
+            <a:tbl>
+              <a:tblPr firstRow="1" bandRow="1">
+                <a:tableStyleId>{5C22544A-7EE6-4342-B048-85BDC9FD1C3A}</a:tableStyleId>
+              </a:tblPr>
+              <a:tblGrid>
+                <a:gridCol w="1254053">
+                  <a:extLst>
+                    <a:ext uri="{9D8B030D-6E8A-4147-A177-3AD203B41FA5}">
+                      <a16:colId xmlns:a16="http://schemas.microsoft.com/office/drawing/2014/main" val="784481114"/>
+                    </a:ext>
+                  </a:extLst>
+                </a:gridCol>
+                <a:gridCol w="2644712">
+                  <a:extLst>
+                    <a:ext uri="{9D8B030D-6E8A-4147-A177-3AD203B41FA5}">
+                      <a16:colId xmlns:a16="http://schemas.microsoft.com/office/drawing/2014/main" val="2234586029"/>
+                    </a:ext>
+                  </a:extLst>
+                </a:gridCol>
+                <a:gridCol w="7789332">
+                  <a:extLst>
+                    <a:ext uri="{9D8B030D-6E8A-4147-A177-3AD203B41FA5}">
+                      <a16:colId xmlns:a16="http://schemas.microsoft.com/office/drawing/2014/main" val="2296779058"/>
+                    </a:ext>
+                  </a:extLst>
+                </a:gridCol>
+              </a:tblGrid>
+              <a:tr h="0">
+                <a:tc>
+                  <a:txBody>
+                    <a:bodyPr/>
+                    <a:lstStyle/>
+                    <a:p>
+                      <a:r>
+                        <a:rPr kumimoji="1" lang="ja-JP" altLang="en-US" sz="1400" dirty="0"/>
+                        <a:t>モジュール</a:t>
+                      </a:r>
+                    </a:p>
+                  </a:txBody>
+                  <a:tcPr/>
+                </a:tc>
+                <a:tc>
+                  <a:txBody>
+                    <a:bodyPr/>
+                    <a:lstStyle/>
+                    <a:p>
+                      <a:endParaRPr kumimoji="1" lang="ja-JP" altLang="en-US" sz="1400" dirty="0"/>
+                    </a:p>
+                  </a:txBody>
+                  <a:tcPr/>
+                </a:tc>
+                <a:tc>
+                  <a:txBody>
+                    <a:bodyPr/>
+                    <a:lstStyle/>
+                    <a:p>
+                      <a:r>
+                        <a:rPr kumimoji="1" lang="ja-JP" altLang="en-US" sz="1400" dirty="0"/>
+                        <a:t>概要</a:t>
+                      </a:r>
+                    </a:p>
+                  </a:txBody>
+                  <a:tcPr/>
+                </a:tc>
+                <a:extLst>
+                  <a:ext uri="{0D108BD9-81ED-4DB2-BD59-A6C34878D82A}">
+                    <a16:rowId xmlns:a16="http://schemas.microsoft.com/office/drawing/2014/main" val="1801707680"/>
+                  </a:ext>
+                </a:extLst>
+              </a:tr>
+              <a:tr h="324000">
+                <a:tc rowSpan="3">
+                  <a:txBody>
+                    <a:bodyPr/>
+                    <a:lstStyle/>
+                    <a:p>
+                      <a:r>
+                        <a:rPr kumimoji="1" lang="en-US" altLang="ja-JP" sz="1400" b="1" dirty="0"/>
+                        <a:t>Models</a:t>
+                      </a:r>
+                      <a:endParaRPr kumimoji="1" lang="ja-JP" altLang="en-US" sz="1400" b="1" dirty="0"/>
+                    </a:p>
+                  </a:txBody>
+                  <a:tcPr anchor="ctr"/>
+                </a:tc>
+                <a:tc>
+                  <a:txBody>
+                    <a:bodyPr/>
+                    <a:lstStyle/>
+                    <a:p>
+                      <a:r>
+                        <a:rPr kumimoji="1" lang="en-US" altLang="ja-JP" sz="1400" b="1" dirty="0"/>
+                        <a:t>LLMs</a:t>
+                      </a:r>
+                      <a:endParaRPr kumimoji="1" lang="ja-JP" altLang="en-US" sz="1400" b="1" dirty="0"/>
+                    </a:p>
+                  </a:txBody>
+                  <a:tcPr/>
+                </a:tc>
+                <a:tc>
+                  <a:txBody>
+                    <a:bodyPr/>
+                    <a:lstStyle/>
+                    <a:p>
+                      <a:r>
+                        <a:rPr kumimoji="1" lang="ja-JP" altLang="en-US" sz="1400" b="1" dirty="0"/>
+                        <a:t>テキスト文字列を入力として受け取り、テキスト文字列を出力</a:t>
+                      </a:r>
+                    </a:p>
+                  </a:txBody>
+                  <a:tcPr/>
+                </a:tc>
+                <a:extLst>
+                  <a:ext uri="{0D108BD9-81ED-4DB2-BD59-A6C34878D82A}">
+                    <a16:rowId xmlns:a16="http://schemas.microsoft.com/office/drawing/2014/main" val="1189471965"/>
+                  </a:ext>
+                </a:extLst>
+              </a:tr>
+              <a:tr h="324000">
+                <a:tc vMerge="1">
+                  <a:txBody>
+                    <a:bodyPr/>
+                    <a:lstStyle/>
+                    <a:p>
+                      <a:endParaRPr kumimoji="1" lang="ja-JP" altLang="en-US" sz="1400" dirty="0"/>
+                    </a:p>
+                  </a:txBody>
+                  <a:tcPr/>
+                </a:tc>
+                <a:tc>
+                  <a:txBody>
+                    <a:bodyPr/>
+                    <a:lstStyle/>
+                    <a:p>
+                      <a:r>
+                        <a:rPr kumimoji="1" lang="en-US" altLang="ja-JP" sz="1400" b="1" dirty="0"/>
+                        <a:t>Chat Models</a:t>
+                      </a:r>
+                      <a:endParaRPr kumimoji="1" lang="ja-JP" altLang="en-US" sz="1400" b="1" dirty="0"/>
+                    </a:p>
+                  </a:txBody>
+                  <a:tcPr/>
+                </a:tc>
+                <a:tc>
+                  <a:txBody>
+                    <a:bodyPr/>
+                    <a:lstStyle/>
+                    <a:p>
+                      <a:r>
+                        <a:rPr kumimoji="1" lang="ja-JP" altLang="en-US" sz="1400" b="1" dirty="0"/>
+                        <a:t>チャット メッセージのリストを入力として受け取り、チャット メッセージを返す</a:t>
+                      </a:r>
+                    </a:p>
+                  </a:txBody>
+                  <a:tcPr/>
+                </a:tc>
+                <a:extLst>
+                  <a:ext uri="{0D108BD9-81ED-4DB2-BD59-A6C34878D82A}">
+                    <a16:rowId xmlns:a16="http://schemas.microsoft.com/office/drawing/2014/main" val="283829393"/>
+                  </a:ext>
+                </a:extLst>
+              </a:tr>
+              <a:tr h="324000">
+                <a:tc vMerge="1">
+                  <a:txBody>
+                    <a:bodyPr/>
+                    <a:lstStyle/>
+                    <a:p>
+                      <a:endParaRPr kumimoji="1" lang="ja-JP" altLang="en-US" sz="1400" dirty="0"/>
+                    </a:p>
+                  </a:txBody>
+                  <a:tcPr/>
+                </a:tc>
+                <a:tc>
+                  <a:txBody>
+                    <a:bodyPr/>
+                    <a:lstStyle/>
+                    <a:p>
+                      <a:r>
+                        <a:rPr kumimoji="1" lang="en-US" altLang="ja-JP" sz="1400" b="1" dirty="0"/>
+                        <a:t>Text Embedding Models</a:t>
+                      </a:r>
+                      <a:endParaRPr kumimoji="1" lang="ja-JP" altLang="en-US" sz="1400" b="1" dirty="0"/>
+                    </a:p>
+                  </a:txBody>
+                  <a:tcPr/>
+                </a:tc>
+                <a:tc>
+                  <a:txBody>
+                    <a:bodyPr/>
+                    <a:lstStyle/>
+                    <a:p>
+                      <a:r>
+                        <a:rPr kumimoji="1" lang="ja-JP" altLang="en-US" sz="1400" b="1" dirty="0"/>
+                        <a:t>テキストを入力として受け取り、</a:t>
+                      </a:r>
+                      <a:r>
+                        <a:rPr kumimoji="1" lang="en-US" altLang="ja-JP" sz="1400" b="1" dirty="0"/>
+                        <a:t>float </a:t>
+                      </a:r>
+                      <a:r>
+                        <a:rPr kumimoji="1" lang="ja-JP" altLang="en-US" sz="1400" b="1" dirty="0"/>
+                        <a:t>のリストを返す</a:t>
+                      </a:r>
+                    </a:p>
+                  </a:txBody>
+                  <a:tcPr/>
+                </a:tc>
+                <a:extLst>
+                  <a:ext uri="{0D108BD9-81ED-4DB2-BD59-A6C34878D82A}">
+                    <a16:rowId xmlns:a16="http://schemas.microsoft.com/office/drawing/2014/main" val="4046030322"/>
+                  </a:ext>
+                </a:extLst>
+              </a:tr>
+              <a:tr h="324000">
+                <a:tc rowSpan="4">
+                  <a:txBody>
+                    <a:bodyPr/>
+                    <a:lstStyle/>
+                    <a:p>
+                      <a:r>
+                        <a:rPr kumimoji="1" lang="en-US" altLang="ja-JP" sz="1400" dirty="0"/>
+                        <a:t>Prompts</a:t>
+                      </a:r>
+                      <a:endParaRPr kumimoji="1" lang="ja-JP" altLang="en-US" sz="1400" dirty="0"/>
+                    </a:p>
+                  </a:txBody>
+                  <a:tcPr anchor="ctr"/>
+                </a:tc>
+                <a:tc>
+                  <a:txBody>
+                    <a:bodyPr/>
+                    <a:lstStyle/>
+                    <a:p>
+                      <a:r>
+                        <a:rPr kumimoji="1" lang="en-US" altLang="ja-JP" sz="1400" dirty="0"/>
+                        <a:t>LLM Prompt Templates</a:t>
+                      </a:r>
+                      <a:endParaRPr kumimoji="1" lang="ja-JP" altLang="en-US" sz="1400" dirty="0"/>
+                    </a:p>
+                  </a:txBody>
+                  <a:tcPr/>
+                </a:tc>
+                <a:tc>
+                  <a:txBody>
+                    <a:bodyPr/>
+                    <a:lstStyle/>
+                    <a:p>
+                      <a:r>
+                        <a:rPr kumimoji="1" lang="en-US" altLang="ja-JP" sz="1400" dirty="0"/>
+                        <a:t>LLM </a:t>
+                      </a:r>
+                      <a:r>
+                        <a:rPr kumimoji="1" lang="ja-JP" altLang="en-US" sz="1400" dirty="0"/>
+                        <a:t>へリクエストを送る際のプロンプトのテンプレートを作るためのモジュール</a:t>
+                      </a:r>
+                    </a:p>
+                  </a:txBody>
+                  <a:tcPr/>
+                </a:tc>
+                <a:extLst>
+                  <a:ext uri="{0D108BD9-81ED-4DB2-BD59-A6C34878D82A}">
+                    <a16:rowId xmlns:a16="http://schemas.microsoft.com/office/drawing/2014/main" val="1422198983"/>
+                  </a:ext>
+                </a:extLst>
+              </a:tr>
+              <a:tr h="324000">
+                <a:tc vMerge="1">
+                  <a:txBody>
+                    <a:bodyPr/>
+                    <a:lstStyle/>
+                    <a:p>
+                      <a:endParaRPr kumimoji="1" lang="ja-JP" altLang="en-US" sz="1400" dirty="0"/>
+                    </a:p>
+                  </a:txBody>
+                  <a:tcPr/>
+                </a:tc>
+                <a:tc>
+                  <a:txBody>
+                    <a:bodyPr/>
+                    <a:lstStyle/>
+                    <a:p>
+                      <a:r>
+                        <a:rPr kumimoji="1" lang="en-US" altLang="ja-JP" sz="1400" dirty="0"/>
+                        <a:t>Chat Prompt Templates</a:t>
+                      </a:r>
+                      <a:endParaRPr kumimoji="1" lang="ja-JP" altLang="en-US" sz="1400" dirty="0"/>
+                    </a:p>
+                  </a:txBody>
+                  <a:tcPr/>
+                </a:tc>
+                <a:tc>
+                  <a:txBody>
+                    <a:bodyPr/>
+                    <a:lstStyle/>
+                    <a:p>
+                      <a:pPr marL="0" marR="0" lvl="0" indent="0" algn="l" defTabSz="914400" rtl="0" eaLnBrk="1" fontAlgn="auto" latinLnBrk="0" hangingPunct="1">
+                        <a:lnSpc>
+                          <a:spcPct val="100000"/>
+                        </a:lnSpc>
+                        <a:spcBef>
+                          <a:spcPts val="0"/>
+                        </a:spcBef>
+                        <a:spcAft>
+                          <a:spcPts val="0"/>
+                        </a:spcAft>
+                        <a:buClrTx/>
+                        <a:buSzTx/>
+                        <a:buFontTx/>
+                        <a:buNone/>
+                        <a:tabLst/>
+                        <a:defRPr/>
+                      </a:pPr>
+                      <a:r>
+                        <a:rPr kumimoji="1" lang="en-US" altLang="ja-JP" sz="1400" dirty="0"/>
+                        <a:t>Chat </a:t>
+                      </a:r>
+                      <a:r>
+                        <a:rPr kumimoji="1" lang="ja-JP" altLang="en-US" sz="1400" dirty="0"/>
+                        <a:t>へリクエストを送る際のプロンプトのテンプレートを作るためのモジュール</a:t>
+                      </a:r>
+                    </a:p>
+                  </a:txBody>
+                  <a:tcPr/>
+                </a:tc>
+                <a:extLst>
+                  <a:ext uri="{0D108BD9-81ED-4DB2-BD59-A6C34878D82A}">
+                    <a16:rowId xmlns:a16="http://schemas.microsoft.com/office/drawing/2014/main" val="3109828873"/>
+                  </a:ext>
+                </a:extLst>
+              </a:tr>
+              <a:tr h="324000">
+                <a:tc vMerge="1">
+                  <a:txBody>
+                    <a:bodyPr/>
+                    <a:lstStyle/>
+                    <a:p>
+                      <a:endParaRPr kumimoji="1" lang="ja-JP" altLang="en-US" sz="1400" dirty="0"/>
+                    </a:p>
+                  </a:txBody>
+                  <a:tcPr/>
+                </a:tc>
+                <a:tc>
+                  <a:txBody>
+                    <a:bodyPr/>
+                    <a:lstStyle/>
+                    <a:p>
+                      <a:r>
+                        <a:rPr kumimoji="1" lang="en-US" altLang="ja-JP" sz="1400" dirty="0"/>
+                        <a:t>Example Selectors</a:t>
+                      </a:r>
+                      <a:endParaRPr kumimoji="1" lang="ja-JP" altLang="en-US" sz="1400" dirty="0"/>
+                    </a:p>
+                  </a:txBody>
+                  <a:tcPr/>
+                </a:tc>
+                <a:tc>
+                  <a:txBody>
+                    <a:bodyPr/>
+                    <a:lstStyle/>
+                    <a:p>
+                      <a:r>
+                        <a:rPr kumimoji="1" lang="ja-JP" altLang="en-US" sz="1400" dirty="0"/>
+                        <a:t>入力変数を受け取り、例のリストを返す（大量の教師データからのランダム抽出などに使用）</a:t>
+                      </a:r>
+                    </a:p>
+                  </a:txBody>
+                  <a:tcPr/>
+                </a:tc>
+                <a:extLst>
+                  <a:ext uri="{0D108BD9-81ED-4DB2-BD59-A6C34878D82A}">
+                    <a16:rowId xmlns:a16="http://schemas.microsoft.com/office/drawing/2014/main" val="3042978993"/>
+                  </a:ext>
+                </a:extLst>
+              </a:tr>
+              <a:tr h="324000">
+                <a:tc vMerge="1">
+                  <a:txBody>
+                    <a:bodyPr/>
+                    <a:lstStyle/>
+                    <a:p>
+                      <a:endParaRPr kumimoji="1" lang="ja-JP" altLang="en-US" sz="1400" dirty="0"/>
+                    </a:p>
+                  </a:txBody>
+                  <a:tcPr/>
+                </a:tc>
+                <a:tc>
+                  <a:txBody>
+                    <a:bodyPr/>
+                    <a:lstStyle/>
+                    <a:p>
+                      <a:r>
+                        <a:rPr kumimoji="1" lang="en-US" altLang="ja-JP" sz="1400" dirty="0"/>
+                        <a:t>Output Parsers</a:t>
+                      </a:r>
+                      <a:endParaRPr kumimoji="1" lang="ja-JP" altLang="en-US" sz="1400" dirty="0"/>
+                    </a:p>
+                  </a:txBody>
+                  <a:tcPr/>
+                </a:tc>
+                <a:tc>
+                  <a:txBody>
+                    <a:bodyPr/>
+                    <a:lstStyle/>
+                    <a:p>
+                      <a:r>
+                        <a:rPr kumimoji="1" lang="en-US" altLang="ja-JP" sz="1400" dirty="0"/>
+                        <a:t>(1) </a:t>
+                      </a:r>
+                      <a:r>
+                        <a:rPr kumimoji="1" lang="ja-JP" altLang="en-US" sz="1400" dirty="0"/>
+                        <a:t>出力のフォーマット方法をモデルに指示 </a:t>
+                      </a:r>
+                      <a:r>
+                        <a:rPr kumimoji="1" lang="en-US" altLang="ja-JP" sz="1400" dirty="0"/>
+                        <a:t>(2) </a:t>
+                      </a:r>
+                      <a:r>
+                        <a:rPr kumimoji="1" lang="ja-JP" altLang="en-US" sz="1400" dirty="0"/>
+                        <a:t>出力を目的のフォーマットに解析</a:t>
+                      </a:r>
+                    </a:p>
+                  </a:txBody>
+                  <a:tcPr/>
+                </a:tc>
+                <a:extLst>
+                  <a:ext uri="{0D108BD9-81ED-4DB2-BD59-A6C34878D82A}">
+                    <a16:rowId xmlns:a16="http://schemas.microsoft.com/office/drawing/2014/main" val="1421202882"/>
+                  </a:ext>
+                </a:extLst>
+              </a:tr>
+              <a:tr h="324000">
+                <a:tc>
+                  <a:txBody>
+                    <a:bodyPr/>
+                    <a:lstStyle/>
+                    <a:p>
+                      <a:r>
+                        <a:rPr kumimoji="1" lang="en-US" altLang="ja-JP" sz="1400" dirty="0"/>
+                        <a:t>Memory</a:t>
+                      </a:r>
+                      <a:endParaRPr kumimoji="1" lang="ja-JP" altLang="en-US" sz="1400" dirty="0"/>
+                    </a:p>
+                  </a:txBody>
+                  <a:tcPr anchor="ctr"/>
+                </a:tc>
+                <a:tc>
+                  <a:txBody>
+                    <a:bodyPr/>
+                    <a:lstStyle/>
+                    <a:p>
+                      <a:r>
+                        <a:rPr kumimoji="1" lang="en-US" altLang="ja-JP" sz="1400" dirty="0"/>
+                        <a:t>Memory</a:t>
+                      </a:r>
+                    </a:p>
+                  </a:txBody>
+                  <a:tcPr/>
+                </a:tc>
+                <a:tc>
+                  <a:txBody>
+                    <a:bodyPr/>
+                    <a:lstStyle/>
+                    <a:p>
+                      <a:r>
+                        <a:rPr kumimoji="1" lang="ja-JP" altLang="en-US" sz="1400" dirty="0"/>
+                        <a:t>会話の過程のデータを保存および取得する</a:t>
+                      </a:r>
+                    </a:p>
+                  </a:txBody>
+                  <a:tcPr/>
+                </a:tc>
+                <a:extLst>
+                  <a:ext uri="{0D108BD9-81ED-4DB2-BD59-A6C34878D82A}">
+                    <a16:rowId xmlns:a16="http://schemas.microsoft.com/office/drawing/2014/main" val="2810762997"/>
+                  </a:ext>
+                </a:extLst>
+              </a:tr>
+              <a:tr h="324000">
+                <a:tc rowSpan="4">
+                  <a:txBody>
+                    <a:bodyPr/>
+                    <a:lstStyle/>
+                    <a:p>
+                      <a:r>
+                        <a:rPr kumimoji="1" lang="en-US" altLang="ja-JP" sz="1400" dirty="0"/>
+                        <a:t>Indexes</a:t>
+                      </a:r>
+                      <a:endParaRPr kumimoji="1" lang="ja-JP" altLang="en-US" sz="1400" dirty="0"/>
+                    </a:p>
+                  </a:txBody>
+                  <a:tcPr anchor="ctr"/>
+                </a:tc>
+                <a:tc>
+                  <a:txBody>
+                    <a:bodyPr/>
+                    <a:lstStyle/>
+                    <a:p>
+                      <a:r>
+                        <a:rPr kumimoji="1" lang="en-US" altLang="ja-JP" sz="1400" dirty="0"/>
+                        <a:t>Document Loaders</a:t>
+                      </a:r>
+                      <a:endParaRPr kumimoji="1" lang="ja-JP" altLang="en-US" sz="1400" dirty="0"/>
+                    </a:p>
+                  </a:txBody>
+                  <a:tcPr/>
+                </a:tc>
+                <a:tc>
+                  <a:txBody>
+                    <a:bodyPr/>
+                    <a:lstStyle/>
+                    <a:p>
+                      <a:r>
+                        <a:rPr kumimoji="1" lang="ja-JP" altLang="en-US" sz="1400" dirty="0"/>
+                        <a:t>さまざまなソースからドキュメントをロード</a:t>
+                      </a:r>
+                    </a:p>
+                  </a:txBody>
+                  <a:tcPr/>
+                </a:tc>
+                <a:extLst>
+                  <a:ext uri="{0D108BD9-81ED-4DB2-BD59-A6C34878D82A}">
+                    <a16:rowId xmlns:a16="http://schemas.microsoft.com/office/drawing/2014/main" val="3495318790"/>
+                  </a:ext>
+                </a:extLst>
+              </a:tr>
+              <a:tr h="324000">
+                <a:tc vMerge="1">
+                  <a:txBody>
+                    <a:bodyPr/>
+                    <a:lstStyle/>
+                    <a:p>
+                      <a:endParaRPr kumimoji="1" lang="ja-JP" altLang="en-US" sz="1400" dirty="0"/>
+                    </a:p>
+                  </a:txBody>
+                  <a:tcPr/>
+                </a:tc>
+                <a:tc>
+                  <a:txBody>
+                    <a:bodyPr/>
+                    <a:lstStyle/>
+                    <a:p>
+                      <a:r>
+                        <a:rPr kumimoji="1" lang="en-US" altLang="ja-JP" sz="1400" dirty="0"/>
+                        <a:t>Text Splitters</a:t>
+                      </a:r>
+                      <a:endParaRPr kumimoji="1" lang="ja-JP" altLang="en-US" sz="1400" dirty="0"/>
+                    </a:p>
+                  </a:txBody>
+                  <a:tcPr/>
+                </a:tc>
+                <a:tc>
+                  <a:txBody>
+                    <a:bodyPr/>
+                    <a:lstStyle/>
+                    <a:p>
+                      <a:r>
+                        <a:rPr kumimoji="1" lang="ja-JP" altLang="en-US" sz="1400" dirty="0"/>
+                        <a:t>テキストの分割</a:t>
+                      </a:r>
+                    </a:p>
+                  </a:txBody>
+                  <a:tcPr/>
+                </a:tc>
+                <a:extLst>
+                  <a:ext uri="{0D108BD9-81ED-4DB2-BD59-A6C34878D82A}">
+                    <a16:rowId xmlns:a16="http://schemas.microsoft.com/office/drawing/2014/main" val="1367013987"/>
+                  </a:ext>
+                </a:extLst>
+              </a:tr>
+              <a:tr h="324000">
+                <a:tc vMerge="1">
+                  <a:txBody>
+                    <a:bodyPr/>
+                    <a:lstStyle/>
+                    <a:p>
+                      <a:endParaRPr kumimoji="1" lang="ja-JP" altLang="en-US" sz="1400" dirty="0"/>
+                    </a:p>
+                  </a:txBody>
+                  <a:tcPr/>
+                </a:tc>
+                <a:tc>
+                  <a:txBody>
+                    <a:bodyPr/>
+                    <a:lstStyle/>
+                    <a:p>
+                      <a:r>
+                        <a:rPr kumimoji="1" lang="en-US" altLang="ja-JP" sz="1400" dirty="0" err="1"/>
+                        <a:t>VectorStores</a:t>
+                      </a:r>
+                      <a:endParaRPr kumimoji="1" lang="ja-JP" altLang="en-US" sz="1400" dirty="0"/>
+                    </a:p>
+                  </a:txBody>
+                  <a:tcPr/>
+                </a:tc>
+                <a:tc>
+                  <a:txBody>
+                    <a:bodyPr/>
+                    <a:lstStyle/>
+                    <a:p>
+                      <a:r>
+                        <a:rPr kumimoji="1" lang="ja-JP" altLang="en-US" sz="1400" dirty="0"/>
+                        <a:t>ドキュメントの埋め込みベクトルを保存。高速に検索できる仕組みを提供。</a:t>
+                      </a:r>
+                    </a:p>
+                  </a:txBody>
+                  <a:tcPr/>
+                </a:tc>
+                <a:extLst>
+                  <a:ext uri="{0D108BD9-81ED-4DB2-BD59-A6C34878D82A}">
+                    <a16:rowId xmlns:a16="http://schemas.microsoft.com/office/drawing/2014/main" val="805465463"/>
+                  </a:ext>
+                </a:extLst>
+              </a:tr>
+              <a:tr h="324000">
+                <a:tc vMerge="1">
+                  <a:txBody>
+                    <a:bodyPr/>
+                    <a:lstStyle/>
+                    <a:p>
+                      <a:endParaRPr kumimoji="1" lang="ja-JP" altLang="en-US" sz="1400" dirty="0"/>
+                    </a:p>
+                  </a:txBody>
+                  <a:tcPr/>
+                </a:tc>
+                <a:tc>
+                  <a:txBody>
+                    <a:bodyPr/>
+                    <a:lstStyle/>
+                    <a:p>
+                      <a:r>
+                        <a:rPr kumimoji="1" lang="en-US" altLang="ja-JP" sz="1400" dirty="0"/>
+                        <a:t>Retrievers</a:t>
+                      </a:r>
+                      <a:endParaRPr kumimoji="1" lang="ja-JP" altLang="en-US" sz="1400" dirty="0"/>
+                    </a:p>
+                  </a:txBody>
+                  <a:tcPr/>
+                </a:tc>
+                <a:tc>
+                  <a:txBody>
+                    <a:bodyPr/>
+                    <a:lstStyle/>
+                    <a:p>
+                      <a:r>
+                        <a:rPr kumimoji="1" lang="ja-JP" altLang="en-US" sz="1400" dirty="0"/>
+                        <a:t>クエリ </a:t>
+                      </a:r>
+                      <a:r>
+                        <a:rPr kumimoji="1" lang="en-US" altLang="ja-JP" sz="1400" dirty="0"/>
+                        <a:t>(</a:t>
+                      </a:r>
+                      <a:r>
+                        <a:rPr kumimoji="1" lang="ja-JP" altLang="en-US" sz="1400" dirty="0"/>
+                        <a:t>文字列</a:t>
+                      </a:r>
+                      <a:r>
+                        <a:rPr kumimoji="1" lang="en-US" altLang="ja-JP" sz="1400" dirty="0"/>
+                        <a:t>) </a:t>
+                      </a:r>
+                      <a:r>
+                        <a:rPr kumimoji="1" lang="ja-JP" altLang="en-US" sz="1400" dirty="0"/>
+                        <a:t>を受け取り、ドキュメントのリストを返す</a:t>
+                      </a:r>
+                    </a:p>
+                  </a:txBody>
+                  <a:tcPr/>
+                </a:tc>
+                <a:extLst>
+                  <a:ext uri="{0D108BD9-81ED-4DB2-BD59-A6C34878D82A}">
+                    <a16:rowId xmlns:a16="http://schemas.microsoft.com/office/drawing/2014/main" val="1333631700"/>
+                  </a:ext>
+                </a:extLst>
+              </a:tr>
+              <a:tr h="324000">
+                <a:tc>
+                  <a:txBody>
+                    <a:bodyPr/>
+                    <a:lstStyle/>
+                    <a:p>
+                      <a:r>
+                        <a:rPr kumimoji="1" lang="en-US" altLang="ja-JP" sz="1400" dirty="0"/>
+                        <a:t>Chains</a:t>
+                      </a:r>
+                      <a:endParaRPr kumimoji="1" lang="ja-JP" altLang="en-US" sz="1400" dirty="0"/>
+                    </a:p>
+                  </a:txBody>
+                  <a:tcPr anchor="ctr"/>
+                </a:tc>
+                <a:tc>
+                  <a:txBody>
+                    <a:bodyPr/>
+                    <a:lstStyle/>
+                    <a:p>
+                      <a:r>
+                        <a:rPr kumimoji="1" lang="en-US" altLang="ja-JP" sz="1400" dirty="0"/>
+                        <a:t>Chains</a:t>
+                      </a:r>
+                      <a:endParaRPr kumimoji="1" lang="ja-JP" altLang="en-US" sz="1400" dirty="0"/>
+                    </a:p>
+                  </a:txBody>
+                  <a:tcPr/>
+                </a:tc>
+                <a:tc>
+                  <a:txBody>
+                    <a:bodyPr/>
+                    <a:lstStyle/>
+                    <a:p>
+                      <a:r>
+                        <a:rPr kumimoji="1" lang="ja-JP" altLang="en-US" sz="1400" dirty="0"/>
+                        <a:t>一連のコンポーネントの組み合わせを</a:t>
+                      </a:r>
+                      <a:r>
+                        <a:rPr kumimoji="1" lang="en-US" altLang="ja-JP" sz="1400" dirty="0"/>
+                        <a:t>(</a:t>
+                      </a:r>
+                      <a:r>
+                        <a:rPr kumimoji="1" lang="ja-JP" altLang="en-US" sz="1400" dirty="0"/>
+                        <a:t>例：プロンプトとモデル</a:t>
+                      </a:r>
+                      <a:r>
+                        <a:rPr kumimoji="1" lang="en-US" altLang="ja-JP" sz="1400" dirty="0"/>
+                        <a:t>)</a:t>
+                      </a:r>
+                      <a:endParaRPr kumimoji="1" lang="ja-JP" altLang="en-US" sz="1400" dirty="0"/>
+                    </a:p>
+                  </a:txBody>
+                  <a:tcPr/>
+                </a:tc>
+                <a:extLst>
+                  <a:ext uri="{0D108BD9-81ED-4DB2-BD59-A6C34878D82A}">
+                    <a16:rowId xmlns:a16="http://schemas.microsoft.com/office/drawing/2014/main" val="1911022105"/>
+                  </a:ext>
+                </a:extLst>
+              </a:tr>
+              <a:tr h="324000">
+                <a:tc rowSpan="4">
+                  <a:txBody>
+                    <a:bodyPr/>
+                    <a:lstStyle/>
+                    <a:p>
+                      <a:r>
+                        <a:rPr kumimoji="1" lang="en-US" altLang="ja-JP" sz="1400" dirty="0"/>
+                        <a:t>Agents</a:t>
+                      </a:r>
+                      <a:endParaRPr kumimoji="1" lang="ja-JP" altLang="en-US" sz="1400" dirty="0"/>
+                    </a:p>
+                  </a:txBody>
+                  <a:tcPr anchor="ctr"/>
+                </a:tc>
+                <a:tc>
+                  <a:txBody>
+                    <a:bodyPr/>
+                    <a:lstStyle/>
+                    <a:p>
+                      <a:r>
+                        <a:rPr kumimoji="1" lang="en-US" altLang="ja-JP" sz="1400" dirty="0"/>
+                        <a:t>Tools</a:t>
+                      </a:r>
+                      <a:endParaRPr kumimoji="1" lang="ja-JP" altLang="en-US" sz="1400" dirty="0"/>
+                    </a:p>
+                  </a:txBody>
+                  <a:tcPr/>
+                </a:tc>
+                <a:tc>
+                  <a:txBody>
+                    <a:bodyPr/>
+                    <a:lstStyle/>
+                    <a:p>
+                      <a:r>
+                        <a:rPr kumimoji="1" lang="ja-JP" altLang="en-US" sz="1400" dirty="0"/>
+                        <a:t>言語モデルが関数と対話しやすくする、関数に関する特定の抽象化</a:t>
+                      </a:r>
+                    </a:p>
+                  </a:txBody>
+                  <a:tcPr/>
+                </a:tc>
+                <a:extLst>
+                  <a:ext uri="{0D108BD9-81ED-4DB2-BD59-A6C34878D82A}">
+                    <a16:rowId xmlns:a16="http://schemas.microsoft.com/office/drawing/2014/main" val="514168797"/>
+                  </a:ext>
+                </a:extLst>
+              </a:tr>
+              <a:tr h="324000">
+                <a:tc vMerge="1">
+                  <a:txBody>
+                    <a:bodyPr/>
+                    <a:lstStyle/>
+                    <a:p>
+                      <a:endParaRPr kumimoji="1" lang="ja-JP" altLang="en-US" sz="1400" dirty="0"/>
+                    </a:p>
+                  </a:txBody>
+                  <a:tcPr/>
+                </a:tc>
+                <a:tc>
+                  <a:txBody>
+                    <a:bodyPr/>
+                    <a:lstStyle/>
+                    <a:p>
+                      <a:r>
+                        <a:rPr kumimoji="1" lang="en-US" altLang="ja-JP" sz="1400" dirty="0"/>
+                        <a:t>Agents</a:t>
+                      </a:r>
+                      <a:endParaRPr kumimoji="1" lang="ja-JP" altLang="en-US" sz="1400" dirty="0"/>
+                    </a:p>
+                  </a:txBody>
+                  <a:tcPr/>
+                </a:tc>
+                <a:tc>
+                  <a:txBody>
+                    <a:bodyPr/>
+                    <a:lstStyle/>
+                    <a:p>
+                      <a:r>
+                        <a:rPr kumimoji="1" lang="ja-JP" altLang="en-US" sz="1400" dirty="0"/>
+                        <a:t>モデルのラッパー</a:t>
+                      </a:r>
+                    </a:p>
+                  </a:txBody>
+                  <a:tcPr/>
+                </a:tc>
+                <a:extLst>
+                  <a:ext uri="{0D108BD9-81ED-4DB2-BD59-A6C34878D82A}">
+                    <a16:rowId xmlns:a16="http://schemas.microsoft.com/office/drawing/2014/main" val="3251508286"/>
+                  </a:ext>
+                </a:extLst>
+              </a:tr>
+              <a:tr h="324000">
+                <a:tc vMerge="1">
+                  <a:txBody>
+                    <a:bodyPr/>
+                    <a:lstStyle/>
+                    <a:p>
+                      <a:endParaRPr kumimoji="1" lang="ja-JP" altLang="en-US" sz="1400" dirty="0"/>
+                    </a:p>
+                  </a:txBody>
+                  <a:tcPr/>
+                </a:tc>
+                <a:tc>
+                  <a:txBody>
+                    <a:bodyPr/>
+                    <a:lstStyle/>
+                    <a:p>
+                      <a:r>
+                        <a:rPr kumimoji="1" lang="en-US" altLang="ja-JP" sz="1400" dirty="0"/>
+                        <a:t>Toolkits</a:t>
+                      </a:r>
+                      <a:endParaRPr kumimoji="1" lang="ja-JP" altLang="en-US" sz="1400" dirty="0"/>
+                    </a:p>
+                  </a:txBody>
+                  <a:tcPr/>
+                </a:tc>
+                <a:tc>
+                  <a:txBody>
+                    <a:bodyPr/>
+                    <a:lstStyle/>
+                    <a:p>
+                      <a:r>
+                        <a:rPr kumimoji="1" lang="ja-JP" altLang="en-US" sz="1400" dirty="0"/>
+                        <a:t>特定の問題を解決するために使用するツールグループ</a:t>
+                      </a:r>
+                    </a:p>
+                  </a:txBody>
+                  <a:tcPr/>
+                </a:tc>
+                <a:extLst>
+                  <a:ext uri="{0D108BD9-81ED-4DB2-BD59-A6C34878D82A}">
+                    <a16:rowId xmlns:a16="http://schemas.microsoft.com/office/drawing/2014/main" val="1578397114"/>
+                  </a:ext>
+                </a:extLst>
+              </a:tr>
+              <a:tr h="324000">
+                <a:tc vMerge="1">
+                  <a:txBody>
+                    <a:bodyPr/>
+                    <a:lstStyle/>
+                    <a:p>
+                      <a:endParaRPr kumimoji="1" lang="ja-JP" altLang="en-US" sz="1400" dirty="0"/>
+                    </a:p>
+                  </a:txBody>
+                  <a:tcPr/>
+                </a:tc>
+                <a:tc>
+                  <a:txBody>
+                    <a:bodyPr/>
+                    <a:lstStyle/>
+                    <a:p>
+                      <a:r>
+                        <a:rPr kumimoji="1" lang="en-US" altLang="ja-JP" sz="1400" dirty="0"/>
+                        <a:t>Agent Executor</a:t>
+                      </a:r>
+                      <a:endParaRPr kumimoji="1" lang="ja-JP" altLang="en-US" sz="1400" dirty="0"/>
+                    </a:p>
+                  </a:txBody>
+                  <a:tcPr/>
+                </a:tc>
+                <a:tc>
+                  <a:txBody>
+                    <a:bodyPr/>
+                    <a:lstStyle/>
+                    <a:p>
+                      <a:r>
+                        <a:rPr kumimoji="1" lang="ja-JP" altLang="en-US" sz="1400" dirty="0"/>
+                        <a:t>エージェントとツールのセット</a:t>
+                      </a:r>
+                    </a:p>
+                  </a:txBody>
+                  <a:tcPr/>
+                </a:tc>
+                <a:extLst>
+                  <a:ext uri="{0D108BD9-81ED-4DB2-BD59-A6C34878D82A}">
+                    <a16:rowId xmlns:a16="http://schemas.microsoft.com/office/drawing/2014/main" val="985798055"/>
+                  </a:ext>
+                </a:extLst>
+              </a:tr>
+              <a:tr h="324000">
+                <a:tc>
+                  <a:txBody>
+                    <a:bodyPr/>
+                    <a:lstStyle/>
+                    <a:p>
+                      <a:r>
+                        <a:rPr kumimoji="1" lang="en-US" altLang="ja-JP" sz="1400" dirty="0"/>
+                        <a:t>Callbacks</a:t>
+                      </a:r>
+                      <a:endParaRPr kumimoji="1" lang="ja-JP" altLang="en-US" sz="1400" dirty="0"/>
+                    </a:p>
+                  </a:txBody>
+                  <a:tcPr anchor="ctr"/>
+                </a:tc>
+                <a:tc>
+                  <a:txBody>
+                    <a:bodyPr/>
+                    <a:lstStyle/>
+                    <a:p>
+                      <a:pPr marL="0" marR="0" lvl="0" indent="0" algn="l" defTabSz="914400" rtl="0" eaLnBrk="1" fontAlgn="auto" latinLnBrk="0" hangingPunct="1">
+                        <a:lnSpc>
+                          <a:spcPct val="100000"/>
+                        </a:lnSpc>
+                        <a:spcBef>
+                          <a:spcPts val="0"/>
+                        </a:spcBef>
+                        <a:spcAft>
+                          <a:spcPts val="0"/>
+                        </a:spcAft>
+                        <a:buClrTx/>
+                        <a:buSzTx/>
+                        <a:buFontTx/>
+                        <a:buNone/>
+                        <a:tabLst/>
+                        <a:defRPr/>
+                      </a:pPr>
+                      <a:r>
+                        <a:rPr kumimoji="1" lang="en-US" altLang="ja-JP" sz="1400" dirty="0"/>
+                        <a:t>Callbacks</a:t>
+                      </a:r>
+                      <a:endParaRPr kumimoji="1" lang="ja-JP" altLang="en-US" sz="1400" dirty="0"/>
+                    </a:p>
+                  </a:txBody>
+                  <a:tcPr/>
+                </a:tc>
+                <a:tc>
+                  <a:txBody>
+                    <a:bodyPr/>
+                    <a:lstStyle/>
+                    <a:p>
+                      <a:r>
+                        <a:rPr kumimoji="1" lang="ja-JP" altLang="en-US" sz="1400" dirty="0"/>
+                        <a:t>イベントをサブスクライブできる（ログ記録、モニタリング等に利用）</a:t>
+                      </a:r>
+                    </a:p>
+                  </a:txBody>
+                  <a:tcPr/>
+                </a:tc>
+                <a:extLst>
+                  <a:ext uri="{0D108BD9-81ED-4DB2-BD59-A6C34878D82A}">
+                    <a16:rowId xmlns:a16="http://schemas.microsoft.com/office/drawing/2014/main" val="1145174868"/>
+                  </a:ext>
+                </a:extLst>
+              </a:tr>
+            </a:tbl>
+          </a:graphicData>
+        </a:graphic>
+      </p:graphicFrame>
+    </p:spTree>
+    <p:extLst>
+      <p:ext uri="{BB962C8B-B14F-4D97-AF65-F5344CB8AC3E}">
+        <p14:creationId xmlns:p14="http://schemas.microsoft.com/office/powerpoint/2010/main" val="2655702115"/>
+      </p:ext>
+    </p:extLst>
+  </p:cSld>
+  <p:clrMapOvr>
+    <a:masterClrMapping/>
+  </p:clrMapOvr>
+</p:sld>
+</file>
+
+<file path=ppt/slides/slide30.xml><?xml version="1.0" encoding="utf-8"?>
 <p:sld xmlns:a="http://schemas.openxmlformats.org/drawingml/2006/main" xmlns:r="http://schemas.openxmlformats.org/officeDocument/2006/relationships" xmlns:p="http://schemas.openxmlformats.org/presentationml/2006/main">
   <p:cSld>
     <p:spTree>
@@ -14261,1087 +15756,7 @@
 </p:sld>
 </file>
 
-<file path=ppt/slides/slide3.xml><?xml version="1.0" encoding="utf-8"?>
-<p:sld xmlns:a="http://schemas.openxmlformats.org/drawingml/2006/main" xmlns:r="http://schemas.openxmlformats.org/officeDocument/2006/relationships" xmlns:p="http://schemas.openxmlformats.org/presentationml/2006/main">
-  <p:cSld>
-    <p:spTree>
-      <p:nvGrpSpPr>
-        <p:cNvPr id="1" name=""/>
-        <p:cNvGrpSpPr/>
-        <p:nvPr/>
-      </p:nvGrpSpPr>
-      <p:grpSpPr>
-        <a:xfrm>
-          <a:off x="0" y="0"/>
-          <a:ext cx="0" cy="0"/>
-          <a:chOff x="0" y="0"/>
-          <a:chExt cx="0" cy="0"/>
-        </a:xfrm>
-      </p:grpSpPr>
-      <p:sp>
-        <p:nvSpPr>
-          <p:cNvPr id="2" name="タイトル 1">
-            <a:extLst>
-              <a:ext uri="{FF2B5EF4-FFF2-40B4-BE49-F238E27FC236}">
-                <a16:creationId xmlns:a16="http://schemas.microsoft.com/office/drawing/2014/main" id="{E2A168ED-6931-DBE7-A200-861822CE0232}"/>
-              </a:ext>
-            </a:extLst>
-          </p:cNvPr>
-          <p:cNvSpPr>
-            <a:spLocks noGrp="1"/>
-          </p:cNvSpPr>
-          <p:nvPr>
-            <p:ph type="title"/>
-          </p:nvPr>
-        </p:nvSpPr>
-        <p:spPr>
-          <a:xfrm>
-            <a:off x="100780" y="61297"/>
-            <a:ext cx="10515600" cy="468769"/>
-          </a:xfrm>
-        </p:spPr>
-        <p:txBody>
-          <a:bodyPr>
-            <a:normAutofit/>
-          </a:bodyPr>
-          <a:lstStyle/>
-          <a:p>
-            <a:r>
-              <a:rPr kumimoji="1" lang="en-US" altLang="ja-JP" sz="2400" dirty="0" err="1"/>
-              <a:t>LangChain</a:t>
-            </a:r>
-            <a:r>
-              <a:rPr kumimoji="1" lang="ja-JP" altLang="en-US" sz="2400" dirty="0"/>
-              <a:t>のモジュール一覧</a:t>
-            </a:r>
-          </a:p>
-        </p:txBody>
-      </p:sp>
-      <p:graphicFrame>
-        <p:nvGraphicFramePr>
-          <p:cNvPr id="4" name="表 4">
-            <a:extLst>
-              <a:ext uri="{FF2B5EF4-FFF2-40B4-BE49-F238E27FC236}">
-                <a16:creationId xmlns:a16="http://schemas.microsoft.com/office/drawing/2014/main" id="{442E156F-7142-3117-8B09-103F045279C8}"/>
-              </a:ext>
-            </a:extLst>
-          </p:cNvPr>
-          <p:cNvGraphicFramePr>
-            <a:graphicFrameLocks noGrp="1"/>
-          </p:cNvGraphicFramePr>
-          <p:nvPr>
-            <p:ph idx="1"/>
-            <p:extLst>
-              <p:ext uri="{D42A27DB-BD31-4B8C-83A1-F6EECF244321}">
-                <p14:modId xmlns:p14="http://schemas.microsoft.com/office/powerpoint/2010/main" val="1221159856"/>
-              </p:ext>
-            </p:extLst>
-          </p:nvPr>
-        </p:nvGraphicFramePr>
-        <p:xfrm>
-          <a:off x="169606" y="539898"/>
-          <a:ext cx="11688097" cy="6136800"/>
-        </p:xfrm>
-        <a:graphic>
-          <a:graphicData uri="http://schemas.openxmlformats.org/drawingml/2006/table">
-            <a:tbl>
-              <a:tblPr firstRow="1" bandRow="1">
-                <a:tableStyleId>{5C22544A-7EE6-4342-B048-85BDC9FD1C3A}</a:tableStyleId>
-              </a:tblPr>
-              <a:tblGrid>
-                <a:gridCol w="1254053">
-                  <a:extLst>
-                    <a:ext uri="{9D8B030D-6E8A-4147-A177-3AD203B41FA5}">
-                      <a16:colId xmlns:a16="http://schemas.microsoft.com/office/drawing/2014/main" val="784481114"/>
-                    </a:ext>
-                  </a:extLst>
-                </a:gridCol>
-                <a:gridCol w="2644712">
-                  <a:extLst>
-                    <a:ext uri="{9D8B030D-6E8A-4147-A177-3AD203B41FA5}">
-                      <a16:colId xmlns:a16="http://schemas.microsoft.com/office/drawing/2014/main" val="2234586029"/>
-                    </a:ext>
-                  </a:extLst>
-                </a:gridCol>
-                <a:gridCol w="7789332">
-                  <a:extLst>
-                    <a:ext uri="{9D8B030D-6E8A-4147-A177-3AD203B41FA5}">
-                      <a16:colId xmlns:a16="http://schemas.microsoft.com/office/drawing/2014/main" val="2296779058"/>
-                    </a:ext>
-                  </a:extLst>
-                </a:gridCol>
-              </a:tblGrid>
-              <a:tr h="0">
-                <a:tc>
-                  <a:txBody>
-                    <a:bodyPr/>
-                    <a:lstStyle/>
-                    <a:p>
-                      <a:r>
-                        <a:rPr kumimoji="1" lang="ja-JP" altLang="en-US" sz="1400" dirty="0"/>
-                        <a:t>モジュール</a:t>
-                      </a:r>
-                    </a:p>
-                  </a:txBody>
-                  <a:tcPr/>
-                </a:tc>
-                <a:tc>
-                  <a:txBody>
-                    <a:bodyPr/>
-                    <a:lstStyle/>
-                    <a:p>
-                      <a:endParaRPr kumimoji="1" lang="ja-JP" altLang="en-US" sz="1400" dirty="0"/>
-                    </a:p>
-                  </a:txBody>
-                  <a:tcPr/>
-                </a:tc>
-                <a:tc>
-                  <a:txBody>
-                    <a:bodyPr/>
-                    <a:lstStyle/>
-                    <a:p>
-                      <a:r>
-                        <a:rPr kumimoji="1" lang="ja-JP" altLang="en-US" sz="1400" dirty="0"/>
-                        <a:t>概要</a:t>
-                      </a:r>
-                    </a:p>
-                  </a:txBody>
-                  <a:tcPr/>
-                </a:tc>
-                <a:extLst>
-                  <a:ext uri="{0D108BD9-81ED-4DB2-BD59-A6C34878D82A}">
-                    <a16:rowId xmlns:a16="http://schemas.microsoft.com/office/drawing/2014/main" val="1801707680"/>
-                  </a:ext>
-                </a:extLst>
-              </a:tr>
-              <a:tr h="324000">
-                <a:tc rowSpan="3">
-                  <a:txBody>
-                    <a:bodyPr/>
-                    <a:lstStyle/>
-                    <a:p>
-                      <a:r>
-                        <a:rPr kumimoji="1" lang="en-US" altLang="ja-JP" sz="1400" b="1" dirty="0"/>
-                        <a:t>Models</a:t>
-                      </a:r>
-                      <a:endParaRPr kumimoji="1" lang="ja-JP" altLang="en-US" sz="1400" b="1" dirty="0"/>
-                    </a:p>
-                  </a:txBody>
-                  <a:tcPr anchor="ctr"/>
-                </a:tc>
-                <a:tc>
-                  <a:txBody>
-                    <a:bodyPr/>
-                    <a:lstStyle/>
-                    <a:p>
-                      <a:r>
-                        <a:rPr kumimoji="1" lang="en-US" altLang="ja-JP" sz="1400" b="1" dirty="0"/>
-                        <a:t>LLMs</a:t>
-                      </a:r>
-                      <a:endParaRPr kumimoji="1" lang="ja-JP" altLang="en-US" sz="1400" b="1" dirty="0"/>
-                    </a:p>
-                  </a:txBody>
-                  <a:tcPr/>
-                </a:tc>
-                <a:tc>
-                  <a:txBody>
-                    <a:bodyPr/>
-                    <a:lstStyle/>
-                    <a:p>
-                      <a:r>
-                        <a:rPr kumimoji="1" lang="ja-JP" altLang="en-US" sz="1400" b="1" dirty="0"/>
-                        <a:t>テキスト文字列を入力として受け取り、テキスト文字列を出力</a:t>
-                      </a:r>
-                    </a:p>
-                  </a:txBody>
-                  <a:tcPr/>
-                </a:tc>
-                <a:extLst>
-                  <a:ext uri="{0D108BD9-81ED-4DB2-BD59-A6C34878D82A}">
-                    <a16:rowId xmlns:a16="http://schemas.microsoft.com/office/drawing/2014/main" val="1189471965"/>
-                  </a:ext>
-                </a:extLst>
-              </a:tr>
-              <a:tr h="324000">
-                <a:tc vMerge="1">
-                  <a:txBody>
-                    <a:bodyPr/>
-                    <a:lstStyle/>
-                    <a:p>
-                      <a:endParaRPr kumimoji="1" lang="ja-JP" altLang="en-US" sz="1400" dirty="0"/>
-                    </a:p>
-                  </a:txBody>
-                  <a:tcPr/>
-                </a:tc>
-                <a:tc>
-                  <a:txBody>
-                    <a:bodyPr/>
-                    <a:lstStyle/>
-                    <a:p>
-                      <a:r>
-                        <a:rPr kumimoji="1" lang="en-US" altLang="ja-JP" sz="1400" b="1" dirty="0"/>
-                        <a:t>Chat Models</a:t>
-                      </a:r>
-                      <a:endParaRPr kumimoji="1" lang="ja-JP" altLang="en-US" sz="1400" b="1" dirty="0"/>
-                    </a:p>
-                  </a:txBody>
-                  <a:tcPr/>
-                </a:tc>
-                <a:tc>
-                  <a:txBody>
-                    <a:bodyPr/>
-                    <a:lstStyle/>
-                    <a:p>
-                      <a:r>
-                        <a:rPr kumimoji="1" lang="ja-JP" altLang="en-US" sz="1400" b="1" dirty="0"/>
-                        <a:t>チャット メッセージのリストを入力として受け取り、チャット メッセージを返す</a:t>
-                      </a:r>
-                    </a:p>
-                  </a:txBody>
-                  <a:tcPr/>
-                </a:tc>
-                <a:extLst>
-                  <a:ext uri="{0D108BD9-81ED-4DB2-BD59-A6C34878D82A}">
-                    <a16:rowId xmlns:a16="http://schemas.microsoft.com/office/drawing/2014/main" val="283829393"/>
-                  </a:ext>
-                </a:extLst>
-              </a:tr>
-              <a:tr h="324000">
-                <a:tc vMerge="1">
-                  <a:txBody>
-                    <a:bodyPr/>
-                    <a:lstStyle/>
-                    <a:p>
-                      <a:endParaRPr kumimoji="1" lang="ja-JP" altLang="en-US" sz="1400" dirty="0"/>
-                    </a:p>
-                  </a:txBody>
-                  <a:tcPr/>
-                </a:tc>
-                <a:tc>
-                  <a:txBody>
-                    <a:bodyPr/>
-                    <a:lstStyle/>
-                    <a:p>
-                      <a:r>
-                        <a:rPr kumimoji="1" lang="en-US" altLang="ja-JP" sz="1400" b="1" dirty="0"/>
-                        <a:t>Text Embedding Models</a:t>
-                      </a:r>
-                      <a:endParaRPr kumimoji="1" lang="ja-JP" altLang="en-US" sz="1400" b="1" dirty="0"/>
-                    </a:p>
-                  </a:txBody>
-                  <a:tcPr/>
-                </a:tc>
-                <a:tc>
-                  <a:txBody>
-                    <a:bodyPr/>
-                    <a:lstStyle/>
-                    <a:p>
-                      <a:r>
-                        <a:rPr kumimoji="1" lang="ja-JP" altLang="en-US" sz="1400" b="1" dirty="0"/>
-                        <a:t>テキストを入力として受け取り、</a:t>
-                      </a:r>
-                      <a:r>
-                        <a:rPr kumimoji="1" lang="en-US" altLang="ja-JP" sz="1400" b="1" dirty="0"/>
-                        <a:t>float </a:t>
-                      </a:r>
-                      <a:r>
-                        <a:rPr kumimoji="1" lang="ja-JP" altLang="en-US" sz="1400" b="1" dirty="0"/>
-                        <a:t>のリストを返す</a:t>
-                      </a:r>
-                    </a:p>
-                  </a:txBody>
-                  <a:tcPr/>
-                </a:tc>
-                <a:extLst>
-                  <a:ext uri="{0D108BD9-81ED-4DB2-BD59-A6C34878D82A}">
-                    <a16:rowId xmlns:a16="http://schemas.microsoft.com/office/drawing/2014/main" val="4046030322"/>
-                  </a:ext>
-                </a:extLst>
-              </a:tr>
-              <a:tr h="324000">
-                <a:tc rowSpan="4">
-                  <a:txBody>
-                    <a:bodyPr/>
-                    <a:lstStyle/>
-                    <a:p>
-                      <a:r>
-                        <a:rPr kumimoji="1" lang="en-US" altLang="ja-JP" sz="1400" dirty="0"/>
-                        <a:t>Prompts</a:t>
-                      </a:r>
-                      <a:endParaRPr kumimoji="1" lang="ja-JP" altLang="en-US" sz="1400" dirty="0"/>
-                    </a:p>
-                  </a:txBody>
-                  <a:tcPr anchor="ctr"/>
-                </a:tc>
-                <a:tc>
-                  <a:txBody>
-                    <a:bodyPr/>
-                    <a:lstStyle/>
-                    <a:p>
-                      <a:r>
-                        <a:rPr kumimoji="1" lang="en-US" altLang="ja-JP" sz="1400" dirty="0"/>
-                        <a:t>LLM Prompt Templates</a:t>
-                      </a:r>
-                      <a:endParaRPr kumimoji="1" lang="ja-JP" altLang="en-US" sz="1400" dirty="0"/>
-                    </a:p>
-                  </a:txBody>
-                  <a:tcPr/>
-                </a:tc>
-                <a:tc>
-                  <a:txBody>
-                    <a:bodyPr/>
-                    <a:lstStyle/>
-                    <a:p>
-                      <a:r>
-                        <a:rPr kumimoji="1" lang="en-US" altLang="ja-JP" sz="1400" dirty="0"/>
-                        <a:t>LLM </a:t>
-                      </a:r>
-                      <a:r>
-                        <a:rPr kumimoji="1" lang="ja-JP" altLang="en-US" sz="1400" dirty="0"/>
-                        <a:t>へリクエストを送る際のプロンプトのテンプレートを作るためのモジュール</a:t>
-                      </a:r>
-                    </a:p>
-                  </a:txBody>
-                  <a:tcPr/>
-                </a:tc>
-                <a:extLst>
-                  <a:ext uri="{0D108BD9-81ED-4DB2-BD59-A6C34878D82A}">
-                    <a16:rowId xmlns:a16="http://schemas.microsoft.com/office/drawing/2014/main" val="1422198983"/>
-                  </a:ext>
-                </a:extLst>
-              </a:tr>
-              <a:tr h="324000">
-                <a:tc vMerge="1">
-                  <a:txBody>
-                    <a:bodyPr/>
-                    <a:lstStyle/>
-                    <a:p>
-                      <a:endParaRPr kumimoji="1" lang="ja-JP" altLang="en-US" sz="1400" dirty="0"/>
-                    </a:p>
-                  </a:txBody>
-                  <a:tcPr/>
-                </a:tc>
-                <a:tc>
-                  <a:txBody>
-                    <a:bodyPr/>
-                    <a:lstStyle/>
-                    <a:p>
-                      <a:r>
-                        <a:rPr kumimoji="1" lang="en-US" altLang="ja-JP" sz="1400" dirty="0"/>
-                        <a:t>Chat Prompt Templates</a:t>
-                      </a:r>
-                      <a:endParaRPr kumimoji="1" lang="ja-JP" altLang="en-US" sz="1400" dirty="0"/>
-                    </a:p>
-                  </a:txBody>
-                  <a:tcPr/>
-                </a:tc>
-                <a:tc>
-                  <a:txBody>
-                    <a:bodyPr/>
-                    <a:lstStyle/>
-                    <a:p>
-                      <a:pPr marL="0" marR="0" lvl="0" indent="0" algn="l" defTabSz="914400" rtl="0" eaLnBrk="1" fontAlgn="auto" latinLnBrk="0" hangingPunct="1">
-                        <a:lnSpc>
-                          <a:spcPct val="100000"/>
-                        </a:lnSpc>
-                        <a:spcBef>
-                          <a:spcPts val="0"/>
-                        </a:spcBef>
-                        <a:spcAft>
-                          <a:spcPts val="0"/>
-                        </a:spcAft>
-                        <a:buClrTx/>
-                        <a:buSzTx/>
-                        <a:buFontTx/>
-                        <a:buNone/>
-                        <a:tabLst/>
-                        <a:defRPr/>
-                      </a:pPr>
-                      <a:r>
-                        <a:rPr kumimoji="1" lang="en-US" altLang="ja-JP" sz="1400" dirty="0"/>
-                        <a:t>Chat </a:t>
-                      </a:r>
-                      <a:r>
-                        <a:rPr kumimoji="1" lang="ja-JP" altLang="en-US" sz="1400" dirty="0"/>
-                        <a:t>へリクエストを送る際のプロンプトのテンプレートを作るためのモジュール</a:t>
-                      </a:r>
-                    </a:p>
-                  </a:txBody>
-                  <a:tcPr/>
-                </a:tc>
-                <a:extLst>
-                  <a:ext uri="{0D108BD9-81ED-4DB2-BD59-A6C34878D82A}">
-                    <a16:rowId xmlns:a16="http://schemas.microsoft.com/office/drawing/2014/main" val="3109828873"/>
-                  </a:ext>
-                </a:extLst>
-              </a:tr>
-              <a:tr h="324000">
-                <a:tc vMerge="1">
-                  <a:txBody>
-                    <a:bodyPr/>
-                    <a:lstStyle/>
-                    <a:p>
-                      <a:endParaRPr kumimoji="1" lang="ja-JP" altLang="en-US" sz="1400" dirty="0"/>
-                    </a:p>
-                  </a:txBody>
-                  <a:tcPr/>
-                </a:tc>
-                <a:tc>
-                  <a:txBody>
-                    <a:bodyPr/>
-                    <a:lstStyle/>
-                    <a:p>
-                      <a:r>
-                        <a:rPr kumimoji="1" lang="en-US" altLang="ja-JP" sz="1400" dirty="0"/>
-                        <a:t>Example Selectors</a:t>
-                      </a:r>
-                      <a:endParaRPr kumimoji="1" lang="ja-JP" altLang="en-US" sz="1400" dirty="0"/>
-                    </a:p>
-                  </a:txBody>
-                  <a:tcPr/>
-                </a:tc>
-                <a:tc>
-                  <a:txBody>
-                    <a:bodyPr/>
-                    <a:lstStyle/>
-                    <a:p>
-                      <a:r>
-                        <a:rPr kumimoji="1" lang="ja-JP" altLang="en-US" sz="1400" dirty="0"/>
-                        <a:t>入力変数を受け取り、例のリストを返す（大量の教師データからのランダム抽出などに使用）</a:t>
-                      </a:r>
-                    </a:p>
-                  </a:txBody>
-                  <a:tcPr/>
-                </a:tc>
-                <a:extLst>
-                  <a:ext uri="{0D108BD9-81ED-4DB2-BD59-A6C34878D82A}">
-                    <a16:rowId xmlns:a16="http://schemas.microsoft.com/office/drawing/2014/main" val="3042978993"/>
-                  </a:ext>
-                </a:extLst>
-              </a:tr>
-              <a:tr h="324000">
-                <a:tc vMerge="1">
-                  <a:txBody>
-                    <a:bodyPr/>
-                    <a:lstStyle/>
-                    <a:p>
-                      <a:endParaRPr kumimoji="1" lang="ja-JP" altLang="en-US" sz="1400" dirty="0"/>
-                    </a:p>
-                  </a:txBody>
-                  <a:tcPr/>
-                </a:tc>
-                <a:tc>
-                  <a:txBody>
-                    <a:bodyPr/>
-                    <a:lstStyle/>
-                    <a:p>
-                      <a:r>
-                        <a:rPr kumimoji="1" lang="en-US" altLang="ja-JP" sz="1400" dirty="0"/>
-                        <a:t>Output Parsers</a:t>
-                      </a:r>
-                      <a:endParaRPr kumimoji="1" lang="ja-JP" altLang="en-US" sz="1400" dirty="0"/>
-                    </a:p>
-                  </a:txBody>
-                  <a:tcPr/>
-                </a:tc>
-                <a:tc>
-                  <a:txBody>
-                    <a:bodyPr/>
-                    <a:lstStyle/>
-                    <a:p>
-                      <a:r>
-                        <a:rPr kumimoji="1" lang="en-US" altLang="ja-JP" sz="1400" dirty="0"/>
-                        <a:t>(1) </a:t>
-                      </a:r>
-                      <a:r>
-                        <a:rPr kumimoji="1" lang="ja-JP" altLang="en-US" sz="1400" dirty="0"/>
-                        <a:t>出力のフォーマット方法をモデルに指示 </a:t>
-                      </a:r>
-                      <a:r>
-                        <a:rPr kumimoji="1" lang="en-US" altLang="ja-JP" sz="1400" dirty="0"/>
-                        <a:t>(2) </a:t>
-                      </a:r>
-                      <a:r>
-                        <a:rPr kumimoji="1" lang="ja-JP" altLang="en-US" sz="1400" dirty="0"/>
-                        <a:t>出力を目的のフォーマットに解析</a:t>
-                      </a:r>
-                    </a:p>
-                  </a:txBody>
-                  <a:tcPr/>
-                </a:tc>
-                <a:extLst>
-                  <a:ext uri="{0D108BD9-81ED-4DB2-BD59-A6C34878D82A}">
-                    <a16:rowId xmlns:a16="http://schemas.microsoft.com/office/drawing/2014/main" val="1421202882"/>
-                  </a:ext>
-                </a:extLst>
-              </a:tr>
-              <a:tr h="324000">
-                <a:tc>
-                  <a:txBody>
-                    <a:bodyPr/>
-                    <a:lstStyle/>
-                    <a:p>
-                      <a:r>
-                        <a:rPr kumimoji="1" lang="en-US" altLang="ja-JP" sz="1400" dirty="0"/>
-                        <a:t>Memory</a:t>
-                      </a:r>
-                      <a:endParaRPr kumimoji="1" lang="ja-JP" altLang="en-US" sz="1400" dirty="0"/>
-                    </a:p>
-                  </a:txBody>
-                  <a:tcPr anchor="ctr"/>
-                </a:tc>
-                <a:tc>
-                  <a:txBody>
-                    <a:bodyPr/>
-                    <a:lstStyle/>
-                    <a:p>
-                      <a:r>
-                        <a:rPr kumimoji="1" lang="en-US" altLang="ja-JP" sz="1400" dirty="0"/>
-                        <a:t>Memory</a:t>
-                      </a:r>
-                    </a:p>
-                  </a:txBody>
-                  <a:tcPr/>
-                </a:tc>
-                <a:tc>
-                  <a:txBody>
-                    <a:bodyPr/>
-                    <a:lstStyle/>
-                    <a:p>
-                      <a:r>
-                        <a:rPr kumimoji="1" lang="ja-JP" altLang="en-US" sz="1400" dirty="0"/>
-                        <a:t>会話の過程のデータを保存および取得する</a:t>
-                      </a:r>
-                    </a:p>
-                  </a:txBody>
-                  <a:tcPr/>
-                </a:tc>
-                <a:extLst>
-                  <a:ext uri="{0D108BD9-81ED-4DB2-BD59-A6C34878D82A}">
-                    <a16:rowId xmlns:a16="http://schemas.microsoft.com/office/drawing/2014/main" val="2810762997"/>
-                  </a:ext>
-                </a:extLst>
-              </a:tr>
-              <a:tr h="324000">
-                <a:tc rowSpan="4">
-                  <a:txBody>
-                    <a:bodyPr/>
-                    <a:lstStyle/>
-                    <a:p>
-                      <a:r>
-                        <a:rPr kumimoji="1" lang="en-US" altLang="ja-JP" sz="1400" dirty="0"/>
-                        <a:t>Indexes</a:t>
-                      </a:r>
-                      <a:endParaRPr kumimoji="1" lang="ja-JP" altLang="en-US" sz="1400" dirty="0"/>
-                    </a:p>
-                  </a:txBody>
-                  <a:tcPr anchor="ctr"/>
-                </a:tc>
-                <a:tc>
-                  <a:txBody>
-                    <a:bodyPr/>
-                    <a:lstStyle/>
-                    <a:p>
-                      <a:r>
-                        <a:rPr kumimoji="1" lang="en-US" altLang="ja-JP" sz="1400" dirty="0"/>
-                        <a:t>Document Loaders</a:t>
-                      </a:r>
-                      <a:endParaRPr kumimoji="1" lang="ja-JP" altLang="en-US" sz="1400" dirty="0"/>
-                    </a:p>
-                  </a:txBody>
-                  <a:tcPr/>
-                </a:tc>
-                <a:tc>
-                  <a:txBody>
-                    <a:bodyPr/>
-                    <a:lstStyle/>
-                    <a:p>
-                      <a:r>
-                        <a:rPr kumimoji="1" lang="ja-JP" altLang="en-US" sz="1400" dirty="0"/>
-                        <a:t>さまざまなソースからドキュメントをロード</a:t>
-                      </a:r>
-                    </a:p>
-                  </a:txBody>
-                  <a:tcPr/>
-                </a:tc>
-                <a:extLst>
-                  <a:ext uri="{0D108BD9-81ED-4DB2-BD59-A6C34878D82A}">
-                    <a16:rowId xmlns:a16="http://schemas.microsoft.com/office/drawing/2014/main" val="3495318790"/>
-                  </a:ext>
-                </a:extLst>
-              </a:tr>
-              <a:tr h="324000">
-                <a:tc vMerge="1">
-                  <a:txBody>
-                    <a:bodyPr/>
-                    <a:lstStyle/>
-                    <a:p>
-                      <a:endParaRPr kumimoji="1" lang="ja-JP" altLang="en-US" sz="1400" dirty="0"/>
-                    </a:p>
-                  </a:txBody>
-                  <a:tcPr/>
-                </a:tc>
-                <a:tc>
-                  <a:txBody>
-                    <a:bodyPr/>
-                    <a:lstStyle/>
-                    <a:p>
-                      <a:r>
-                        <a:rPr kumimoji="1" lang="en-US" altLang="ja-JP" sz="1400" dirty="0"/>
-                        <a:t>Text Splitters</a:t>
-                      </a:r>
-                      <a:endParaRPr kumimoji="1" lang="ja-JP" altLang="en-US" sz="1400" dirty="0"/>
-                    </a:p>
-                  </a:txBody>
-                  <a:tcPr/>
-                </a:tc>
-                <a:tc>
-                  <a:txBody>
-                    <a:bodyPr/>
-                    <a:lstStyle/>
-                    <a:p>
-                      <a:r>
-                        <a:rPr kumimoji="1" lang="ja-JP" altLang="en-US" sz="1400" dirty="0"/>
-                        <a:t>テキストの分割</a:t>
-                      </a:r>
-                    </a:p>
-                  </a:txBody>
-                  <a:tcPr/>
-                </a:tc>
-                <a:extLst>
-                  <a:ext uri="{0D108BD9-81ED-4DB2-BD59-A6C34878D82A}">
-                    <a16:rowId xmlns:a16="http://schemas.microsoft.com/office/drawing/2014/main" val="1367013987"/>
-                  </a:ext>
-                </a:extLst>
-              </a:tr>
-              <a:tr h="324000">
-                <a:tc vMerge="1">
-                  <a:txBody>
-                    <a:bodyPr/>
-                    <a:lstStyle/>
-                    <a:p>
-                      <a:endParaRPr kumimoji="1" lang="ja-JP" altLang="en-US" sz="1400" dirty="0"/>
-                    </a:p>
-                  </a:txBody>
-                  <a:tcPr/>
-                </a:tc>
-                <a:tc>
-                  <a:txBody>
-                    <a:bodyPr/>
-                    <a:lstStyle/>
-                    <a:p>
-                      <a:r>
-                        <a:rPr kumimoji="1" lang="en-US" altLang="ja-JP" sz="1400" dirty="0" err="1"/>
-                        <a:t>VectorStores</a:t>
-                      </a:r>
-                      <a:endParaRPr kumimoji="1" lang="ja-JP" altLang="en-US" sz="1400" dirty="0"/>
-                    </a:p>
-                  </a:txBody>
-                  <a:tcPr/>
-                </a:tc>
-                <a:tc>
-                  <a:txBody>
-                    <a:bodyPr/>
-                    <a:lstStyle/>
-                    <a:p>
-                      <a:r>
-                        <a:rPr kumimoji="1" lang="ja-JP" altLang="en-US" sz="1400" dirty="0"/>
-                        <a:t>ドキュメントの埋め込みベクトルを保存。高速に検索できる仕組みを提供。</a:t>
-                      </a:r>
-                    </a:p>
-                  </a:txBody>
-                  <a:tcPr/>
-                </a:tc>
-                <a:extLst>
-                  <a:ext uri="{0D108BD9-81ED-4DB2-BD59-A6C34878D82A}">
-                    <a16:rowId xmlns:a16="http://schemas.microsoft.com/office/drawing/2014/main" val="805465463"/>
-                  </a:ext>
-                </a:extLst>
-              </a:tr>
-              <a:tr h="324000">
-                <a:tc vMerge="1">
-                  <a:txBody>
-                    <a:bodyPr/>
-                    <a:lstStyle/>
-                    <a:p>
-                      <a:endParaRPr kumimoji="1" lang="ja-JP" altLang="en-US" sz="1400" dirty="0"/>
-                    </a:p>
-                  </a:txBody>
-                  <a:tcPr/>
-                </a:tc>
-                <a:tc>
-                  <a:txBody>
-                    <a:bodyPr/>
-                    <a:lstStyle/>
-                    <a:p>
-                      <a:r>
-                        <a:rPr kumimoji="1" lang="en-US" altLang="ja-JP" sz="1400" dirty="0"/>
-                        <a:t>Retrievers</a:t>
-                      </a:r>
-                      <a:endParaRPr kumimoji="1" lang="ja-JP" altLang="en-US" sz="1400" dirty="0"/>
-                    </a:p>
-                  </a:txBody>
-                  <a:tcPr/>
-                </a:tc>
-                <a:tc>
-                  <a:txBody>
-                    <a:bodyPr/>
-                    <a:lstStyle/>
-                    <a:p>
-                      <a:r>
-                        <a:rPr kumimoji="1" lang="ja-JP" altLang="en-US" sz="1400" dirty="0"/>
-                        <a:t>クエリ </a:t>
-                      </a:r>
-                      <a:r>
-                        <a:rPr kumimoji="1" lang="en-US" altLang="ja-JP" sz="1400" dirty="0"/>
-                        <a:t>(</a:t>
-                      </a:r>
-                      <a:r>
-                        <a:rPr kumimoji="1" lang="ja-JP" altLang="en-US" sz="1400" dirty="0"/>
-                        <a:t>文字列</a:t>
-                      </a:r>
-                      <a:r>
-                        <a:rPr kumimoji="1" lang="en-US" altLang="ja-JP" sz="1400" dirty="0"/>
-                        <a:t>) </a:t>
-                      </a:r>
-                      <a:r>
-                        <a:rPr kumimoji="1" lang="ja-JP" altLang="en-US" sz="1400" dirty="0"/>
-                        <a:t>を受け取り、ドキュメントのリストを返す</a:t>
-                      </a:r>
-                    </a:p>
-                  </a:txBody>
-                  <a:tcPr/>
-                </a:tc>
-                <a:extLst>
-                  <a:ext uri="{0D108BD9-81ED-4DB2-BD59-A6C34878D82A}">
-                    <a16:rowId xmlns:a16="http://schemas.microsoft.com/office/drawing/2014/main" val="1333631700"/>
-                  </a:ext>
-                </a:extLst>
-              </a:tr>
-              <a:tr h="324000">
-                <a:tc>
-                  <a:txBody>
-                    <a:bodyPr/>
-                    <a:lstStyle/>
-                    <a:p>
-                      <a:r>
-                        <a:rPr kumimoji="1" lang="en-US" altLang="ja-JP" sz="1400" dirty="0"/>
-                        <a:t>Chains</a:t>
-                      </a:r>
-                      <a:endParaRPr kumimoji="1" lang="ja-JP" altLang="en-US" sz="1400" dirty="0"/>
-                    </a:p>
-                  </a:txBody>
-                  <a:tcPr anchor="ctr"/>
-                </a:tc>
-                <a:tc>
-                  <a:txBody>
-                    <a:bodyPr/>
-                    <a:lstStyle/>
-                    <a:p>
-                      <a:r>
-                        <a:rPr kumimoji="1" lang="en-US" altLang="ja-JP" sz="1400" dirty="0"/>
-                        <a:t>Chains</a:t>
-                      </a:r>
-                      <a:endParaRPr kumimoji="1" lang="ja-JP" altLang="en-US" sz="1400" dirty="0"/>
-                    </a:p>
-                  </a:txBody>
-                  <a:tcPr/>
-                </a:tc>
-                <a:tc>
-                  <a:txBody>
-                    <a:bodyPr/>
-                    <a:lstStyle/>
-                    <a:p>
-                      <a:r>
-                        <a:rPr kumimoji="1" lang="ja-JP" altLang="en-US" sz="1400" dirty="0"/>
-                        <a:t>一連のコンポーネントの組み合わせを</a:t>
-                      </a:r>
-                      <a:r>
-                        <a:rPr kumimoji="1" lang="en-US" altLang="ja-JP" sz="1400" dirty="0"/>
-                        <a:t>(</a:t>
-                      </a:r>
-                      <a:r>
-                        <a:rPr kumimoji="1" lang="ja-JP" altLang="en-US" sz="1400" dirty="0"/>
-                        <a:t>例：プロンプトとモデル</a:t>
-                      </a:r>
-                      <a:r>
-                        <a:rPr kumimoji="1" lang="en-US" altLang="ja-JP" sz="1400" dirty="0"/>
-                        <a:t>)</a:t>
-                      </a:r>
-                      <a:endParaRPr kumimoji="1" lang="ja-JP" altLang="en-US" sz="1400" dirty="0"/>
-                    </a:p>
-                  </a:txBody>
-                  <a:tcPr/>
-                </a:tc>
-                <a:extLst>
-                  <a:ext uri="{0D108BD9-81ED-4DB2-BD59-A6C34878D82A}">
-                    <a16:rowId xmlns:a16="http://schemas.microsoft.com/office/drawing/2014/main" val="1911022105"/>
-                  </a:ext>
-                </a:extLst>
-              </a:tr>
-              <a:tr h="324000">
-                <a:tc rowSpan="4">
-                  <a:txBody>
-                    <a:bodyPr/>
-                    <a:lstStyle/>
-                    <a:p>
-                      <a:r>
-                        <a:rPr kumimoji="1" lang="en-US" altLang="ja-JP" sz="1400" dirty="0"/>
-                        <a:t>Agents</a:t>
-                      </a:r>
-                      <a:endParaRPr kumimoji="1" lang="ja-JP" altLang="en-US" sz="1400" dirty="0"/>
-                    </a:p>
-                  </a:txBody>
-                  <a:tcPr anchor="ctr"/>
-                </a:tc>
-                <a:tc>
-                  <a:txBody>
-                    <a:bodyPr/>
-                    <a:lstStyle/>
-                    <a:p>
-                      <a:r>
-                        <a:rPr kumimoji="1" lang="en-US" altLang="ja-JP" sz="1400" dirty="0"/>
-                        <a:t>Tools</a:t>
-                      </a:r>
-                      <a:endParaRPr kumimoji="1" lang="ja-JP" altLang="en-US" sz="1400" dirty="0"/>
-                    </a:p>
-                  </a:txBody>
-                  <a:tcPr/>
-                </a:tc>
-                <a:tc>
-                  <a:txBody>
-                    <a:bodyPr/>
-                    <a:lstStyle/>
-                    <a:p>
-                      <a:r>
-                        <a:rPr kumimoji="1" lang="ja-JP" altLang="en-US" sz="1400" dirty="0"/>
-                        <a:t>言語モデルが関数と対話しやすくする、関数に関する特定の抽象化</a:t>
-                      </a:r>
-                    </a:p>
-                  </a:txBody>
-                  <a:tcPr/>
-                </a:tc>
-                <a:extLst>
-                  <a:ext uri="{0D108BD9-81ED-4DB2-BD59-A6C34878D82A}">
-                    <a16:rowId xmlns:a16="http://schemas.microsoft.com/office/drawing/2014/main" val="514168797"/>
-                  </a:ext>
-                </a:extLst>
-              </a:tr>
-              <a:tr h="324000">
-                <a:tc vMerge="1">
-                  <a:txBody>
-                    <a:bodyPr/>
-                    <a:lstStyle/>
-                    <a:p>
-                      <a:endParaRPr kumimoji="1" lang="ja-JP" altLang="en-US" sz="1400" dirty="0"/>
-                    </a:p>
-                  </a:txBody>
-                  <a:tcPr/>
-                </a:tc>
-                <a:tc>
-                  <a:txBody>
-                    <a:bodyPr/>
-                    <a:lstStyle/>
-                    <a:p>
-                      <a:r>
-                        <a:rPr kumimoji="1" lang="en-US" altLang="ja-JP" sz="1400" dirty="0"/>
-                        <a:t>Agents</a:t>
-                      </a:r>
-                      <a:endParaRPr kumimoji="1" lang="ja-JP" altLang="en-US" sz="1400" dirty="0"/>
-                    </a:p>
-                  </a:txBody>
-                  <a:tcPr/>
-                </a:tc>
-                <a:tc>
-                  <a:txBody>
-                    <a:bodyPr/>
-                    <a:lstStyle/>
-                    <a:p>
-                      <a:r>
-                        <a:rPr kumimoji="1" lang="ja-JP" altLang="en-US" sz="1400" dirty="0"/>
-                        <a:t>モデルのラッパー</a:t>
-                      </a:r>
-                    </a:p>
-                  </a:txBody>
-                  <a:tcPr/>
-                </a:tc>
-                <a:extLst>
-                  <a:ext uri="{0D108BD9-81ED-4DB2-BD59-A6C34878D82A}">
-                    <a16:rowId xmlns:a16="http://schemas.microsoft.com/office/drawing/2014/main" val="3251508286"/>
-                  </a:ext>
-                </a:extLst>
-              </a:tr>
-              <a:tr h="324000">
-                <a:tc vMerge="1">
-                  <a:txBody>
-                    <a:bodyPr/>
-                    <a:lstStyle/>
-                    <a:p>
-                      <a:endParaRPr kumimoji="1" lang="ja-JP" altLang="en-US" sz="1400" dirty="0"/>
-                    </a:p>
-                  </a:txBody>
-                  <a:tcPr/>
-                </a:tc>
-                <a:tc>
-                  <a:txBody>
-                    <a:bodyPr/>
-                    <a:lstStyle/>
-                    <a:p>
-                      <a:r>
-                        <a:rPr kumimoji="1" lang="en-US" altLang="ja-JP" sz="1400" dirty="0"/>
-                        <a:t>Toolkits</a:t>
-                      </a:r>
-                      <a:endParaRPr kumimoji="1" lang="ja-JP" altLang="en-US" sz="1400" dirty="0"/>
-                    </a:p>
-                  </a:txBody>
-                  <a:tcPr/>
-                </a:tc>
-                <a:tc>
-                  <a:txBody>
-                    <a:bodyPr/>
-                    <a:lstStyle/>
-                    <a:p>
-                      <a:r>
-                        <a:rPr kumimoji="1" lang="ja-JP" altLang="en-US" sz="1400" dirty="0"/>
-                        <a:t>特定の問題を解決するために使用するツールグループ</a:t>
-                      </a:r>
-                    </a:p>
-                  </a:txBody>
-                  <a:tcPr/>
-                </a:tc>
-                <a:extLst>
-                  <a:ext uri="{0D108BD9-81ED-4DB2-BD59-A6C34878D82A}">
-                    <a16:rowId xmlns:a16="http://schemas.microsoft.com/office/drawing/2014/main" val="1578397114"/>
-                  </a:ext>
-                </a:extLst>
-              </a:tr>
-              <a:tr h="324000">
-                <a:tc vMerge="1">
-                  <a:txBody>
-                    <a:bodyPr/>
-                    <a:lstStyle/>
-                    <a:p>
-                      <a:endParaRPr kumimoji="1" lang="ja-JP" altLang="en-US" sz="1400" dirty="0"/>
-                    </a:p>
-                  </a:txBody>
-                  <a:tcPr/>
-                </a:tc>
-                <a:tc>
-                  <a:txBody>
-                    <a:bodyPr/>
-                    <a:lstStyle/>
-                    <a:p>
-                      <a:r>
-                        <a:rPr kumimoji="1" lang="en-US" altLang="ja-JP" sz="1400" dirty="0"/>
-                        <a:t>Agent Executor</a:t>
-                      </a:r>
-                      <a:endParaRPr kumimoji="1" lang="ja-JP" altLang="en-US" sz="1400" dirty="0"/>
-                    </a:p>
-                  </a:txBody>
-                  <a:tcPr/>
-                </a:tc>
-                <a:tc>
-                  <a:txBody>
-                    <a:bodyPr/>
-                    <a:lstStyle/>
-                    <a:p>
-                      <a:r>
-                        <a:rPr kumimoji="1" lang="ja-JP" altLang="en-US" sz="1400" dirty="0"/>
-                        <a:t>エージェントとツールのセット</a:t>
-                      </a:r>
-                    </a:p>
-                  </a:txBody>
-                  <a:tcPr/>
-                </a:tc>
-                <a:extLst>
-                  <a:ext uri="{0D108BD9-81ED-4DB2-BD59-A6C34878D82A}">
-                    <a16:rowId xmlns:a16="http://schemas.microsoft.com/office/drawing/2014/main" val="985798055"/>
-                  </a:ext>
-                </a:extLst>
-              </a:tr>
-              <a:tr h="324000">
-                <a:tc>
-                  <a:txBody>
-                    <a:bodyPr/>
-                    <a:lstStyle/>
-                    <a:p>
-                      <a:r>
-                        <a:rPr kumimoji="1" lang="en-US" altLang="ja-JP" sz="1400" dirty="0"/>
-                        <a:t>Callbacks</a:t>
-                      </a:r>
-                      <a:endParaRPr kumimoji="1" lang="ja-JP" altLang="en-US" sz="1400" dirty="0"/>
-                    </a:p>
-                  </a:txBody>
-                  <a:tcPr anchor="ctr"/>
-                </a:tc>
-                <a:tc>
-                  <a:txBody>
-                    <a:bodyPr/>
-                    <a:lstStyle/>
-                    <a:p>
-                      <a:pPr marL="0" marR="0" lvl="0" indent="0" algn="l" defTabSz="914400" rtl="0" eaLnBrk="1" fontAlgn="auto" latinLnBrk="0" hangingPunct="1">
-                        <a:lnSpc>
-                          <a:spcPct val="100000"/>
-                        </a:lnSpc>
-                        <a:spcBef>
-                          <a:spcPts val="0"/>
-                        </a:spcBef>
-                        <a:spcAft>
-                          <a:spcPts val="0"/>
-                        </a:spcAft>
-                        <a:buClrTx/>
-                        <a:buSzTx/>
-                        <a:buFontTx/>
-                        <a:buNone/>
-                        <a:tabLst/>
-                        <a:defRPr/>
-                      </a:pPr>
-                      <a:r>
-                        <a:rPr kumimoji="1" lang="en-US" altLang="ja-JP" sz="1400" dirty="0"/>
-                        <a:t>Callbacks</a:t>
-                      </a:r>
-                      <a:endParaRPr kumimoji="1" lang="ja-JP" altLang="en-US" sz="1400" dirty="0"/>
-                    </a:p>
-                  </a:txBody>
-                  <a:tcPr/>
-                </a:tc>
-                <a:tc>
-                  <a:txBody>
-                    <a:bodyPr/>
-                    <a:lstStyle/>
-                    <a:p>
-                      <a:r>
-                        <a:rPr kumimoji="1" lang="ja-JP" altLang="en-US" sz="1400" dirty="0"/>
-                        <a:t>イベントをサブスクライブできる（ログ記録、モニタリング等に利用）</a:t>
-                      </a:r>
-                    </a:p>
-                  </a:txBody>
-                  <a:tcPr/>
-                </a:tc>
-                <a:extLst>
-                  <a:ext uri="{0D108BD9-81ED-4DB2-BD59-A6C34878D82A}">
-                    <a16:rowId xmlns:a16="http://schemas.microsoft.com/office/drawing/2014/main" val="1145174868"/>
-                  </a:ext>
-                </a:extLst>
-              </a:tr>
-            </a:tbl>
-          </a:graphicData>
-        </a:graphic>
-      </p:graphicFrame>
-    </p:spTree>
-    <p:extLst>
-      <p:ext uri="{BB962C8B-B14F-4D97-AF65-F5344CB8AC3E}">
-        <p14:creationId xmlns:p14="http://schemas.microsoft.com/office/powerpoint/2010/main" val="2655702115"/>
-      </p:ext>
-    </p:extLst>
-  </p:cSld>
-  <p:clrMapOvr>
-    <a:masterClrMapping/>
-  </p:clrMapOvr>
-</p:sld>
-</file>
-
-<file path=ppt/slides/slide30.xml><?xml version="1.0" encoding="utf-8"?>
+<file path=ppt/slides/slide31.xml><?xml version="1.0" encoding="utf-8"?>
 <p:sld xmlns:a="http://schemas.openxmlformats.org/drawingml/2006/main" xmlns:r="http://schemas.openxmlformats.org/officeDocument/2006/relationships" xmlns:p="http://schemas.openxmlformats.org/presentationml/2006/main">
   <p:cSld>
     <p:spTree>
@@ -15478,7 +15893,7 @@
 </p:sld>
 </file>
 
-<file path=ppt/slides/slide31.xml><?xml version="1.0" encoding="utf-8"?>
+<file path=ppt/slides/slide32.xml><?xml version="1.0" encoding="utf-8"?>
 <p:sld xmlns:a="http://schemas.openxmlformats.org/drawingml/2006/main" xmlns:r="http://schemas.openxmlformats.org/officeDocument/2006/relationships" xmlns:p="http://schemas.openxmlformats.org/presentationml/2006/main">
   <p:cSld>
     <p:spTree>
@@ -15984,7 +16399,7 @@
 </p:sld>
 </file>
 
-<file path=ppt/slides/slide32.xml><?xml version="1.0" encoding="utf-8"?>
+<file path=ppt/slides/slide33.xml><?xml version="1.0" encoding="utf-8"?>
 <p:sld xmlns:a="http://schemas.openxmlformats.org/drawingml/2006/main" xmlns:r="http://schemas.openxmlformats.org/officeDocument/2006/relationships" xmlns:p="http://schemas.openxmlformats.org/presentationml/2006/main">
   <p:cSld>
     <p:spTree>
@@ -16328,7 +16743,7 @@
 </p:sld>
 </file>
 
-<file path=ppt/slides/slide33.xml><?xml version="1.0" encoding="utf-8"?>
+<file path=ppt/slides/slide34.xml><?xml version="1.0" encoding="utf-8"?>
 <p:sld xmlns:a="http://schemas.openxmlformats.org/drawingml/2006/main" xmlns:r="http://schemas.openxmlformats.org/officeDocument/2006/relationships" xmlns:p="http://schemas.openxmlformats.org/presentationml/2006/main">
   <p:cSld>
     <p:spTree>
@@ -17033,7 +17448,7 @@
 </p:sld>
 </file>
 
-<file path=ppt/slides/slide34.xml><?xml version="1.0" encoding="utf-8"?>
+<file path=ppt/slides/slide35.xml><?xml version="1.0" encoding="utf-8"?>
 <p:sld xmlns:a="http://schemas.openxmlformats.org/drawingml/2006/main" xmlns:r="http://schemas.openxmlformats.org/officeDocument/2006/relationships" xmlns:p="http://schemas.openxmlformats.org/presentationml/2006/main">
   <p:cSld>
     <p:spTree>
@@ -17245,7 +17660,7 @@
 </p:sld>
 </file>
 
-<file path=ppt/slides/slide35.xml><?xml version="1.0" encoding="utf-8"?>
+<file path=ppt/slides/slide36.xml><?xml version="1.0" encoding="utf-8"?>
 <p:sld xmlns:a="http://schemas.openxmlformats.org/drawingml/2006/main" xmlns:r="http://schemas.openxmlformats.org/officeDocument/2006/relationships" xmlns:p="http://schemas.openxmlformats.org/presentationml/2006/main">
   <p:cSld>
     <p:spTree>
@@ -17859,7 +18274,7 @@
 </p:sld>
 </file>
 
-<file path=ppt/slides/slide36.xml><?xml version="1.0" encoding="utf-8"?>
+<file path=ppt/slides/slide37.xml><?xml version="1.0" encoding="utf-8"?>
 <p:sld xmlns:a="http://schemas.openxmlformats.org/drawingml/2006/main" xmlns:r="http://schemas.openxmlformats.org/officeDocument/2006/relationships" xmlns:p="http://schemas.openxmlformats.org/presentationml/2006/main">
   <p:cSld>
     <p:spTree>
@@ -18490,7 +18905,7 @@
 </p:sld>
 </file>
 
-<file path=ppt/slides/slide37.xml><?xml version="1.0" encoding="utf-8"?>
+<file path=ppt/slides/slide38.xml><?xml version="1.0" encoding="utf-8"?>
 <p:sld xmlns:a="http://schemas.openxmlformats.org/drawingml/2006/main" xmlns:r="http://schemas.openxmlformats.org/officeDocument/2006/relationships" xmlns:p="http://schemas.openxmlformats.org/presentationml/2006/main">
   <p:cSld>
     <p:spTree>
@@ -18592,30 +19007,25 @@
               <a:rPr lang="ja-JP" altLang="en-US" sz="1800" dirty="0"/>
               <a:t>様々な機能があり、今回紹介したのは極一部である</a:t>
             </a:r>
+            <a:endParaRPr kumimoji="1" lang="en-US" altLang="ja-JP" sz="1800" dirty="0"/>
+          </a:p>
+          <a:p>
             <a:endParaRPr lang="en-US" altLang="ja-JP" sz="1800" dirty="0"/>
           </a:p>
           <a:p>
-            <a:endParaRPr lang="en-US" altLang="ja-JP" sz="1800" dirty="0"/>
-          </a:p>
-          <a:p>
             <a:r>
               <a:rPr kumimoji="1" lang="en-US" altLang="ja-JP" sz="1800" dirty="0"/>
-              <a:t>YouTube</a:t>
+              <a:t>Agent</a:t>
             </a:r>
             <a:r>
               <a:rPr kumimoji="1" lang="ja-JP" altLang="en-US" sz="1800" dirty="0"/>
-              <a:t>などでも、いろいろな使い方が紹介されているので、作りながら感覚をつかんでいきたい</a:t>
-            </a:r>
-            <a:endParaRPr kumimoji="1" lang="en-US" altLang="ja-JP" sz="1800" dirty="0"/>
-          </a:p>
-          <a:p>
-            <a:endParaRPr lang="en-US" altLang="ja-JP" sz="1800" dirty="0"/>
-          </a:p>
-          <a:p>
-            <a:r>
-              <a:rPr kumimoji="1" lang="ja-JP" altLang="en-US" sz="1800" dirty="0"/>
-              <a:t>様々な組み合わせることで、かなりのことを効率的に実施できると思われる</a:t>
-            </a:r>
+              <a:t>を活用して様々な機能組み合わせることで、かなりのことを効率的に実施できると</a:t>
+            </a:r>
+            <a:r>
+              <a:rPr lang="ja-JP" altLang="en-US" sz="1800" dirty="0"/>
+              <a:t>感じた</a:t>
+            </a:r>
+            <a:endParaRPr kumimoji="1" lang="ja-JP" altLang="en-US" sz="1800" dirty="0"/>
           </a:p>
         </p:txBody>
       </p:sp>
@@ -18632,7 +19042,7 @@
 </p:sld>
 </file>
 
-<file path=ppt/slides/slide38.xml><?xml version="1.0" encoding="utf-8"?>
+<file path=ppt/slides/slide39.xml><?xml version="1.0" encoding="utf-8"?>
 <p:sld xmlns:a="http://schemas.openxmlformats.org/drawingml/2006/main" xmlns:r="http://schemas.openxmlformats.org/officeDocument/2006/relationships" xmlns:p="http://schemas.openxmlformats.org/presentationml/2006/main">
   <p:cSld>
     <p:spTree>
@@ -18852,8 +19262,8 @@
         </p:nvSpPr>
         <p:spPr>
           <a:xfrm>
-            <a:off x="494071" y="904567"/>
-            <a:ext cx="10960510" cy="3706762"/>
+            <a:off x="494071" y="904566"/>
+            <a:ext cx="10960510" cy="4896466"/>
           </a:xfrm>
         </p:spPr>
         <p:txBody>
@@ -18885,12 +19295,8 @@
           </a:p>
           <a:p>
             <a:r>
-              <a:rPr lang="en-US" altLang="ja-JP" sz="2000" dirty="0" err="1"/>
-              <a:t>LangChain</a:t>
-            </a:r>
-            <a:r>
               <a:rPr lang="ja-JP" altLang="en-US" sz="2000" dirty="0"/>
-              <a:t>で対応しているモデル</a:t>
+              <a:t>モデルのタイプ</a:t>
             </a:r>
             <a:endParaRPr lang="en-US" altLang="ja-JP" sz="2000" dirty="0"/>
           </a:p>
@@ -18910,6 +19316,14 @@
             <a:pPr lvl="2"/>
             <a:r>
               <a:rPr lang="ja-JP" altLang="en-US" sz="1800" dirty="0"/>
+              <a:t>テキスト文字列を入力として受け取り、テキスト文字列を出力</a:t>
+            </a:r>
+            <a:endParaRPr lang="en-US" altLang="ja-JP" sz="1800" dirty="0"/>
+          </a:p>
+          <a:p>
+            <a:pPr lvl="2"/>
+            <a:r>
+              <a:rPr lang="ja-JP" altLang="en-US" sz="1800" dirty="0"/>
               <a:t>大規模言語モデルの指定</a:t>
             </a:r>
             <a:endParaRPr lang="en-US" altLang="ja-JP" sz="1800" dirty="0"/>
@@ -18930,6 +19344,14 @@
             <a:endParaRPr lang="en-US" altLang="ja-JP" sz="1800" dirty="0"/>
           </a:p>
           <a:p>
+            <a:pPr lvl="2"/>
+            <a:r>
+              <a:rPr lang="ja-JP" altLang="en-US" sz="1800" dirty="0"/>
+              <a:t>チャット メッセージのリストを入力として受け取り、チャット メッセージを返す</a:t>
+            </a:r>
+            <a:endParaRPr lang="en-US" altLang="ja-JP" sz="1800" dirty="0"/>
+          </a:p>
+          <a:p>
             <a:pPr lvl="1"/>
             <a:r>
               <a:rPr lang="en-US" altLang="ja-JP" sz="1800" dirty="0"/>
@@ -18943,6 +19365,21 @@
               <a:t>テキストをベクトル化</a:t>
             </a:r>
             <a:endParaRPr lang="en-US" altLang="ja-JP" sz="1800" dirty="0"/>
+          </a:p>
+          <a:p>
+            <a:pPr lvl="2"/>
+            <a:r>
+              <a:rPr lang="ja-JP" altLang="en-US" sz="1800" dirty="0"/>
+              <a:t>テキストを入力として受け取り、</a:t>
+            </a:r>
+            <a:r>
+              <a:rPr lang="en-US" altLang="ja-JP" sz="1800" dirty="0"/>
+              <a:t>float </a:t>
+            </a:r>
+            <a:r>
+              <a:rPr lang="ja-JP" altLang="en-US" sz="1800" dirty="0"/>
+              <a:t>のリストを返す</a:t>
+            </a:r>
           </a:p>
         </p:txBody>
       </p:sp>
@@ -19280,36 +19717,6 @@
       </p:sp>
       <p:pic>
         <p:nvPicPr>
-          <p:cNvPr id="8" name="図 7">
-            <a:extLst>
-              <a:ext uri="{FF2B5EF4-FFF2-40B4-BE49-F238E27FC236}">
-                <a16:creationId xmlns:a16="http://schemas.microsoft.com/office/drawing/2014/main" id="{FC12AF1E-EBB5-AA80-44E1-F5DD377205F8}"/>
-              </a:ext>
-            </a:extLst>
-          </p:cNvPr>
-          <p:cNvPicPr>
-            <a:picLocks noChangeAspect="1"/>
-          </p:cNvPicPr>
-          <p:nvPr/>
-        </p:nvPicPr>
-        <p:blipFill>
-          <a:blip r:embed="rId2"/>
-          <a:stretch>
-            <a:fillRect/>
-          </a:stretch>
-        </p:blipFill>
-        <p:spPr>
-          <a:xfrm>
-            <a:off x="1533530" y="2408903"/>
-            <a:ext cx="5865749" cy="1681936"/>
-          </a:xfrm>
-          <a:prstGeom prst="rect">
-            <a:avLst/>
-          </a:prstGeom>
-        </p:spPr>
-      </p:pic>
-      <p:pic>
-        <p:nvPicPr>
           <p:cNvPr id="10" name="図 9">
             <a:extLst>
               <a:ext uri="{FF2B5EF4-FFF2-40B4-BE49-F238E27FC236}">
@@ -19323,7 +19730,7 @@
           <p:nvPr/>
         </p:nvPicPr>
         <p:blipFill>
-          <a:blip r:embed="rId3"/>
+          <a:blip r:embed="rId2"/>
           <a:stretch>
             <a:fillRect/>
           </a:stretch>
@@ -19426,6 +19833,36 @@
           </a:p>
         </p:txBody>
       </p:sp>
+      <p:pic>
+        <p:nvPicPr>
+          <p:cNvPr id="6" name="図 5">
+            <a:extLst>
+              <a:ext uri="{FF2B5EF4-FFF2-40B4-BE49-F238E27FC236}">
+                <a16:creationId xmlns:a16="http://schemas.microsoft.com/office/drawing/2014/main" id="{F0E7A46B-79F8-0519-1ECD-5917BEADD083}"/>
+              </a:ext>
+            </a:extLst>
+          </p:cNvPr>
+          <p:cNvPicPr>
+            <a:picLocks noChangeAspect="1"/>
+          </p:cNvPicPr>
+          <p:nvPr/>
+        </p:nvPicPr>
+        <p:blipFill>
+          <a:blip r:embed="rId3"/>
+          <a:stretch>
+            <a:fillRect/>
+          </a:stretch>
+        </p:blipFill>
+        <p:spPr>
+          <a:xfrm>
+            <a:off x="1533529" y="2415347"/>
+            <a:ext cx="4992109" cy="1687472"/>
+          </a:xfrm>
+          <a:prstGeom prst="rect">
+            <a:avLst/>
+          </a:prstGeom>
+        </p:spPr>
+      </p:pic>
     </p:spTree>
     <p:extLst>
       <p:ext uri="{BB962C8B-B14F-4D97-AF65-F5344CB8AC3E}">
@@ -19440,6 +19877,410 @@
 </file>
 
 <file path=ppt/slides/slide6.xml><?xml version="1.0" encoding="utf-8"?>
+<p:sld xmlns:a="http://schemas.openxmlformats.org/drawingml/2006/main" xmlns:r="http://schemas.openxmlformats.org/officeDocument/2006/relationships" xmlns:p="http://schemas.openxmlformats.org/presentationml/2006/main">
+  <p:cSld>
+    <p:spTree>
+      <p:nvGrpSpPr>
+        <p:cNvPr id="1" name=""/>
+        <p:cNvGrpSpPr/>
+        <p:nvPr/>
+      </p:nvGrpSpPr>
+      <p:grpSpPr>
+        <a:xfrm>
+          <a:off x="0" y="0"/>
+          <a:ext cx="0" cy="0"/>
+          <a:chOff x="0" y="0"/>
+          <a:chExt cx="0" cy="0"/>
+        </a:xfrm>
+      </p:grpSpPr>
+      <p:sp>
+        <p:nvSpPr>
+          <p:cNvPr id="2" name="タイトル 1">
+            <a:extLst>
+              <a:ext uri="{FF2B5EF4-FFF2-40B4-BE49-F238E27FC236}">
+                <a16:creationId xmlns:a16="http://schemas.microsoft.com/office/drawing/2014/main" id="{2307BB75-827C-BB57-F3C5-1646EE9DDE97}"/>
+              </a:ext>
+            </a:extLst>
+          </p:cNvPr>
+          <p:cNvSpPr>
+            <a:spLocks noGrp="1"/>
+          </p:cNvSpPr>
+          <p:nvPr>
+            <p:ph type="title"/>
+          </p:nvPr>
+        </p:nvSpPr>
+        <p:spPr>
+          <a:xfrm>
+            <a:off x="494071" y="197978"/>
+            <a:ext cx="10515600" cy="598435"/>
+          </a:xfrm>
+        </p:spPr>
+        <p:txBody>
+          <a:bodyPr>
+            <a:normAutofit/>
+          </a:bodyPr>
+          <a:lstStyle/>
+          <a:p>
+            <a:r>
+              <a:rPr kumimoji="1" lang="en-US" altLang="ja-JP" sz="3200" dirty="0"/>
+              <a:t>Models - LLMs</a:t>
+            </a:r>
+            <a:endParaRPr kumimoji="1" lang="ja-JP" altLang="en-US" sz="3200" dirty="0"/>
+          </a:p>
+        </p:txBody>
+      </p:sp>
+      <p:sp>
+        <p:nvSpPr>
+          <p:cNvPr id="4" name="コンテンツ プレースホルダー 2">
+            <a:extLst>
+              <a:ext uri="{FF2B5EF4-FFF2-40B4-BE49-F238E27FC236}">
+                <a16:creationId xmlns:a16="http://schemas.microsoft.com/office/drawing/2014/main" id="{53C3694F-604A-A422-2E0E-3F3ACB229172}"/>
+              </a:ext>
+            </a:extLst>
+          </p:cNvPr>
+          <p:cNvSpPr txBox="1">
+            <a:spLocks/>
+          </p:cNvSpPr>
+          <p:nvPr/>
+        </p:nvSpPr>
+        <p:spPr>
+          <a:xfrm>
+            <a:off x="255639" y="904568"/>
+            <a:ext cx="11198942" cy="432619"/>
+          </a:xfrm>
+          <a:prstGeom prst="rect">
+            <a:avLst/>
+          </a:prstGeom>
+        </p:spPr>
+        <p:txBody>
+          <a:bodyPr vert="horz" lIns="91440" tIns="45720" rIns="91440" bIns="45720" rtlCol="0">
+            <a:normAutofit/>
+          </a:bodyPr>
+          <a:lstStyle>
+            <a:lvl1pPr marL="228600" indent="-228600" algn="l" defTabSz="914400" rtl="0" eaLnBrk="1" latinLnBrk="0" hangingPunct="1">
+              <a:lnSpc>
+                <a:spcPct val="90000"/>
+              </a:lnSpc>
+              <a:spcBef>
+                <a:spcPts val="1000"/>
+              </a:spcBef>
+              <a:buFont typeface="Arial" panose="020B0604020202020204" pitchFamily="34" charset="0"/>
+              <a:buChar char="•"/>
+              <a:defRPr kumimoji="1" sz="2800" kern="1200">
+                <a:solidFill>
+                  <a:schemeClr val="tx1"/>
+                </a:solidFill>
+                <a:latin typeface="+mn-lt"/>
+                <a:ea typeface="+mn-ea"/>
+                <a:cs typeface="+mn-cs"/>
+              </a:defRPr>
+            </a:lvl1pPr>
+            <a:lvl2pPr marL="685800" indent="-228600" algn="l" defTabSz="914400" rtl="0" eaLnBrk="1" latinLnBrk="0" hangingPunct="1">
+              <a:lnSpc>
+                <a:spcPct val="90000"/>
+              </a:lnSpc>
+              <a:spcBef>
+                <a:spcPts val="500"/>
+              </a:spcBef>
+              <a:buFont typeface="Arial" panose="020B0604020202020204" pitchFamily="34" charset="0"/>
+              <a:buChar char="•"/>
+              <a:defRPr kumimoji="1" sz="2400" kern="1200">
+                <a:solidFill>
+                  <a:schemeClr val="tx1"/>
+                </a:solidFill>
+                <a:latin typeface="+mn-lt"/>
+                <a:ea typeface="+mn-ea"/>
+                <a:cs typeface="+mn-cs"/>
+              </a:defRPr>
+            </a:lvl2pPr>
+            <a:lvl3pPr marL="1143000" indent="-228600" algn="l" defTabSz="914400" rtl="0" eaLnBrk="1" latinLnBrk="0" hangingPunct="1">
+              <a:lnSpc>
+                <a:spcPct val="90000"/>
+              </a:lnSpc>
+              <a:spcBef>
+                <a:spcPts val="500"/>
+              </a:spcBef>
+              <a:buFont typeface="Arial" panose="020B0604020202020204" pitchFamily="34" charset="0"/>
+              <a:buChar char="•"/>
+              <a:defRPr kumimoji="1" sz="2000" kern="1200">
+                <a:solidFill>
+                  <a:schemeClr val="tx1"/>
+                </a:solidFill>
+                <a:latin typeface="+mn-lt"/>
+                <a:ea typeface="+mn-ea"/>
+                <a:cs typeface="+mn-cs"/>
+              </a:defRPr>
+            </a:lvl3pPr>
+            <a:lvl4pPr marL="1600200" indent="-228600" algn="l" defTabSz="914400" rtl="0" eaLnBrk="1" latinLnBrk="0" hangingPunct="1">
+              <a:lnSpc>
+                <a:spcPct val="90000"/>
+              </a:lnSpc>
+              <a:spcBef>
+                <a:spcPts val="500"/>
+              </a:spcBef>
+              <a:buFont typeface="Arial" panose="020B0604020202020204" pitchFamily="34" charset="0"/>
+              <a:buChar char="•"/>
+              <a:defRPr kumimoji="1" sz="1800" kern="1200">
+                <a:solidFill>
+                  <a:schemeClr val="tx1"/>
+                </a:solidFill>
+                <a:latin typeface="+mn-lt"/>
+                <a:ea typeface="+mn-ea"/>
+                <a:cs typeface="+mn-cs"/>
+              </a:defRPr>
+            </a:lvl4pPr>
+            <a:lvl5pPr marL="2057400" indent="-228600" algn="l" defTabSz="914400" rtl="0" eaLnBrk="1" latinLnBrk="0" hangingPunct="1">
+              <a:lnSpc>
+                <a:spcPct val="90000"/>
+              </a:lnSpc>
+              <a:spcBef>
+                <a:spcPts val="500"/>
+              </a:spcBef>
+              <a:buFont typeface="Arial" panose="020B0604020202020204" pitchFamily="34" charset="0"/>
+              <a:buChar char="•"/>
+              <a:defRPr kumimoji="1" sz="1800" kern="1200">
+                <a:solidFill>
+                  <a:schemeClr val="tx1"/>
+                </a:solidFill>
+                <a:latin typeface="+mn-lt"/>
+                <a:ea typeface="+mn-ea"/>
+                <a:cs typeface="+mn-cs"/>
+              </a:defRPr>
+            </a:lvl5pPr>
+            <a:lvl6pPr marL="2514600" indent="-228600" algn="l" defTabSz="914400" rtl="0" eaLnBrk="1" latinLnBrk="0" hangingPunct="1">
+              <a:lnSpc>
+                <a:spcPct val="90000"/>
+              </a:lnSpc>
+              <a:spcBef>
+                <a:spcPts val="500"/>
+              </a:spcBef>
+              <a:buFont typeface="Arial" panose="020B0604020202020204" pitchFamily="34" charset="0"/>
+              <a:buChar char="•"/>
+              <a:defRPr kumimoji="1" sz="1800" kern="1200">
+                <a:solidFill>
+                  <a:schemeClr val="tx1"/>
+                </a:solidFill>
+                <a:latin typeface="+mn-lt"/>
+                <a:ea typeface="+mn-ea"/>
+                <a:cs typeface="+mn-cs"/>
+              </a:defRPr>
+            </a:lvl6pPr>
+            <a:lvl7pPr marL="2971800" indent="-228600" algn="l" defTabSz="914400" rtl="0" eaLnBrk="1" latinLnBrk="0" hangingPunct="1">
+              <a:lnSpc>
+                <a:spcPct val="90000"/>
+              </a:lnSpc>
+              <a:spcBef>
+                <a:spcPts val="500"/>
+              </a:spcBef>
+              <a:buFont typeface="Arial" panose="020B0604020202020204" pitchFamily="34" charset="0"/>
+              <a:buChar char="•"/>
+              <a:defRPr kumimoji="1" sz="1800" kern="1200">
+                <a:solidFill>
+                  <a:schemeClr val="tx1"/>
+                </a:solidFill>
+                <a:latin typeface="+mn-lt"/>
+                <a:ea typeface="+mn-ea"/>
+                <a:cs typeface="+mn-cs"/>
+              </a:defRPr>
+            </a:lvl7pPr>
+            <a:lvl8pPr marL="3429000" indent="-228600" algn="l" defTabSz="914400" rtl="0" eaLnBrk="1" latinLnBrk="0" hangingPunct="1">
+              <a:lnSpc>
+                <a:spcPct val="90000"/>
+              </a:lnSpc>
+              <a:spcBef>
+                <a:spcPts val="500"/>
+              </a:spcBef>
+              <a:buFont typeface="Arial" panose="020B0604020202020204" pitchFamily="34" charset="0"/>
+              <a:buChar char="•"/>
+              <a:defRPr kumimoji="1" sz="1800" kern="1200">
+                <a:solidFill>
+                  <a:schemeClr val="tx1"/>
+                </a:solidFill>
+                <a:latin typeface="+mn-lt"/>
+                <a:ea typeface="+mn-ea"/>
+                <a:cs typeface="+mn-cs"/>
+              </a:defRPr>
+            </a:lvl8pPr>
+            <a:lvl9pPr marL="3886200" indent="-228600" algn="l" defTabSz="914400" rtl="0" eaLnBrk="1" latinLnBrk="0" hangingPunct="1">
+              <a:lnSpc>
+                <a:spcPct val="90000"/>
+              </a:lnSpc>
+              <a:spcBef>
+                <a:spcPts val="500"/>
+              </a:spcBef>
+              <a:buFont typeface="Arial" panose="020B0604020202020204" pitchFamily="34" charset="0"/>
+              <a:buChar char="•"/>
+              <a:defRPr kumimoji="1" sz="1800" kern="1200">
+                <a:solidFill>
+                  <a:schemeClr val="tx1"/>
+                </a:solidFill>
+                <a:latin typeface="+mn-lt"/>
+                <a:ea typeface="+mn-ea"/>
+                <a:cs typeface="+mn-cs"/>
+              </a:defRPr>
+            </a:lvl9pPr>
+          </a:lstStyle>
+          <a:p>
+            <a:pPr marL="0" indent="0">
+              <a:buNone/>
+            </a:pPr>
+            <a:r>
+              <a:rPr lang="ja-JP" altLang="en-US" sz="1800" dirty="0"/>
+              <a:t>（参考）</a:t>
+            </a:r>
+            <a:r>
+              <a:rPr lang="en-US" altLang="ja-JP" sz="1800" dirty="0"/>
+              <a:t>LLMs</a:t>
+            </a:r>
+            <a:r>
+              <a:rPr lang="ja-JP" altLang="en-US" sz="1800" dirty="0"/>
+              <a:t>で指定できる</a:t>
+            </a:r>
+            <a:r>
+              <a:rPr lang="en-US" altLang="ja-JP" sz="1800" dirty="0"/>
+              <a:t>LLM</a:t>
+            </a:r>
+            <a:r>
+              <a:rPr lang="ja-JP" altLang="en-US" sz="1800" dirty="0"/>
+              <a:t>プロバイダ</a:t>
+            </a:r>
+          </a:p>
+        </p:txBody>
+      </p:sp>
+      <p:pic>
+        <p:nvPicPr>
+          <p:cNvPr id="7" name="図 6">
+            <a:extLst>
+              <a:ext uri="{FF2B5EF4-FFF2-40B4-BE49-F238E27FC236}">
+                <a16:creationId xmlns:a16="http://schemas.microsoft.com/office/drawing/2014/main" id="{3381B0CA-7EED-4A5D-5DE8-C17D036B5825}"/>
+              </a:ext>
+            </a:extLst>
+          </p:cNvPr>
+          <p:cNvPicPr>
+            <a:picLocks noChangeAspect="1"/>
+          </p:cNvPicPr>
+          <p:nvPr/>
+        </p:nvPicPr>
+        <p:blipFill>
+          <a:blip r:embed="rId2"/>
+          <a:stretch>
+            <a:fillRect/>
+          </a:stretch>
+        </p:blipFill>
+        <p:spPr>
+          <a:xfrm>
+            <a:off x="114845" y="1612750"/>
+            <a:ext cx="2915970" cy="3467353"/>
+          </a:xfrm>
+          <a:prstGeom prst="rect">
+            <a:avLst/>
+          </a:prstGeom>
+        </p:spPr>
+      </p:pic>
+      <p:pic>
+        <p:nvPicPr>
+          <p:cNvPr id="13" name="図 12">
+            <a:extLst>
+              <a:ext uri="{FF2B5EF4-FFF2-40B4-BE49-F238E27FC236}">
+                <a16:creationId xmlns:a16="http://schemas.microsoft.com/office/drawing/2014/main" id="{D4DA73B9-ADDA-F305-C242-06D0575EE6B4}"/>
+              </a:ext>
+            </a:extLst>
+          </p:cNvPr>
+          <p:cNvPicPr>
+            <a:picLocks noChangeAspect="1"/>
+          </p:cNvPicPr>
+          <p:nvPr/>
+        </p:nvPicPr>
+        <p:blipFill>
+          <a:blip r:embed="rId3"/>
+          <a:stretch>
+            <a:fillRect/>
+          </a:stretch>
+        </p:blipFill>
+        <p:spPr>
+          <a:xfrm>
+            <a:off x="2942324" y="1612750"/>
+            <a:ext cx="3435310" cy="3273171"/>
+          </a:xfrm>
+          <a:prstGeom prst="rect">
+            <a:avLst/>
+          </a:prstGeom>
+        </p:spPr>
+      </p:pic>
+      <p:pic>
+        <p:nvPicPr>
+          <p:cNvPr id="15" name="図 14">
+            <a:extLst>
+              <a:ext uri="{FF2B5EF4-FFF2-40B4-BE49-F238E27FC236}">
+                <a16:creationId xmlns:a16="http://schemas.microsoft.com/office/drawing/2014/main" id="{C6B9143E-3901-7599-72C6-010E0D512F33}"/>
+              </a:ext>
+            </a:extLst>
+          </p:cNvPr>
+          <p:cNvPicPr>
+            <a:picLocks noChangeAspect="1"/>
+          </p:cNvPicPr>
+          <p:nvPr/>
+        </p:nvPicPr>
+        <p:blipFill>
+          <a:blip r:embed="rId4"/>
+          <a:stretch>
+            <a:fillRect/>
+          </a:stretch>
+        </p:blipFill>
+        <p:spPr>
+          <a:xfrm>
+            <a:off x="6459933" y="1612749"/>
+            <a:ext cx="3323164" cy="3482421"/>
+          </a:xfrm>
+          <a:prstGeom prst="rect">
+            <a:avLst/>
+          </a:prstGeom>
+        </p:spPr>
+      </p:pic>
+      <p:pic>
+        <p:nvPicPr>
+          <p:cNvPr id="17" name="図 16">
+            <a:extLst>
+              <a:ext uri="{FF2B5EF4-FFF2-40B4-BE49-F238E27FC236}">
+                <a16:creationId xmlns:a16="http://schemas.microsoft.com/office/drawing/2014/main" id="{5B066721-41FF-FEA1-2E4F-C2AD14DEACB2}"/>
+              </a:ext>
+            </a:extLst>
+          </p:cNvPr>
+          <p:cNvPicPr>
+            <a:picLocks noChangeAspect="1"/>
+          </p:cNvPicPr>
+          <p:nvPr/>
+        </p:nvPicPr>
+        <p:blipFill>
+          <a:blip r:embed="rId5"/>
+          <a:stretch>
+            <a:fillRect/>
+          </a:stretch>
+        </p:blipFill>
+        <p:spPr>
+          <a:xfrm>
+            <a:off x="8180439" y="1612749"/>
+            <a:ext cx="3969574" cy="3173507"/>
+          </a:xfrm>
+          <a:prstGeom prst="rect">
+            <a:avLst/>
+          </a:prstGeom>
+        </p:spPr>
+      </p:pic>
+    </p:spTree>
+    <p:extLst>
+      <p:ext uri="{BB962C8B-B14F-4D97-AF65-F5344CB8AC3E}">
+        <p14:creationId xmlns:p14="http://schemas.microsoft.com/office/powerpoint/2010/main" val="4111335836"/>
+      </p:ext>
+    </p:extLst>
+  </p:cSld>
+  <p:clrMapOvr>
+    <a:masterClrMapping/>
+  </p:clrMapOvr>
+</p:sld>
+</file>
+
+<file path=ppt/slides/slide7.xml><?xml version="1.0" encoding="utf-8"?>
 <p:sld xmlns:a="http://schemas.openxmlformats.org/drawingml/2006/main" xmlns:r="http://schemas.openxmlformats.org/officeDocument/2006/relationships" xmlns:p="http://schemas.openxmlformats.org/presentationml/2006/main">
   <p:cSld>
     <p:spTree>
@@ -19734,7 +20575,7 @@
 </p:sld>
 </file>
 
-<file path=ppt/slides/slide7.xml><?xml version="1.0" encoding="utf-8"?>
+<file path=ppt/slides/slide8.xml><?xml version="1.0" encoding="utf-8"?>
 <p:sld xmlns:a="http://schemas.openxmlformats.org/drawingml/2006/main" xmlns:r="http://schemas.openxmlformats.org/officeDocument/2006/relationships" xmlns:p="http://schemas.openxmlformats.org/presentationml/2006/main">
   <p:cSld>
     <p:spTree>
@@ -19781,7 +20622,7 @@
           <a:p>
             <a:r>
               <a:rPr kumimoji="1" lang="en-US" altLang="ja-JP" sz="3200" dirty="0"/>
-              <a:t>Models – Embedding Models</a:t>
+              <a:t>Models – Text Embedding Models</a:t>
             </a:r>
             <a:endParaRPr kumimoji="1" lang="ja-JP" altLang="en-US" sz="3200" dirty="0"/>
           </a:p>
@@ -19804,7 +20645,7 @@
         <p:spPr>
           <a:xfrm>
             <a:off x="494071" y="904568"/>
-            <a:ext cx="10960510" cy="1386348"/>
+            <a:ext cx="10960510" cy="509453"/>
           </a:xfrm>
           <a:prstGeom prst="rect">
             <a:avLst/>
@@ -19981,7 +20822,7 @@
           <a:p>
             <a:r>
               <a:rPr lang="ja-JP" altLang="en-US" sz="1800" dirty="0"/>
-              <a:t>テキストをベクトル化</a:t>
+              <a:t>テキストをベクトル化してくれる</a:t>
             </a:r>
           </a:p>
         </p:txBody>
@@ -20154,7 +20995,7 @@
 </p:sld>
 </file>
 
-<file path=ppt/slides/slide8.xml><?xml version="1.0" encoding="utf-8"?>
+<file path=ppt/slides/slide9.xml><?xml version="1.0" encoding="utf-8"?>
 <p:sld xmlns:a="http://schemas.openxmlformats.org/drawingml/2006/main" xmlns:r="http://schemas.openxmlformats.org/officeDocument/2006/relationships" xmlns:p="http://schemas.openxmlformats.org/presentationml/2006/main">
   <p:cSld>
     <p:spTree>
@@ -20226,7 +21067,7 @@
             <p:ph idx="1"/>
             <p:extLst>
               <p:ext uri="{D42A27DB-BD31-4B8C-83A1-F6EECF244321}">
-                <p14:modId xmlns:p14="http://schemas.microsoft.com/office/powerpoint/2010/main" val="259138803"/>
+                <p14:modId xmlns:p14="http://schemas.microsoft.com/office/powerpoint/2010/main" val="798126098"/>
               </p:ext>
             </p:extLst>
           </p:nvPr>
@@ -21225,193 +22066,6 @@
     <p:extLst>
       <p:ext uri="{BB962C8B-B14F-4D97-AF65-F5344CB8AC3E}">
         <p14:creationId xmlns:p14="http://schemas.microsoft.com/office/powerpoint/2010/main" val="740992919"/>
-      </p:ext>
-    </p:extLst>
-  </p:cSld>
-  <p:clrMapOvr>
-    <a:masterClrMapping/>
-  </p:clrMapOvr>
-</p:sld>
-</file>
-
-<file path=ppt/slides/slide9.xml><?xml version="1.0" encoding="utf-8"?>
-<p:sld xmlns:a="http://schemas.openxmlformats.org/drawingml/2006/main" xmlns:r="http://schemas.openxmlformats.org/officeDocument/2006/relationships" xmlns:p="http://schemas.openxmlformats.org/presentationml/2006/main">
-  <p:cSld>
-    <p:spTree>
-      <p:nvGrpSpPr>
-        <p:cNvPr id="1" name=""/>
-        <p:cNvGrpSpPr/>
-        <p:nvPr/>
-      </p:nvGrpSpPr>
-      <p:grpSpPr>
-        <a:xfrm>
-          <a:off x="0" y="0"/>
-          <a:ext cx="0" cy="0"/>
-          <a:chOff x="0" y="0"/>
-          <a:chExt cx="0" cy="0"/>
-        </a:xfrm>
-      </p:grpSpPr>
-      <p:sp>
-        <p:nvSpPr>
-          <p:cNvPr id="2" name="タイトル 1">
-            <a:extLst>
-              <a:ext uri="{FF2B5EF4-FFF2-40B4-BE49-F238E27FC236}">
-                <a16:creationId xmlns:a16="http://schemas.microsoft.com/office/drawing/2014/main" id="{2307BB75-827C-BB57-F3C5-1646EE9DDE97}"/>
-              </a:ext>
-            </a:extLst>
-          </p:cNvPr>
-          <p:cNvSpPr>
-            <a:spLocks noGrp="1"/>
-          </p:cNvSpPr>
-          <p:nvPr>
-            <p:ph type="title"/>
-          </p:nvPr>
-        </p:nvSpPr>
-        <p:spPr>
-          <a:xfrm>
-            <a:off x="494071" y="197978"/>
-            <a:ext cx="10515600" cy="598435"/>
-          </a:xfrm>
-        </p:spPr>
-        <p:txBody>
-          <a:bodyPr>
-            <a:normAutofit/>
-          </a:bodyPr>
-          <a:lstStyle/>
-          <a:p>
-            <a:r>
-              <a:rPr kumimoji="1" lang="en-US" altLang="ja-JP" sz="3200" dirty="0"/>
-              <a:t>Prompt</a:t>
-            </a:r>
-            <a:endParaRPr kumimoji="1" lang="ja-JP" altLang="en-US" sz="3200" dirty="0"/>
-          </a:p>
-        </p:txBody>
-      </p:sp>
-      <p:sp>
-        <p:nvSpPr>
-          <p:cNvPr id="3" name="コンテンツ プレースホルダー 2">
-            <a:extLst>
-              <a:ext uri="{FF2B5EF4-FFF2-40B4-BE49-F238E27FC236}">
-                <a16:creationId xmlns:a16="http://schemas.microsoft.com/office/drawing/2014/main" id="{B67E071B-4436-63F2-3B68-D6BC3EA36BD8}"/>
-              </a:ext>
-            </a:extLst>
-          </p:cNvPr>
-          <p:cNvSpPr>
-            <a:spLocks noGrp="1"/>
-          </p:cNvSpPr>
-          <p:nvPr>
-            <p:ph idx="1"/>
-          </p:nvPr>
-        </p:nvSpPr>
-        <p:spPr>
-          <a:xfrm>
-            <a:off x="494071" y="904567"/>
-            <a:ext cx="10960510" cy="1140543"/>
-          </a:xfrm>
-        </p:spPr>
-        <p:txBody>
-          <a:bodyPr>
-            <a:normAutofit/>
-          </a:bodyPr>
-          <a:lstStyle/>
-          <a:p>
-            <a:r>
-              <a:rPr lang="en-US" altLang="ja-JP" sz="2000" dirty="0"/>
-              <a:t>Prompt</a:t>
-            </a:r>
-            <a:r>
-              <a:rPr lang="ja-JP" altLang="en-US" sz="2000" dirty="0"/>
-              <a:t>はプロンプトの管理・最適化・シリアル化などをする機能</a:t>
-            </a:r>
-            <a:endParaRPr lang="en-US" altLang="ja-JP" sz="2000" dirty="0"/>
-          </a:p>
-          <a:p>
-            <a:r>
-              <a:rPr lang="en-US" altLang="ja-JP" sz="2000" dirty="0" err="1"/>
-              <a:t>LangChain</a:t>
-            </a:r>
-            <a:r>
-              <a:rPr lang="ja-JP" altLang="en-US" sz="2000" dirty="0"/>
-              <a:t>を使用しなくてもプロンプトの管理はできるが、「少ないコードで記述できる」という点で便利</a:t>
-            </a:r>
-            <a:endParaRPr lang="en-US" altLang="ja-JP" sz="2000" dirty="0"/>
-          </a:p>
-        </p:txBody>
-      </p:sp>
-      <p:pic>
-        <p:nvPicPr>
-          <p:cNvPr id="5" name="図 4">
-            <a:extLst>
-              <a:ext uri="{FF2B5EF4-FFF2-40B4-BE49-F238E27FC236}">
-                <a16:creationId xmlns:a16="http://schemas.microsoft.com/office/drawing/2014/main" id="{3B5176B3-48CC-A88D-68EA-801F03E01F7C}"/>
-              </a:ext>
-            </a:extLst>
-          </p:cNvPr>
-          <p:cNvPicPr>
-            <a:picLocks noChangeAspect="1"/>
-          </p:cNvPicPr>
-          <p:nvPr/>
-        </p:nvPicPr>
-        <p:blipFill>
-          <a:blip r:embed="rId2"/>
-          <a:stretch>
-            <a:fillRect/>
-          </a:stretch>
-        </p:blipFill>
-        <p:spPr>
-          <a:xfrm>
-            <a:off x="2943897" y="1927917"/>
-            <a:ext cx="5753599" cy="4359018"/>
-          </a:xfrm>
-          <a:prstGeom prst="rect">
-            <a:avLst/>
-          </a:prstGeom>
-        </p:spPr>
-      </p:pic>
-      <p:sp>
-        <p:nvSpPr>
-          <p:cNvPr id="6" name="テキスト ボックス 5">
-            <a:extLst>
-              <a:ext uri="{FF2B5EF4-FFF2-40B4-BE49-F238E27FC236}">
-                <a16:creationId xmlns:a16="http://schemas.microsoft.com/office/drawing/2014/main" id="{6F888EE5-BF77-6526-53C1-049FB62F2C65}"/>
-              </a:ext>
-            </a:extLst>
-          </p:cNvPr>
-          <p:cNvSpPr txBox="1"/>
-          <p:nvPr/>
-        </p:nvSpPr>
-        <p:spPr>
-          <a:xfrm>
-            <a:off x="2654711" y="6352245"/>
-            <a:ext cx="8062452" cy="307777"/>
-          </a:xfrm>
-          <a:prstGeom prst="rect">
-            <a:avLst/>
-          </a:prstGeom>
-          <a:noFill/>
-        </p:spPr>
-        <p:txBody>
-          <a:bodyPr wrap="square" rtlCol="0">
-            <a:spAutoFit/>
-          </a:bodyPr>
-          <a:lstStyle/>
-          <a:p>
-            <a:r>
-              <a:rPr kumimoji="1" lang="ja-JP" altLang="en-US" sz="1400" dirty="0"/>
-              <a:t>（出所）</a:t>
-            </a:r>
-            <a:r>
-              <a:rPr kumimoji="1" lang="en-US" altLang="ja-JP" sz="1400" dirty="0"/>
-              <a:t> https://zenn.dev/umi_mori/books/prompt-engineer/viewer/langchain_prompt</a:t>
-            </a:r>
-            <a:endParaRPr kumimoji="1" lang="ja-JP" altLang="en-US" sz="1400" dirty="0"/>
-          </a:p>
-        </p:txBody>
-      </p:sp>
-    </p:spTree>
-    <p:extLst>
-      <p:ext uri="{BB962C8B-B14F-4D97-AF65-F5344CB8AC3E}">
-        <p14:creationId xmlns:p14="http://schemas.microsoft.com/office/powerpoint/2010/main" val="2612032614"/>
       </p:ext>
     </p:extLst>
   </p:cSld>
